--- a/defection/Customer Defection.pptx
+++ b/defection/Customer Defection.pptx
@@ -111,6 +111,11 @@
       </a:defRPr>
     </a:lvl9pPr>
   </p:defaultTextStyle>
+  <p:extLst>
+    <p:ext uri="{EFAFB233-063F-42B5-8137-9DF3F51BA10A}">
+      <p15:sldGuideLst xmlns:p15="http://schemas.microsoft.com/office/powerpoint/2012/main"/>
+    </p:ext>
+  </p:extLst>
 </p:presentation>
 </file>
 
@@ -4159,7 +4164,7 @@
       </p:sp>
       <p:pic>
         <p:nvPicPr>
-          <p:cNvPr id="9" name="gettyimages-712-3_h8_c_optimized">
+          <p:cNvPr id="4" name="gettyimages-712-3_h8_c_optimized">
             <a:hlinkClick r:id="" action="ppaction://media"/>
           </p:cNvPr>
           <p:cNvPicPr>
@@ -4233,7 +4238,7 @@
                                       <p:cBhvr>
                                         <p:cTn id="6" dur="8000" fill="hold"/>
                                         <p:tgtEl>
-                                          <p:spTgt spid="9"/>
+                                          <p:spTgt spid="4"/>
                                         </p:tgtEl>
                                       </p:cBhvr>
                                     </p:cmd>
@@ -4264,14 +4269,14 @@
               </p:nextCondLst>
             </p:seq>
             <p:video>
-              <p:cMediaNode vol="80000" showWhenStopped="0">
+              <p:cMediaNode showWhenStopped="0">
                 <p:cTn id="7" fill="hold" display="0">
                   <p:stCondLst>
                     <p:cond delay="indefinite"/>
                   </p:stCondLst>
                 </p:cTn>
                 <p:tgtEl>
-                  <p:spTgt spid="9"/>
+                  <p:spTgt spid="4"/>
                 </p:tgtEl>
               </p:cMediaNode>
             </p:video>
@@ -4280,7 +4285,7 @@
                 <p:stCondLst>
                   <p:cond evt="onClick" delay="0">
                     <p:tgtEl>
-                      <p:spTgt spid="9"/>
+                      <p:spTgt spid="4"/>
                     </p:tgtEl>
                   </p:cond>
                 </p:stCondLst>
@@ -4310,7 +4315,42 @@
                                       <p:cBhvr>
                                         <p:cTn id="12" dur="1" fill="hold"/>
                                         <p:tgtEl>
-                                          <p:spTgt spid="9"/>
+                                          <p:spTgt spid="4"/>
+                                        </p:tgtEl>
+                                      </p:cBhvr>
+                                    </p:cmd>
+                                  </p:childTnLst>
+                                </p:cTn>
+                              </p:par>
+                            </p:childTnLst>
+                          </p:cTn>
+                        </p:par>
+                      </p:childTnLst>
+                    </p:cTn>
+                  </p:par>
+                  <p:par>
+                    <p:cTn id="13" fill="hold">
+                      <p:stCondLst>
+                        <p:cond delay="indefinite"/>
+                      </p:stCondLst>
+                      <p:childTnLst>
+                        <p:par>
+                          <p:cTn id="14" fill="hold">
+                            <p:stCondLst>
+                              <p:cond delay="0"/>
+                            </p:stCondLst>
+                            <p:childTnLst>
+                              <p:par>
+                                <p:cTn id="15" presetID="2" presetClass="mediacall" presetSubtype="0" fill="hold" nodeType="clickEffect">
+                                  <p:stCondLst>
+                                    <p:cond delay="0"/>
+                                  </p:stCondLst>
+                                  <p:childTnLst>
+                                    <p:cmd type="call" cmd="togglePause">
+                                      <p:cBhvr>
+                                        <p:cTn id="16" dur="1" fill="hold"/>
+                                        <p:tgtEl>
+                                          <p:spTgt spid="4"/>
                                         </p:tgtEl>
                                       </p:cBhvr>
                                     </p:cmd>
@@ -4328,7 +4368,7 @@
               <p:nextCondLst>
                 <p:cond evt="onClick" delay="0">
                   <p:tgtEl>
-                    <p:spTgt spid="9"/>
+                    <p:spTgt spid="4"/>
                   </p:tgtEl>
                 </p:cond>
               </p:nextCondLst>

--- a/defection/Customer Defection.pptx
+++ b/defection/Customer Defection.pptx
@@ -8,11 +8,12 @@
     <p:sldId id="256" r:id="rId2"/>
     <p:sldId id="257" r:id="rId3"/>
     <p:sldId id="258" r:id="rId4"/>
-    <p:sldId id="259" r:id="rId5"/>
-    <p:sldId id="260" r:id="rId6"/>
-    <p:sldId id="261" r:id="rId7"/>
-    <p:sldId id="262" r:id="rId8"/>
-    <p:sldId id="263" r:id="rId9"/>
+    <p:sldId id="264" r:id="rId5"/>
+    <p:sldId id="259" r:id="rId6"/>
+    <p:sldId id="260" r:id="rId7"/>
+    <p:sldId id="261" r:id="rId8"/>
+    <p:sldId id="262" r:id="rId9"/>
+    <p:sldId id="263" r:id="rId10"/>
   </p:sldIdLst>
   <p:sldSz cx="12192000" cy="6858000"/>
   <p:notesSz cx="6858000" cy="9144000"/>
@@ -113,10 +114,6090 @@
   </p:defaultTextStyle>
   <p:extLst>
     <p:ext uri="{EFAFB233-063F-42B5-8137-9DF3F51BA10A}">
-      <p15:sldGuideLst xmlns:p15="http://schemas.microsoft.com/office/powerpoint/2012/main"/>
+      <p15:sldGuideLst xmlns:p15="http://schemas.microsoft.com/office/powerpoint/2012/main">
+        <p15:guide id="1" orient="horz" pos="2160">
+          <p15:clr>
+            <a:srgbClr val="A4A3A4"/>
+          </p15:clr>
+        </p15:guide>
+        <p15:guide id="2" pos="3840">
+          <p15:clr>
+            <a:srgbClr val="A4A3A4"/>
+          </p15:clr>
+        </p15:guide>
+      </p15:sldGuideLst>
     </p:ext>
   </p:extLst>
 </p:presentation>
+</file>
+
+<file path=ppt/diagrams/colors1.xml><?xml version="1.0" encoding="utf-8"?>
+<dgm:colorsDef xmlns:dgm="http://schemas.openxmlformats.org/drawingml/2006/diagram" xmlns:a="http://schemas.openxmlformats.org/drawingml/2006/main" uniqueId="urn:microsoft.com/office/officeart/2005/8/colors/accent1_2">
+  <dgm:title val=""/>
+  <dgm:desc val=""/>
+  <dgm:catLst>
+    <dgm:cat type="accent1" pri="11200"/>
+  </dgm:catLst>
+  <dgm:styleLbl name="node0">
+    <dgm:fillClrLst meth="repeat">
+      <a:schemeClr val="accent1"/>
+    </dgm:fillClrLst>
+    <dgm:linClrLst meth="repeat">
+      <a:schemeClr val="lt1"/>
+    </dgm:linClrLst>
+    <dgm:effectClrLst/>
+    <dgm:txLinClrLst/>
+    <dgm:txFillClrLst/>
+    <dgm:txEffectClrLst/>
+  </dgm:styleLbl>
+  <dgm:styleLbl name="alignNode1">
+    <dgm:fillClrLst meth="repeat">
+      <a:schemeClr val="accent1"/>
+    </dgm:fillClrLst>
+    <dgm:linClrLst meth="repeat">
+      <a:schemeClr val="accent1"/>
+    </dgm:linClrLst>
+    <dgm:effectClrLst/>
+    <dgm:txLinClrLst/>
+    <dgm:txFillClrLst/>
+    <dgm:txEffectClrLst/>
+  </dgm:styleLbl>
+  <dgm:styleLbl name="node1">
+    <dgm:fillClrLst meth="repeat">
+      <a:schemeClr val="accent1"/>
+    </dgm:fillClrLst>
+    <dgm:linClrLst meth="repeat">
+      <a:schemeClr val="lt1"/>
+    </dgm:linClrLst>
+    <dgm:effectClrLst/>
+    <dgm:txLinClrLst/>
+    <dgm:txFillClrLst/>
+    <dgm:txEffectClrLst/>
+  </dgm:styleLbl>
+  <dgm:styleLbl name="lnNode1">
+    <dgm:fillClrLst meth="repeat">
+      <a:schemeClr val="accent1"/>
+    </dgm:fillClrLst>
+    <dgm:linClrLst meth="repeat">
+      <a:schemeClr val="lt1"/>
+    </dgm:linClrLst>
+    <dgm:effectClrLst/>
+    <dgm:txLinClrLst/>
+    <dgm:txFillClrLst/>
+    <dgm:txEffectClrLst/>
+  </dgm:styleLbl>
+  <dgm:styleLbl name="vennNode1">
+    <dgm:fillClrLst meth="repeat">
+      <a:schemeClr val="accent1">
+        <a:alpha val="50000"/>
+      </a:schemeClr>
+    </dgm:fillClrLst>
+    <dgm:linClrLst meth="repeat">
+      <a:schemeClr val="lt1"/>
+    </dgm:linClrLst>
+    <dgm:effectClrLst/>
+    <dgm:txLinClrLst/>
+    <dgm:txFillClrLst/>
+    <dgm:txEffectClrLst/>
+  </dgm:styleLbl>
+  <dgm:styleLbl name="node2">
+    <dgm:fillClrLst meth="repeat">
+      <a:schemeClr val="accent1"/>
+    </dgm:fillClrLst>
+    <dgm:linClrLst meth="repeat">
+      <a:schemeClr val="lt1"/>
+    </dgm:linClrLst>
+    <dgm:effectClrLst/>
+    <dgm:txLinClrLst/>
+    <dgm:txFillClrLst/>
+    <dgm:txEffectClrLst/>
+  </dgm:styleLbl>
+  <dgm:styleLbl name="node3">
+    <dgm:fillClrLst meth="repeat">
+      <a:schemeClr val="accent1"/>
+    </dgm:fillClrLst>
+    <dgm:linClrLst meth="repeat">
+      <a:schemeClr val="lt1"/>
+    </dgm:linClrLst>
+    <dgm:effectClrLst/>
+    <dgm:txLinClrLst/>
+    <dgm:txFillClrLst/>
+    <dgm:txEffectClrLst/>
+  </dgm:styleLbl>
+  <dgm:styleLbl name="node4">
+    <dgm:fillClrLst meth="repeat">
+      <a:schemeClr val="accent1"/>
+    </dgm:fillClrLst>
+    <dgm:linClrLst meth="repeat">
+      <a:schemeClr val="lt1"/>
+    </dgm:linClrLst>
+    <dgm:effectClrLst/>
+    <dgm:txLinClrLst/>
+    <dgm:txFillClrLst/>
+    <dgm:txEffectClrLst/>
+  </dgm:styleLbl>
+  <dgm:styleLbl name="fgImgPlace1">
+    <dgm:fillClrLst meth="repeat">
+      <a:schemeClr val="accent1">
+        <a:tint val="50000"/>
+      </a:schemeClr>
+    </dgm:fillClrLst>
+    <dgm:linClrLst meth="repeat">
+      <a:schemeClr val="lt1"/>
+    </dgm:linClrLst>
+    <dgm:effectClrLst/>
+    <dgm:txLinClrLst/>
+    <dgm:txFillClrLst meth="repeat">
+      <a:schemeClr val="lt1"/>
+    </dgm:txFillClrLst>
+    <dgm:txEffectClrLst/>
+  </dgm:styleLbl>
+  <dgm:styleLbl name="alignImgPlace1">
+    <dgm:fillClrLst meth="repeat">
+      <a:schemeClr val="accent1">
+        <a:tint val="50000"/>
+      </a:schemeClr>
+    </dgm:fillClrLst>
+    <dgm:linClrLst meth="repeat">
+      <a:schemeClr val="lt1"/>
+    </dgm:linClrLst>
+    <dgm:effectClrLst/>
+    <dgm:txLinClrLst/>
+    <dgm:txFillClrLst meth="repeat">
+      <a:schemeClr val="lt1"/>
+    </dgm:txFillClrLst>
+    <dgm:txEffectClrLst/>
+  </dgm:styleLbl>
+  <dgm:styleLbl name="bgImgPlace1">
+    <dgm:fillClrLst meth="repeat">
+      <a:schemeClr val="accent1">
+        <a:tint val="50000"/>
+      </a:schemeClr>
+    </dgm:fillClrLst>
+    <dgm:linClrLst meth="repeat">
+      <a:schemeClr val="lt1"/>
+    </dgm:linClrLst>
+    <dgm:effectClrLst/>
+    <dgm:txLinClrLst/>
+    <dgm:txFillClrLst meth="repeat">
+      <a:schemeClr val="lt1"/>
+    </dgm:txFillClrLst>
+    <dgm:txEffectClrLst/>
+  </dgm:styleLbl>
+  <dgm:styleLbl name="sibTrans2D1">
+    <dgm:fillClrLst meth="repeat">
+      <a:schemeClr val="accent1">
+        <a:tint val="60000"/>
+      </a:schemeClr>
+    </dgm:fillClrLst>
+    <dgm:linClrLst meth="repeat">
+      <a:schemeClr val="accent1">
+        <a:tint val="60000"/>
+      </a:schemeClr>
+    </dgm:linClrLst>
+    <dgm:effectClrLst/>
+    <dgm:txLinClrLst/>
+    <dgm:txFillClrLst/>
+    <dgm:txEffectClrLst/>
+  </dgm:styleLbl>
+  <dgm:styleLbl name="fgSibTrans2D1">
+    <dgm:fillClrLst meth="repeat">
+      <a:schemeClr val="accent1">
+        <a:tint val="60000"/>
+      </a:schemeClr>
+    </dgm:fillClrLst>
+    <dgm:linClrLst meth="repeat">
+      <a:schemeClr val="accent1">
+        <a:tint val="60000"/>
+      </a:schemeClr>
+    </dgm:linClrLst>
+    <dgm:effectClrLst/>
+    <dgm:txLinClrLst/>
+    <dgm:txFillClrLst/>
+    <dgm:txEffectClrLst/>
+  </dgm:styleLbl>
+  <dgm:styleLbl name="bgSibTrans2D1">
+    <dgm:fillClrLst meth="repeat">
+      <a:schemeClr val="accent1">
+        <a:tint val="60000"/>
+      </a:schemeClr>
+    </dgm:fillClrLst>
+    <dgm:linClrLst meth="repeat">
+      <a:schemeClr val="accent1">
+        <a:tint val="60000"/>
+      </a:schemeClr>
+    </dgm:linClrLst>
+    <dgm:effectClrLst/>
+    <dgm:txLinClrLst/>
+    <dgm:txFillClrLst/>
+    <dgm:txEffectClrLst/>
+  </dgm:styleLbl>
+  <dgm:styleLbl name="sibTrans1D1">
+    <dgm:fillClrLst meth="repeat">
+      <a:schemeClr val="accent1"/>
+    </dgm:fillClrLst>
+    <dgm:linClrLst meth="repeat">
+      <a:schemeClr val="accent1"/>
+    </dgm:linClrLst>
+    <dgm:effectClrLst/>
+    <dgm:txLinClrLst/>
+    <dgm:txFillClrLst meth="repeat">
+      <a:schemeClr val="tx1"/>
+    </dgm:txFillClrLst>
+    <dgm:txEffectClrLst/>
+  </dgm:styleLbl>
+  <dgm:styleLbl name="callout">
+    <dgm:fillClrLst meth="repeat">
+      <a:schemeClr val="accent1"/>
+    </dgm:fillClrLst>
+    <dgm:linClrLst meth="repeat">
+      <a:schemeClr val="accent1">
+        <a:tint val="50000"/>
+      </a:schemeClr>
+    </dgm:linClrLst>
+    <dgm:effectClrLst/>
+    <dgm:txLinClrLst/>
+    <dgm:txFillClrLst meth="repeat">
+      <a:schemeClr val="tx1"/>
+    </dgm:txFillClrLst>
+    <dgm:txEffectClrLst/>
+  </dgm:styleLbl>
+  <dgm:styleLbl name="asst0">
+    <dgm:fillClrLst meth="repeat">
+      <a:schemeClr val="accent1"/>
+    </dgm:fillClrLst>
+    <dgm:linClrLst meth="repeat">
+      <a:schemeClr val="lt1"/>
+    </dgm:linClrLst>
+    <dgm:effectClrLst/>
+    <dgm:txLinClrLst/>
+    <dgm:txFillClrLst/>
+    <dgm:txEffectClrLst/>
+  </dgm:styleLbl>
+  <dgm:styleLbl name="asst1">
+    <dgm:fillClrLst meth="repeat">
+      <a:schemeClr val="accent1"/>
+    </dgm:fillClrLst>
+    <dgm:linClrLst meth="repeat">
+      <a:schemeClr val="lt1"/>
+    </dgm:linClrLst>
+    <dgm:effectClrLst/>
+    <dgm:txLinClrLst/>
+    <dgm:txFillClrLst/>
+    <dgm:txEffectClrLst/>
+  </dgm:styleLbl>
+  <dgm:styleLbl name="asst2">
+    <dgm:fillClrLst meth="repeat">
+      <a:schemeClr val="accent1"/>
+    </dgm:fillClrLst>
+    <dgm:linClrLst meth="repeat">
+      <a:schemeClr val="lt1"/>
+    </dgm:linClrLst>
+    <dgm:effectClrLst/>
+    <dgm:txLinClrLst/>
+    <dgm:txFillClrLst/>
+    <dgm:txEffectClrLst/>
+  </dgm:styleLbl>
+  <dgm:styleLbl name="asst3">
+    <dgm:fillClrLst meth="repeat">
+      <a:schemeClr val="accent1"/>
+    </dgm:fillClrLst>
+    <dgm:linClrLst meth="repeat">
+      <a:schemeClr val="lt1"/>
+    </dgm:linClrLst>
+    <dgm:effectClrLst/>
+    <dgm:txLinClrLst/>
+    <dgm:txFillClrLst/>
+    <dgm:txEffectClrLst/>
+  </dgm:styleLbl>
+  <dgm:styleLbl name="asst4">
+    <dgm:fillClrLst meth="repeat">
+      <a:schemeClr val="accent1"/>
+    </dgm:fillClrLst>
+    <dgm:linClrLst meth="repeat">
+      <a:schemeClr val="lt1"/>
+    </dgm:linClrLst>
+    <dgm:effectClrLst/>
+    <dgm:txLinClrLst/>
+    <dgm:txFillClrLst/>
+    <dgm:txEffectClrLst/>
+  </dgm:styleLbl>
+  <dgm:styleLbl name="parChTrans2D1">
+    <dgm:fillClrLst meth="repeat">
+      <a:schemeClr val="accent1">
+        <a:tint val="60000"/>
+      </a:schemeClr>
+    </dgm:fillClrLst>
+    <dgm:linClrLst meth="repeat">
+      <a:schemeClr val="accent1">
+        <a:tint val="60000"/>
+      </a:schemeClr>
+    </dgm:linClrLst>
+    <dgm:effectClrLst/>
+    <dgm:txLinClrLst/>
+    <dgm:txFillClrLst meth="repeat">
+      <a:schemeClr val="lt1"/>
+    </dgm:txFillClrLst>
+    <dgm:txEffectClrLst/>
+  </dgm:styleLbl>
+  <dgm:styleLbl name="parChTrans2D2">
+    <dgm:fillClrLst meth="repeat">
+      <a:schemeClr val="accent1"/>
+    </dgm:fillClrLst>
+    <dgm:linClrLst meth="repeat">
+      <a:schemeClr val="accent1"/>
+    </dgm:linClrLst>
+    <dgm:effectClrLst/>
+    <dgm:txLinClrLst/>
+    <dgm:txFillClrLst meth="repeat">
+      <a:schemeClr val="lt1"/>
+    </dgm:txFillClrLst>
+    <dgm:txEffectClrLst/>
+  </dgm:styleLbl>
+  <dgm:styleLbl name="parChTrans2D3">
+    <dgm:fillClrLst meth="repeat">
+      <a:schemeClr val="accent1"/>
+    </dgm:fillClrLst>
+    <dgm:linClrLst meth="repeat">
+      <a:schemeClr val="accent1"/>
+    </dgm:linClrLst>
+    <dgm:effectClrLst/>
+    <dgm:txLinClrLst/>
+    <dgm:txFillClrLst meth="repeat">
+      <a:schemeClr val="lt1"/>
+    </dgm:txFillClrLst>
+    <dgm:txEffectClrLst/>
+  </dgm:styleLbl>
+  <dgm:styleLbl name="parChTrans2D4">
+    <dgm:fillClrLst meth="repeat">
+      <a:schemeClr val="accent1"/>
+    </dgm:fillClrLst>
+    <dgm:linClrLst meth="repeat">
+      <a:schemeClr val="accent1"/>
+    </dgm:linClrLst>
+    <dgm:effectClrLst/>
+    <dgm:txLinClrLst/>
+    <dgm:txFillClrLst meth="repeat">
+      <a:schemeClr val="lt1"/>
+    </dgm:txFillClrLst>
+    <dgm:txEffectClrLst/>
+  </dgm:styleLbl>
+  <dgm:styleLbl name="parChTrans1D1">
+    <dgm:fillClrLst meth="repeat">
+      <a:schemeClr val="accent1"/>
+    </dgm:fillClrLst>
+    <dgm:linClrLst meth="repeat">
+      <a:schemeClr val="accent1">
+        <a:shade val="60000"/>
+      </a:schemeClr>
+    </dgm:linClrLst>
+    <dgm:effectClrLst/>
+    <dgm:txLinClrLst/>
+    <dgm:txFillClrLst meth="repeat">
+      <a:schemeClr val="tx1"/>
+    </dgm:txFillClrLst>
+    <dgm:txEffectClrLst/>
+  </dgm:styleLbl>
+  <dgm:styleLbl name="parChTrans1D2">
+    <dgm:fillClrLst meth="repeat">
+      <a:schemeClr val="accent1"/>
+    </dgm:fillClrLst>
+    <dgm:linClrLst meth="repeat">
+      <a:schemeClr val="accent1">
+        <a:shade val="60000"/>
+      </a:schemeClr>
+    </dgm:linClrLst>
+    <dgm:effectClrLst/>
+    <dgm:txLinClrLst/>
+    <dgm:txFillClrLst meth="repeat">
+      <a:schemeClr val="tx1"/>
+    </dgm:txFillClrLst>
+    <dgm:txEffectClrLst/>
+  </dgm:styleLbl>
+  <dgm:styleLbl name="parChTrans1D3">
+    <dgm:fillClrLst meth="repeat">
+      <a:schemeClr val="accent1"/>
+    </dgm:fillClrLst>
+    <dgm:linClrLst meth="repeat">
+      <a:schemeClr val="accent1">
+        <a:shade val="80000"/>
+      </a:schemeClr>
+    </dgm:linClrLst>
+    <dgm:effectClrLst/>
+    <dgm:txLinClrLst/>
+    <dgm:txFillClrLst meth="repeat">
+      <a:schemeClr val="tx1"/>
+    </dgm:txFillClrLst>
+    <dgm:txEffectClrLst/>
+  </dgm:styleLbl>
+  <dgm:styleLbl name="parChTrans1D4">
+    <dgm:fillClrLst meth="repeat">
+      <a:schemeClr val="accent1"/>
+    </dgm:fillClrLst>
+    <dgm:linClrLst meth="repeat">
+      <a:schemeClr val="accent1">
+        <a:shade val="80000"/>
+      </a:schemeClr>
+    </dgm:linClrLst>
+    <dgm:effectClrLst/>
+    <dgm:txLinClrLst/>
+    <dgm:txFillClrLst meth="repeat">
+      <a:schemeClr val="tx1"/>
+    </dgm:txFillClrLst>
+    <dgm:txEffectClrLst/>
+  </dgm:styleLbl>
+  <dgm:styleLbl name="fgAcc1">
+    <dgm:fillClrLst meth="repeat">
+      <a:schemeClr val="lt1">
+        <a:alpha val="90000"/>
+      </a:schemeClr>
+    </dgm:fillClrLst>
+    <dgm:linClrLst meth="repeat">
+      <a:schemeClr val="accent1"/>
+    </dgm:linClrLst>
+    <dgm:effectClrLst/>
+    <dgm:txLinClrLst/>
+    <dgm:txFillClrLst meth="repeat">
+      <a:schemeClr val="dk1"/>
+    </dgm:txFillClrLst>
+    <dgm:txEffectClrLst/>
+  </dgm:styleLbl>
+  <dgm:styleLbl name="conFgAcc1">
+    <dgm:fillClrLst meth="repeat">
+      <a:schemeClr val="lt1">
+        <a:alpha val="90000"/>
+      </a:schemeClr>
+    </dgm:fillClrLst>
+    <dgm:linClrLst meth="repeat">
+      <a:schemeClr val="accent1"/>
+    </dgm:linClrLst>
+    <dgm:effectClrLst/>
+    <dgm:txLinClrLst/>
+    <dgm:txFillClrLst meth="repeat">
+      <a:schemeClr val="dk1"/>
+    </dgm:txFillClrLst>
+    <dgm:txEffectClrLst/>
+  </dgm:styleLbl>
+  <dgm:styleLbl name="alignAcc1">
+    <dgm:fillClrLst meth="repeat">
+      <a:schemeClr val="lt1">
+        <a:alpha val="90000"/>
+      </a:schemeClr>
+    </dgm:fillClrLst>
+    <dgm:linClrLst meth="repeat">
+      <a:schemeClr val="accent1"/>
+    </dgm:linClrLst>
+    <dgm:effectClrLst/>
+    <dgm:txLinClrLst/>
+    <dgm:txFillClrLst meth="repeat">
+      <a:schemeClr val="dk1"/>
+    </dgm:txFillClrLst>
+    <dgm:txEffectClrLst/>
+  </dgm:styleLbl>
+  <dgm:styleLbl name="trAlignAcc1">
+    <dgm:fillClrLst meth="repeat">
+      <a:schemeClr val="lt1">
+        <a:alpha val="40000"/>
+      </a:schemeClr>
+    </dgm:fillClrLst>
+    <dgm:linClrLst meth="repeat">
+      <a:schemeClr val="accent1"/>
+    </dgm:linClrLst>
+    <dgm:effectClrLst/>
+    <dgm:txLinClrLst/>
+    <dgm:txFillClrLst meth="repeat">
+      <a:schemeClr val="dk1"/>
+    </dgm:txFillClrLst>
+    <dgm:txEffectClrLst/>
+  </dgm:styleLbl>
+  <dgm:styleLbl name="bgAcc1">
+    <dgm:fillClrLst meth="repeat">
+      <a:schemeClr val="lt1">
+        <a:alpha val="90000"/>
+      </a:schemeClr>
+    </dgm:fillClrLst>
+    <dgm:linClrLst meth="repeat">
+      <a:schemeClr val="accent1"/>
+    </dgm:linClrLst>
+    <dgm:effectClrLst/>
+    <dgm:txLinClrLst/>
+    <dgm:txFillClrLst meth="repeat">
+      <a:schemeClr val="dk1"/>
+    </dgm:txFillClrLst>
+    <dgm:txEffectClrLst/>
+  </dgm:styleLbl>
+  <dgm:styleLbl name="solidFgAcc1">
+    <dgm:fillClrLst meth="repeat">
+      <a:schemeClr val="lt1"/>
+    </dgm:fillClrLst>
+    <dgm:linClrLst meth="repeat">
+      <a:schemeClr val="accent1"/>
+    </dgm:linClrLst>
+    <dgm:effectClrLst/>
+    <dgm:txLinClrLst/>
+    <dgm:txFillClrLst meth="repeat">
+      <a:schemeClr val="dk1"/>
+    </dgm:txFillClrLst>
+    <dgm:txEffectClrLst/>
+  </dgm:styleLbl>
+  <dgm:styleLbl name="solidAlignAcc1">
+    <dgm:fillClrLst meth="repeat">
+      <a:schemeClr val="lt1"/>
+    </dgm:fillClrLst>
+    <dgm:linClrLst meth="repeat">
+      <a:schemeClr val="accent1"/>
+    </dgm:linClrLst>
+    <dgm:effectClrLst/>
+    <dgm:txLinClrLst/>
+    <dgm:txFillClrLst meth="repeat">
+      <a:schemeClr val="dk1"/>
+    </dgm:txFillClrLst>
+    <dgm:txEffectClrLst/>
+  </dgm:styleLbl>
+  <dgm:styleLbl name="solidBgAcc1">
+    <dgm:fillClrLst meth="repeat">
+      <a:schemeClr val="lt1"/>
+    </dgm:fillClrLst>
+    <dgm:linClrLst meth="repeat">
+      <a:schemeClr val="accent1"/>
+    </dgm:linClrLst>
+    <dgm:effectClrLst/>
+    <dgm:txLinClrLst/>
+    <dgm:txFillClrLst meth="repeat">
+      <a:schemeClr val="dk1"/>
+    </dgm:txFillClrLst>
+    <dgm:txEffectClrLst/>
+  </dgm:styleLbl>
+  <dgm:styleLbl name="fgAccFollowNode1">
+    <dgm:fillClrLst meth="repeat">
+      <a:schemeClr val="accent1">
+        <a:alpha val="90000"/>
+        <a:tint val="40000"/>
+      </a:schemeClr>
+    </dgm:fillClrLst>
+    <dgm:linClrLst meth="repeat">
+      <a:schemeClr val="accent1">
+        <a:alpha val="90000"/>
+        <a:tint val="40000"/>
+      </a:schemeClr>
+    </dgm:linClrLst>
+    <dgm:effectClrLst/>
+    <dgm:txLinClrLst/>
+    <dgm:txFillClrLst meth="repeat">
+      <a:schemeClr val="dk1"/>
+    </dgm:txFillClrLst>
+    <dgm:txEffectClrLst/>
+  </dgm:styleLbl>
+  <dgm:styleLbl name="alignAccFollowNode1">
+    <dgm:fillClrLst meth="repeat">
+      <a:schemeClr val="accent1">
+        <a:alpha val="90000"/>
+        <a:tint val="40000"/>
+      </a:schemeClr>
+    </dgm:fillClrLst>
+    <dgm:linClrLst meth="repeat">
+      <a:schemeClr val="accent1">
+        <a:alpha val="90000"/>
+        <a:tint val="40000"/>
+      </a:schemeClr>
+    </dgm:linClrLst>
+    <dgm:effectClrLst/>
+    <dgm:txLinClrLst/>
+    <dgm:txFillClrLst meth="repeat">
+      <a:schemeClr val="dk1"/>
+    </dgm:txFillClrLst>
+    <dgm:txEffectClrLst/>
+  </dgm:styleLbl>
+  <dgm:styleLbl name="bgAccFollowNode1">
+    <dgm:fillClrLst meth="repeat">
+      <a:schemeClr val="accent1">
+        <a:alpha val="90000"/>
+        <a:tint val="40000"/>
+      </a:schemeClr>
+    </dgm:fillClrLst>
+    <dgm:linClrLst meth="repeat">
+      <a:schemeClr val="accent1">
+        <a:alpha val="90000"/>
+        <a:tint val="40000"/>
+      </a:schemeClr>
+    </dgm:linClrLst>
+    <dgm:effectClrLst/>
+    <dgm:txLinClrLst/>
+    <dgm:txFillClrLst meth="repeat">
+      <a:schemeClr val="dk1"/>
+    </dgm:txFillClrLst>
+    <dgm:txEffectClrLst/>
+  </dgm:styleLbl>
+  <dgm:styleLbl name="fgAcc0">
+    <dgm:fillClrLst meth="repeat">
+      <a:schemeClr val="lt1">
+        <a:alpha val="90000"/>
+      </a:schemeClr>
+    </dgm:fillClrLst>
+    <dgm:linClrLst meth="repeat">
+      <a:schemeClr val="accent1"/>
+    </dgm:linClrLst>
+    <dgm:effectClrLst/>
+    <dgm:txLinClrLst/>
+    <dgm:txFillClrLst meth="repeat">
+      <a:schemeClr val="dk1"/>
+    </dgm:txFillClrLst>
+    <dgm:txEffectClrLst/>
+  </dgm:styleLbl>
+  <dgm:styleLbl name="fgAcc2">
+    <dgm:fillClrLst meth="repeat">
+      <a:schemeClr val="lt1">
+        <a:alpha val="90000"/>
+      </a:schemeClr>
+    </dgm:fillClrLst>
+    <dgm:linClrLst meth="repeat">
+      <a:schemeClr val="accent1"/>
+    </dgm:linClrLst>
+    <dgm:effectClrLst/>
+    <dgm:txLinClrLst/>
+    <dgm:txFillClrLst meth="repeat">
+      <a:schemeClr val="dk1"/>
+    </dgm:txFillClrLst>
+    <dgm:txEffectClrLst/>
+  </dgm:styleLbl>
+  <dgm:styleLbl name="fgAcc3">
+    <dgm:fillClrLst meth="repeat">
+      <a:schemeClr val="lt1">
+        <a:alpha val="90000"/>
+      </a:schemeClr>
+    </dgm:fillClrLst>
+    <dgm:linClrLst meth="repeat">
+      <a:schemeClr val="accent1"/>
+    </dgm:linClrLst>
+    <dgm:effectClrLst/>
+    <dgm:txLinClrLst/>
+    <dgm:txFillClrLst meth="repeat">
+      <a:schemeClr val="dk1"/>
+    </dgm:txFillClrLst>
+    <dgm:txEffectClrLst/>
+  </dgm:styleLbl>
+  <dgm:styleLbl name="fgAcc4">
+    <dgm:fillClrLst meth="repeat">
+      <a:schemeClr val="lt1">
+        <a:alpha val="90000"/>
+      </a:schemeClr>
+    </dgm:fillClrLst>
+    <dgm:linClrLst meth="repeat">
+      <a:schemeClr val="accent1"/>
+    </dgm:linClrLst>
+    <dgm:effectClrLst/>
+    <dgm:txLinClrLst/>
+    <dgm:txFillClrLst meth="repeat">
+      <a:schemeClr val="dk1"/>
+    </dgm:txFillClrLst>
+    <dgm:txEffectClrLst/>
+  </dgm:styleLbl>
+  <dgm:styleLbl name="bgShp">
+    <dgm:fillClrLst meth="repeat">
+      <a:schemeClr val="accent1">
+        <a:tint val="40000"/>
+      </a:schemeClr>
+    </dgm:fillClrLst>
+    <dgm:linClrLst meth="repeat">
+      <a:schemeClr val="accent1"/>
+    </dgm:linClrLst>
+    <dgm:effectClrLst/>
+    <dgm:txLinClrLst/>
+    <dgm:txFillClrLst meth="repeat">
+      <a:schemeClr val="dk1"/>
+    </dgm:txFillClrLst>
+    <dgm:txEffectClrLst/>
+  </dgm:styleLbl>
+  <dgm:styleLbl name="dkBgShp">
+    <dgm:fillClrLst meth="repeat">
+      <a:schemeClr val="accent1">
+        <a:shade val="80000"/>
+      </a:schemeClr>
+    </dgm:fillClrLst>
+    <dgm:linClrLst meth="repeat">
+      <a:schemeClr val="accent1"/>
+    </dgm:linClrLst>
+    <dgm:effectClrLst/>
+    <dgm:txLinClrLst/>
+    <dgm:txFillClrLst meth="repeat">
+      <a:schemeClr val="lt1"/>
+    </dgm:txFillClrLst>
+    <dgm:txEffectClrLst/>
+  </dgm:styleLbl>
+  <dgm:styleLbl name="trBgShp">
+    <dgm:fillClrLst meth="repeat">
+      <a:schemeClr val="accent1">
+        <a:tint val="50000"/>
+        <a:alpha val="40000"/>
+      </a:schemeClr>
+    </dgm:fillClrLst>
+    <dgm:linClrLst meth="repeat">
+      <a:schemeClr val="accent1"/>
+    </dgm:linClrLst>
+    <dgm:effectClrLst/>
+    <dgm:txLinClrLst/>
+    <dgm:txFillClrLst meth="repeat">
+      <a:schemeClr val="lt1"/>
+    </dgm:txFillClrLst>
+    <dgm:txEffectClrLst/>
+  </dgm:styleLbl>
+  <dgm:styleLbl name="fgShp">
+    <dgm:fillClrLst meth="repeat">
+      <a:schemeClr val="accent1">
+        <a:tint val="60000"/>
+      </a:schemeClr>
+    </dgm:fillClrLst>
+    <dgm:linClrLst meth="repeat">
+      <a:schemeClr val="lt1"/>
+    </dgm:linClrLst>
+    <dgm:effectClrLst/>
+    <dgm:txLinClrLst/>
+    <dgm:txFillClrLst meth="repeat">
+      <a:schemeClr val="dk1"/>
+    </dgm:txFillClrLst>
+    <dgm:txEffectClrLst/>
+  </dgm:styleLbl>
+  <dgm:styleLbl name="revTx">
+    <dgm:fillClrLst meth="repeat">
+      <a:schemeClr val="lt1">
+        <a:alpha val="0"/>
+      </a:schemeClr>
+    </dgm:fillClrLst>
+    <dgm:linClrLst meth="repeat">
+      <a:schemeClr val="dk1">
+        <a:alpha val="0"/>
+      </a:schemeClr>
+    </dgm:linClrLst>
+    <dgm:effectClrLst/>
+    <dgm:txLinClrLst/>
+    <dgm:txFillClrLst meth="repeat">
+      <a:schemeClr val="tx1"/>
+    </dgm:txFillClrLst>
+    <dgm:txEffectClrLst/>
+  </dgm:styleLbl>
+</dgm:colorsDef>
+</file>
+
+<file path=ppt/diagrams/colors2.xml><?xml version="1.0" encoding="utf-8"?>
+<dgm:colorsDef xmlns:dgm="http://schemas.openxmlformats.org/drawingml/2006/diagram" xmlns:a="http://schemas.openxmlformats.org/drawingml/2006/main" uniqueId="urn:microsoft.com/office/officeart/2005/8/colors/accent1_2">
+  <dgm:title val=""/>
+  <dgm:desc val=""/>
+  <dgm:catLst>
+    <dgm:cat type="accent1" pri="11200"/>
+  </dgm:catLst>
+  <dgm:styleLbl name="node0">
+    <dgm:fillClrLst meth="repeat">
+      <a:schemeClr val="accent1"/>
+    </dgm:fillClrLst>
+    <dgm:linClrLst meth="repeat">
+      <a:schemeClr val="lt1"/>
+    </dgm:linClrLst>
+    <dgm:effectClrLst/>
+    <dgm:txLinClrLst/>
+    <dgm:txFillClrLst/>
+    <dgm:txEffectClrLst/>
+  </dgm:styleLbl>
+  <dgm:styleLbl name="alignNode1">
+    <dgm:fillClrLst meth="repeat">
+      <a:schemeClr val="accent1"/>
+    </dgm:fillClrLst>
+    <dgm:linClrLst meth="repeat">
+      <a:schemeClr val="accent1"/>
+    </dgm:linClrLst>
+    <dgm:effectClrLst/>
+    <dgm:txLinClrLst/>
+    <dgm:txFillClrLst/>
+    <dgm:txEffectClrLst/>
+  </dgm:styleLbl>
+  <dgm:styleLbl name="node1">
+    <dgm:fillClrLst meth="repeat">
+      <a:schemeClr val="accent1"/>
+    </dgm:fillClrLst>
+    <dgm:linClrLst meth="repeat">
+      <a:schemeClr val="lt1"/>
+    </dgm:linClrLst>
+    <dgm:effectClrLst/>
+    <dgm:txLinClrLst/>
+    <dgm:txFillClrLst/>
+    <dgm:txEffectClrLst/>
+  </dgm:styleLbl>
+  <dgm:styleLbl name="lnNode1">
+    <dgm:fillClrLst meth="repeat">
+      <a:schemeClr val="accent1"/>
+    </dgm:fillClrLst>
+    <dgm:linClrLst meth="repeat">
+      <a:schemeClr val="lt1"/>
+    </dgm:linClrLst>
+    <dgm:effectClrLst/>
+    <dgm:txLinClrLst/>
+    <dgm:txFillClrLst/>
+    <dgm:txEffectClrLst/>
+  </dgm:styleLbl>
+  <dgm:styleLbl name="vennNode1">
+    <dgm:fillClrLst meth="repeat">
+      <a:schemeClr val="accent1">
+        <a:alpha val="50000"/>
+      </a:schemeClr>
+    </dgm:fillClrLst>
+    <dgm:linClrLst meth="repeat">
+      <a:schemeClr val="lt1"/>
+    </dgm:linClrLst>
+    <dgm:effectClrLst/>
+    <dgm:txLinClrLst/>
+    <dgm:txFillClrLst/>
+    <dgm:txEffectClrLst/>
+  </dgm:styleLbl>
+  <dgm:styleLbl name="node2">
+    <dgm:fillClrLst meth="repeat">
+      <a:schemeClr val="accent1"/>
+    </dgm:fillClrLst>
+    <dgm:linClrLst meth="repeat">
+      <a:schemeClr val="lt1"/>
+    </dgm:linClrLst>
+    <dgm:effectClrLst/>
+    <dgm:txLinClrLst/>
+    <dgm:txFillClrLst/>
+    <dgm:txEffectClrLst/>
+  </dgm:styleLbl>
+  <dgm:styleLbl name="node3">
+    <dgm:fillClrLst meth="repeat">
+      <a:schemeClr val="accent1"/>
+    </dgm:fillClrLst>
+    <dgm:linClrLst meth="repeat">
+      <a:schemeClr val="lt1"/>
+    </dgm:linClrLst>
+    <dgm:effectClrLst/>
+    <dgm:txLinClrLst/>
+    <dgm:txFillClrLst/>
+    <dgm:txEffectClrLst/>
+  </dgm:styleLbl>
+  <dgm:styleLbl name="node4">
+    <dgm:fillClrLst meth="repeat">
+      <a:schemeClr val="accent1"/>
+    </dgm:fillClrLst>
+    <dgm:linClrLst meth="repeat">
+      <a:schemeClr val="lt1"/>
+    </dgm:linClrLst>
+    <dgm:effectClrLst/>
+    <dgm:txLinClrLst/>
+    <dgm:txFillClrLst/>
+    <dgm:txEffectClrLst/>
+  </dgm:styleLbl>
+  <dgm:styleLbl name="fgImgPlace1">
+    <dgm:fillClrLst meth="repeat">
+      <a:schemeClr val="accent1">
+        <a:tint val="50000"/>
+      </a:schemeClr>
+    </dgm:fillClrLst>
+    <dgm:linClrLst meth="repeat">
+      <a:schemeClr val="lt1"/>
+    </dgm:linClrLst>
+    <dgm:effectClrLst/>
+    <dgm:txLinClrLst/>
+    <dgm:txFillClrLst meth="repeat">
+      <a:schemeClr val="lt1"/>
+    </dgm:txFillClrLst>
+    <dgm:txEffectClrLst/>
+  </dgm:styleLbl>
+  <dgm:styleLbl name="alignImgPlace1">
+    <dgm:fillClrLst meth="repeat">
+      <a:schemeClr val="accent1">
+        <a:tint val="50000"/>
+      </a:schemeClr>
+    </dgm:fillClrLst>
+    <dgm:linClrLst meth="repeat">
+      <a:schemeClr val="lt1"/>
+    </dgm:linClrLst>
+    <dgm:effectClrLst/>
+    <dgm:txLinClrLst/>
+    <dgm:txFillClrLst meth="repeat">
+      <a:schemeClr val="lt1"/>
+    </dgm:txFillClrLst>
+    <dgm:txEffectClrLst/>
+  </dgm:styleLbl>
+  <dgm:styleLbl name="bgImgPlace1">
+    <dgm:fillClrLst meth="repeat">
+      <a:schemeClr val="accent1">
+        <a:tint val="50000"/>
+      </a:schemeClr>
+    </dgm:fillClrLst>
+    <dgm:linClrLst meth="repeat">
+      <a:schemeClr val="lt1"/>
+    </dgm:linClrLst>
+    <dgm:effectClrLst/>
+    <dgm:txLinClrLst/>
+    <dgm:txFillClrLst meth="repeat">
+      <a:schemeClr val="lt1"/>
+    </dgm:txFillClrLst>
+    <dgm:txEffectClrLst/>
+  </dgm:styleLbl>
+  <dgm:styleLbl name="sibTrans2D1">
+    <dgm:fillClrLst meth="repeat">
+      <a:schemeClr val="accent1">
+        <a:tint val="60000"/>
+      </a:schemeClr>
+    </dgm:fillClrLst>
+    <dgm:linClrLst meth="repeat">
+      <a:schemeClr val="accent1">
+        <a:tint val="60000"/>
+      </a:schemeClr>
+    </dgm:linClrLst>
+    <dgm:effectClrLst/>
+    <dgm:txLinClrLst/>
+    <dgm:txFillClrLst/>
+    <dgm:txEffectClrLst/>
+  </dgm:styleLbl>
+  <dgm:styleLbl name="fgSibTrans2D1">
+    <dgm:fillClrLst meth="repeat">
+      <a:schemeClr val="accent1">
+        <a:tint val="60000"/>
+      </a:schemeClr>
+    </dgm:fillClrLst>
+    <dgm:linClrLst meth="repeat">
+      <a:schemeClr val="accent1">
+        <a:tint val="60000"/>
+      </a:schemeClr>
+    </dgm:linClrLst>
+    <dgm:effectClrLst/>
+    <dgm:txLinClrLst/>
+    <dgm:txFillClrLst/>
+    <dgm:txEffectClrLst/>
+  </dgm:styleLbl>
+  <dgm:styleLbl name="bgSibTrans2D1">
+    <dgm:fillClrLst meth="repeat">
+      <a:schemeClr val="accent1">
+        <a:tint val="60000"/>
+      </a:schemeClr>
+    </dgm:fillClrLst>
+    <dgm:linClrLst meth="repeat">
+      <a:schemeClr val="accent1">
+        <a:tint val="60000"/>
+      </a:schemeClr>
+    </dgm:linClrLst>
+    <dgm:effectClrLst/>
+    <dgm:txLinClrLst/>
+    <dgm:txFillClrLst/>
+    <dgm:txEffectClrLst/>
+  </dgm:styleLbl>
+  <dgm:styleLbl name="sibTrans1D1">
+    <dgm:fillClrLst meth="repeat">
+      <a:schemeClr val="accent1"/>
+    </dgm:fillClrLst>
+    <dgm:linClrLst meth="repeat">
+      <a:schemeClr val="accent1"/>
+    </dgm:linClrLst>
+    <dgm:effectClrLst/>
+    <dgm:txLinClrLst/>
+    <dgm:txFillClrLst meth="repeat">
+      <a:schemeClr val="tx1"/>
+    </dgm:txFillClrLst>
+    <dgm:txEffectClrLst/>
+  </dgm:styleLbl>
+  <dgm:styleLbl name="callout">
+    <dgm:fillClrLst meth="repeat">
+      <a:schemeClr val="accent1"/>
+    </dgm:fillClrLst>
+    <dgm:linClrLst meth="repeat">
+      <a:schemeClr val="accent1">
+        <a:tint val="50000"/>
+      </a:schemeClr>
+    </dgm:linClrLst>
+    <dgm:effectClrLst/>
+    <dgm:txLinClrLst/>
+    <dgm:txFillClrLst meth="repeat">
+      <a:schemeClr val="tx1"/>
+    </dgm:txFillClrLst>
+    <dgm:txEffectClrLst/>
+  </dgm:styleLbl>
+  <dgm:styleLbl name="asst0">
+    <dgm:fillClrLst meth="repeat">
+      <a:schemeClr val="accent1"/>
+    </dgm:fillClrLst>
+    <dgm:linClrLst meth="repeat">
+      <a:schemeClr val="lt1"/>
+    </dgm:linClrLst>
+    <dgm:effectClrLst/>
+    <dgm:txLinClrLst/>
+    <dgm:txFillClrLst/>
+    <dgm:txEffectClrLst/>
+  </dgm:styleLbl>
+  <dgm:styleLbl name="asst1">
+    <dgm:fillClrLst meth="repeat">
+      <a:schemeClr val="accent1"/>
+    </dgm:fillClrLst>
+    <dgm:linClrLst meth="repeat">
+      <a:schemeClr val="lt1"/>
+    </dgm:linClrLst>
+    <dgm:effectClrLst/>
+    <dgm:txLinClrLst/>
+    <dgm:txFillClrLst/>
+    <dgm:txEffectClrLst/>
+  </dgm:styleLbl>
+  <dgm:styleLbl name="asst2">
+    <dgm:fillClrLst meth="repeat">
+      <a:schemeClr val="accent1"/>
+    </dgm:fillClrLst>
+    <dgm:linClrLst meth="repeat">
+      <a:schemeClr val="lt1"/>
+    </dgm:linClrLst>
+    <dgm:effectClrLst/>
+    <dgm:txLinClrLst/>
+    <dgm:txFillClrLst/>
+    <dgm:txEffectClrLst/>
+  </dgm:styleLbl>
+  <dgm:styleLbl name="asst3">
+    <dgm:fillClrLst meth="repeat">
+      <a:schemeClr val="accent1"/>
+    </dgm:fillClrLst>
+    <dgm:linClrLst meth="repeat">
+      <a:schemeClr val="lt1"/>
+    </dgm:linClrLst>
+    <dgm:effectClrLst/>
+    <dgm:txLinClrLst/>
+    <dgm:txFillClrLst/>
+    <dgm:txEffectClrLst/>
+  </dgm:styleLbl>
+  <dgm:styleLbl name="asst4">
+    <dgm:fillClrLst meth="repeat">
+      <a:schemeClr val="accent1"/>
+    </dgm:fillClrLst>
+    <dgm:linClrLst meth="repeat">
+      <a:schemeClr val="lt1"/>
+    </dgm:linClrLst>
+    <dgm:effectClrLst/>
+    <dgm:txLinClrLst/>
+    <dgm:txFillClrLst/>
+    <dgm:txEffectClrLst/>
+  </dgm:styleLbl>
+  <dgm:styleLbl name="parChTrans2D1">
+    <dgm:fillClrLst meth="repeat">
+      <a:schemeClr val="accent1">
+        <a:tint val="60000"/>
+      </a:schemeClr>
+    </dgm:fillClrLst>
+    <dgm:linClrLst meth="repeat">
+      <a:schemeClr val="accent1">
+        <a:tint val="60000"/>
+      </a:schemeClr>
+    </dgm:linClrLst>
+    <dgm:effectClrLst/>
+    <dgm:txLinClrLst/>
+    <dgm:txFillClrLst meth="repeat">
+      <a:schemeClr val="lt1"/>
+    </dgm:txFillClrLst>
+    <dgm:txEffectClrLst/>
+  </dgm:styleLbl>
+  <dgm:styleLbl name="parChTrans2D2">
+    <dgm:fillClrLst meth="repeat">
+      <a:schemeClr val="accent1"/>
+    </dgm:fillClrLst>
+    <dgm:linClrLst meth="repeat">
+      <a:schemeClr val="accent1"/>
+    </dgm:linClrLst>
+    <dgm:effectClrLst/>
+    <dgm:txLinClrLst/>
+    <dgm:txFillClrLst meth="repeat">
+      <a:schemeClr val="lt1"/>
+    </dgm:txFillClrLst>
+    <dgm:txEffectClrLst/>
+  </dgm:styleLbl>
+  <dgm:styleLbl name="parChTrans2D3">
+    <dgm:fillClrLst meth="repeat">
+      <a:schemeClr val="accent1"/>
+    </dgm:fillClrLst>
+    <dgm:linClrLst meth="repeat">
+      <a:schemeClr val="accent1"/>
+    </dgm:linClrLst>
+    <dgm:effectClrLst/>
+    <dgm:txLinClrLst/>
+    <dgm:txFillClrLst meth="repeat">
+      <a:schemeClr val="lt1"/>
+    </dgm:txFillClrLst>
+    <dgm:txEffectClrLst/>
+  </dgm:styleLbl>
+  <dgm:styleLbl name="parChTrans2D4">
+    <dgm:fillClrLst meth="repeat">
+      <a:schemeClr val="accent1"/>
+    </dgm:fillClrLst>
+    <dgm:linClrLst meth="repeat">
+      <a:schemeClr val="accent1"/>
+    </dgm:linClrLst>
+    <dgm:effectClrLst/>
+    <dgm:txLinClrLst/>
+    <dgm:txFillClrLst meth="repeat">
+      <a:schemeClr val="lt1"/>
+    </dgm:txFillClrLst>
+    <dgm:txEffectClrLst/>
+  </dgm:styleLbl>
+  <dgm:styleLbl name="parChTrans1D1">
+    <dgm:fillClrLst meth="repeat">
+      <a:schemeClr val="accent1"/>
+    </dgm:fillClrLst>
+    <dgm:linClrLst meth="repeat">
+      <a:schemeClr val="accent1">
+        <a:shade val="60000"/>
+      </a:schemeClr>
+    </dgm:linClrLst>
+    <dgm:effectClrLst/>
+    <dgm:txLinClrLst/>
+    <dgm:txFillClrLst meth="repeat">
+      <a:schemeClr val="tx1"/>
+    </dgm:txFillClrLst>
+    <dgm:txEffectClrLst/>
+  </dgm:styleLbl>
+  <dgm:styleLbl name="parChTrans1D2">
+    <dgm:fillClrLst meth="repeat">
+      <a:schemeClr val="accent1"/>
+    </dgm:fillClrLst>
+    <dgm:linClrLst meth="repeat">
+      <a:schemeClr val="accent1">
+        <a:shade val="60000"/>
+      </a:schemeClr>
+    </dgm:linClrLst>
+    <dgm:effectClrLst/>
+    <dgm:txLinClrLst/>
+    <dgm:txFillClrLst meth="repeat">
+      <a:schemeClr val="tx1"/>
+    </dgm:txFillClrLst>
+    <dgm:txEffectClrLst/>
+  </dgm:styleLbl>
+  <dgm:styleLbl name="parChTrans1D3">
+    <dgm:fillClrLst meth="repeat">
+      <a:schemeClr val="accent1"/>
+    </dgm:fillClrLst>
+    <dgm:linClrLst meth="repeat">
+      <a:schemeClr val="accent1">
+        <a:shade val="80000"/>
+      </a:schemeClr>
+    </dgm:linClrLst>
+    <dgm:effectClrLst/>
+    <dgm:txLinClrLst/>
+    <dgm:txFillClrLst meth="repeat">
+      <a:schemeClr val="tx1"/>
+    </dgm:txFillClrLst>
+    <dgm:txEffectClrLst/>
+  </dgm:styleLbl>
+  <dgm:styleLbl name="parChTrans1D4">
+    <dgm:fillClrLst meth="repeat">
+      <a:schemeClr val="accent1"/>
+    </dgm:fillClrLst>
+    <dgm:linClrLst meth="repeat">
+      <a:schemeClr val="accent1">
+        <a:shade val="80000"/>
+      </a:schemeClr>
+    </dgm:linClrLst>
+    <dgm:effectClrLst/>
+    <dgm:txLinClrLst/>
+    <dgm:txFillClrLst meth="repeat">
+      <a:schemeClr val="tx1"/>
+    </dgm:txFillClrLst>
+    <dgm:txEffectClrLst/>
+  </dgm:styleLbl>
+  <dgm:styleLbl name="fgAcc1">
+    <dgm:fillClrLst meth="repeat">
+      <a:schemeClr val="lt1">
+        <a:alpha val="90000"/>
+      </a:schemeClr>
+    </dgm:fillClrLst>
+    <dgm:linClrLst meth="repeat">
+      <a:schemeClr val="accent1"/>
+    </dgm:linClrLst>
+    <dgm:effectClrLst/>
+    <dgm:txLinClrLst/>
+    <dgm:txFillClrLst meth="repeat">
+      <a:schemeClr val="dk1"/>
+    </dgm:txFillClrLst>
+    <dgm:txEffectClrLst/>
+  </dgm:styleLbl>
+  <dgm:styleLbl name="conFgAcc1">
+    <dgm:fillClrLst meth="repeat">
+      <a:schemeClr val="lt1">
+        <a:alpha val="90000"/>
+      </a:schemeClr>
+    </dgm:fillClrLst>
+    <dgm:linClrLst meth="repeat">
+      <a:schemeClr val="accent1"/>
+    </dgm:linClrLst>
+    <dgm:effectClrLst/>
+    <dgm:txLinClrLst/>
+    <dgm:txFillClrLst meth="repeat">
+      <a:schemeClr val="dk1"/>
+    </dgm:txFillClrLst>
+    <dgm:txEffectClrLst/>
+  </dgm:styleLbl>
+  <dgm:styleLbl name="alignAcc1">
+    <dgm:fillClrLst meth="repeat">
+      <a:schemeClr val="lt1">
+        <a:alpha val="90000"/>
+      </a:schemeClr>
+    </dgm:fillClrLst>
+    <dgm:linClrLst meth="repeat">
+      <a:schemeClr val="accent1"/>
+    </dgm:linClrLst>
+    <dgm:effectClrLst/>
+    <dgm:txLinClrLst/>
+    <dgm:txFillClrLst meth="repeat">
+      <a:schemeClr val="dk1"/>
+    </dgm:txFillClrLst>
+    <dgm:txEffectClrLst/>
+  </dgm:styleLbl>
+  <dgm:styleLbl name="trAlignAcc1">
+    <dgm:fillClrLst meth="repeat">
+      <a:schemeClr val="lt1">
+        <a:alpha val="40000"/>
+      </a:schemeClr>
+    </dgm:fillClrLst>
+    <dgm:linClrLst meth="repeat">
+      <a:schemeClr val="accent1"/>
+    </dgm:linClrLst>
+    <dgm:effectClrLst/>
+    <dgm:txLinClrLst/>
+    <dgm:txFillClrLst meth="repeat">
+      <a:schemeClr val="dk1"/>
+    </dgm:txFillClrLst>
+    <dgm:txEffectClrLst/>
+  </dgm:styleLbl>
+  <dgm:styleLbl name="bgAcc1">
+    <dgm:fillClrLst meth="repeat">
+      <a:schemeClr val="lt1">
+        <a:alpha val="90000"/>
+      </a:schemeClr>
+    </dgm:fillClrLst>
+    <dgm:linClrLst meth="repeat">
+      <a:schemeClr val="accent1"/>
+    </dgm:linClrLst>
+    <dgm:effectClrLst/>
+    <dgm:txLinClrLst/>
+    <dgm:txFillClrLst meth="repeat">
+      <a:schemeClr val="dk1"/>
+    </dgm:txFillClrLst>
+    <dgm:txEffectClrLst/>
+  </dgm:styleLbl>
+  <dgm:styleLbl name="solidFgAcc1">
+    <dgm:fillClrLst meth="repeat">
+      <a:schemeClr val="lt1"/>
+    </dgm:fillClrLst>
+    <dgm:linClrLst meth="repeat">
+      <a:schemeClr val="accent1"/>
+    </dgm:linClrLst>
+    <dgm:effectClrLst/>
+    <dgm:txLinClrLst/>
+    <dgm:txFillClrLst meth="repeat">
+      <a:schemeClr val="dk1"/>
+    </dgm:txFillClrLst>
+    <dgm:txEffectClrLst/>
+  </dgm:styleLbl>
+  <dgm:styleLbl name="solidAlignAcc1">
+    <dgm:fillClrLst meth="repeat">
+      <a:schemeClr val="lt1"/>
+    </dgm:fillClrLst>
+    <dgm:linClrLst meth="repeat">
+      <a:schemeClr val="accent1"/>
+    </dgm:linClrLst>
+    <dgm:effectClrLst/>
+    <dgm:txLinClrLst/>
+    <dgm:txFillClrLst meth="repeat">
+      <a:schemeClr val="dk1"/>
+    </dgm:txFillClrLst>
+    <dgm:txEffectClrLst/>
+  </dgm:styleLbl>
+  <dgm:styleLbl name="solidBgAcc1">
+    <dgm:fillClrLst meth="repeat">
+      <a:schemeClr val="lt1"/>
+    </dgm:fillClrLst>
+    <dgm:linClrLst meth="repeat">
+      <a:schemeClr val="accent1"/>
+    </dgm:linClrLst>
+    <dgm:effectClrLst/>
+    <dgm:txLinClrLst/>
+    <dgm:txFillClrLst meth="repeat">
+      <a:schemeClr val="dk1"/>
+    </dgm:txFillClrLst>
+    <dgm:txEffectClrLst/>
+  </dgm:styleLbl>
+  <dgm:styleLbl name="fgAccFollowNode1">
+    <dgm:fillClrLst meth="repeat">
+      <a:schemeClr val="accent1">
+        <a:alpha val="90000"/>
+        <a:tint val="40000"/>
+      </a:schemeClr>
+    </dgm:fillClrLst>
+    <dgm:linClrLst meth="repeat">
+      <a:schemeClr val="accent1">
+        <a:alpha val="90000"/>
+        <a:tint val="40000"/>
+      </a:schemeClr>
+    </dgm:linClrLst>
+    <dgm:effectClrLst/>
+    <dgm:txLinClrLst/>
+    <dgm:txFillClrLst meth="repeat">
+      <a:schemeClr val="dk1"/>
+    </dgm:txFillClrLst>
+    <dgm:txEffectClrLst/>
+  </dgm:styleLbl>
+  <dgm:styleLbl name="alignAccFollowNode1">
+    <dgm:fillClrLst meth="repeat">
+      <a:schemeClr val="accent1">
+        <a:alpha val="90000"/>
+        <a:tint val="40000"/>
+      </a:schemeClr>
+    </dgm:fillClrLst>
+    <dgm:linClrLst meth="repeat">
+      <a:schemeClr val="accent1">
+        <a:alpha val="90000"/>
+        <a:tint val="40000"/>
+      </a:schemeClr>
+    </dgm:linClrLst>
+    <dgm:effectClrLst/>
+    <dgm:txLinClrLst/>
+    <dgm:txFillClrLst meth="repeat">
+      <a:schemeClr val="dk1"/>
+    </dgm:txFillClrLst>
+    <dgm:txEffectClrLst/>
+  </dgm:styleLbl>
+  <dgm:styleLbl name="bgAccFollowNode1">
+    <dgm:fillClrLst meth="repeat">
+      <a:schemeClr val="accent1">
+        <a:alpha val="90000"/>
+        <a:tint val="40000"/>
+      </a:schemeClr>
+    </dgm:fillClrLst>
+    <dgm:linClrLst meth="repeat">
+      <a:schemeClr val="accent1">
+        <a:alpha val="90000"/>
+        <a:tint val="40000"/>
+      </a:schemeClr>
+    </dgm:linClrLst>
+    <dgm:effectClrLst/>
+    <dgm:txLinClrLst/>
+    <dgm:txFillClrLst meth="repeat">
+      <a:schemeClr val="dk1"/>
+    </dgm:txFillClrLst>
+    <dgm:txEffectClrLst/>
+  </dgm:styleLbl>
+  <dgm:styleLbl name="fgAcc0">
+    <dgm:fillClrLst meth="repeat">
+      <a:schemeClr val="lt1">
+        <a:alpha val="90000"/>
+      </a:schemeClr>
+    </dgm:fillClrLst>
+    <dgm:linClrLst meth="repeat">
+      <a:schemeClr val="accent1"/>
+    </dgm:linClrLst>
+    <dgm:effectClrLst/>
+    <dgm:txLinClrLst/>
+    <dgm:txFillClrLst meth="repeat">
+      <a:schemeClr val="dk1"/>
+    </dgm:txFillClrLst>
+    <dgm:txEffectClrLst/>
+  </dgm:styleLbl>
+  <dgm:styleLbl name="fgAcc2">
+    <dgm:fillClrLst meth="repeat">
+      <a:schemeClr val="lt1">
+        <a:alpha val="90000"/>
+      </a:schemeClr>
+    </dgm:fillClrLst>
+    <dgm:linClrLst meth="repeat">
+      <a:schemeClr val="accent1"/>
+    </dgm:linClrLst>
+    <dgm:effectClrLst/>
+    <dgm:txLinClrLst/>
+    <dgm:txFillClrLst meth="repeat">
+      <a:schemeClr val="dk1"/>
+    </dgm:txFillClrLst>
+    <dgm:txEffectClrLst/>
+  </dgm:styleLbl>
+  <dgm:styleLbl name="fgAcc3">
+    <dgm:fillClrLst meth="repeat">
+      <a:schemeClr val="lt1">
+        <a:alpha val="90000"/>
+      </a:schemeClr>
+    </dgm:fillClrLst>
+    <dgm:linClrLst meth="repeat">
+      <a:schemeClr val="accent1"/>
+    </dgm:linClrLst>
+    <dgm:effectClrLst/>
+    <dgm:txLinClrLst/>
+    <dgm:txFillClrLst meth="repeat">
+      <a:schemeClr val="dk1"/>
+    </dgm:txFillClrLst>
+    <dgm:txEffectClrLst/>
+  </dgm:styleLbl>
+  <dgm:styleLbl name="fgAcc4">
+    <dgm:fillClrLst meth="repeat">
+      <a:schemeClr val="lt1">
+        <a:alpha val="90000"/>
+      </a:schemeClr>
+    </dgm:fillClrLst>
+    <dgm:linClrLst meth="repeat">
+      <a:schemeClr val="accent1"/>
+    </dgm:linClrLst>
+    <dgm:effectClrLst/>
+    <dgm:txLinClrLst/>
+    <dgm:txFillClrLst meth="repeat">
+      <a:schemeClr val="dk1"/>
+    </dgm:txFillClrLst>
+    <dgm:txEffectClrLst/>
+  </dgm:styleLbl>
+  <dgm:styleLbl name="bgShp">
+    <dgm:fillClrLst meth="repeat">
+      <a:schemeClr val="accent1">
+        <a:tint val="40000"/>
+      </a:schemeClr>
+    </dgm:fillClrLst>
+    <dgm:linClrLst meth="repeat">
+      <a:schemeClr val="accent1"/>
+    </dgm:linClrLst>
+    <dgm:effectClrLst/>
+    <dgm:txLinClrLst/>
+    <dgm:txFillClrLst meth="repeat">
+      <a:schemeClr val="dk1"/>
+    </dgm:txFillClrLst>
+    <dgm:txEffectClrLst/>
+  </dgm:styleLbl>
+  <dgm:styleLbl name="dkBgShp">
+    <dgm:fillClrLst meth="repeat">
+      <a:schemeClr val="accent1">
+        <a:shade val="80000"/>
+      </a:schemeClr>
+    </dgm:fillClrLst>
+    <dgm:linClrLst meth="repeat">
+      <a:schemeClr val="accent1"/>
+    </dgm:linClrLst>
+    <dgm:effectClrLst/>
+    <dgm:txLinClrLst/>
+    <dgm:txFillClrLst meth="repeat">
+      <a:schemeClr val="lt1"/>
+    </dgm:txFillClrLst>
+    <dgm:txEffectClrLst/>
+  </dgm:styleLbl>
+  <dgm:styleLbl name="trBgShp">
+    <dgm:fillClrLst meth="repeat">
+      <a:schemeClr val="accent1">
+        <a:tint val="50000"/>
+        <a:alpha val="40000"/>
+      </a:schemeClr>
+    </dgm:fillClrLst>
+    <dgm:linClrLst meth="repeat">
+      <a:schemeClr val="accent1"/>
+    </dgm:linClrLst>
+    <dgm:effectClrLst/>
+    <dgm:txLinClrLst/>
+    <dgm:txFillClrLst meth="repeat">
+      <a:schemeClr val="lt1"/>
+    </dgm:txFillClrLst>
+    <dgm:txEffectClrLst/>
+  </dgm:styleLbl>
+  <dgm:styleLbl name="fgShp">
+    <dgm:fillClrLst meth="repeat">
+      <a:schemeClr val="accent1">
+        <a:tint val="60000"/>
+      </a:schemeClr>
+    </dgm:fillClrLst>
+    <dgm:linClrLst meth="repeat">
+      <a:schemeClr val="lt1"/>
+    </dgm:linClrLst>
+    <dgm:effectClrLst/>
+    <dgm:txLinClrLst/>
+    <dgm:txFillClrLst meth="repeat">
+      <a:schemeClr val="dk1"/>
+    </dgm:txFillClrLst>
+    <dgm:txEffectClrLst/>
+  </dgm:styleLbl>
+  <dgm:styleLbl name="revTx">
+    <dgm:fillClrLst meth="repeat">
+      <a:schemeClr val="lt1">
+        <a:alpha val="0"/>
+      </a:schemeClr>
+    </dgm:fillClrLst>
+    <dgm:linClrLst meth="repeat">
+      <a:schemeClr val="dk1">
+        <a:alpha val="0"/>
+      </a:schemeClr>
+    </dgm:linClrLst>
+    <dgm:effectClrLst/>
+    <dgm:txLinClrLst/>
+    <dgm:txFillClrLst meth="repeat">
+      <a:schemeClr val="tx1"/>
+    </dgm:txFillClrLst>
+    <dgm:txEffectClrLst/>
+  </dgm:styleLbl>
+</dgm:colorsDef>
+</file>
+
+<file path=ppt/diagrams/data1.xml><?xml version="1.0" encoding="utf-8"?>
+<dgm:dataModel xmlns:dgm="http://schemas.openxmlformats.org/drawingml/2006/diagram" xmlns:a="http://schemas.openxmlformats.org/drawingml/2006/main">
+  <dgm:ptLst>
+    <dgm:pt modelId="{6627B59B-CF5E-C543-A0E2-48C0381EDFC6}" type="doc">
+      <dgm:prSet loTypeId="urn:microsoft.com/office/officeart/2005/8/layout/hProcess11" loCatId="" qsTypeId="urn:microsoft.com/office/officeart/2005/8/quickstyle/simple4" qsCatId="simple" csTypeId="urn:microsoft.com/office/officeart/2005/8/colors/accent1_2" csCatId="accent1" phldr="1"/>
+      <dgm:spPr/>
+    </dgm:pt>
+    <dgm:pt modelId="{0D76AC75-9A7C-D242-84B1-392410F4319C}">
+      <dgm:prSet phldrT="[Text]"/>
+      <dgm:spPr/>
+      <dgm:t>
+        <a:bodyPr/>
+        <a:lstStyle/>
+        <a:p>
+          <a:r>
+            <a:rPr lang="en-US" dirty="0" smtClean="0"/>
+            <a:t>Subscription Start </a:t>
+          </a:r>
+          <a:r>
+            <a:rPr lang="en-US" dirty="0" smtClean="0">
+              <a:solidFill>
+                <a:schemeClr val="accent6"/>
+              </a:solidFill>
+              <a:latin typeface="Zapf Dingbats"/>
+              <a:ea typeface="Zapf Dingbats"/>
+              <a:cs typeface="Zapf Dingbats"/>
+              <a:sym typeface="Zapf Dingbats"/>
+            </a:rPr>
+            <a:t>✔</a:t>
+          </a:r>
+          <a:endParaRPr lang="en-US" dirty="0">
+            <a:solidFill>
+              <a:schemeClr val="accent6"/>
+            </a:solidFill>
+          </a:endParaRPr>
+        </a:p>
+      </dgm:t>
+    </dgm:pt>
+    <dgm:pt modelId="{8E8E3AA3-00B3-2840-9DFC-1C48652EEA57}" type="parTrans" cxnId="{07A5FF6C-9A25-0B46-9F61-67CC34AB02D3}">
+      <dgm:prSet/>
+      <dgm:spPr/>
+      <dgm:t>
+        <a:bodyPr/>
+        <a:lstStyle/>
+        <a:p>
+          <a:endParaRPr lang="en-US"/>
+        </a:p>
+      </dgm:t>
+    </dgm:pt>
+    <dgm:pt modelId="{699A135F-0FD1-9B49-84A3-EA091E4F772B}" type="sibTrans" cxnId="{07A5FF6C-9A25-0B46-9F61-67CC34AB02D3}">
+      <dgm:prSet/>
+      <dgm:spPr/>
+      <dgm:t>
+        <a:bodyPr/>
+        <a:lstStyle/>
+        <a:p>
+          <a:endParaRPr lang="en-US"/>
+        </a:p>
+      </dgm:t>
+    </dgm:pt>
+    <dgm:pt modelId="{AFBFD695-784B-1F4C-95A5-95C8F4A7BFAB}">
+      <dgm:prSet phldrT="[Text]"/>
+      <dgm:spPr/>
+      <dgm:t>
+        <a:bodyPr/>
+        <a:lstStyle/>
+        <a:p>
+          <a:r>
+            <a:rPr lang="en-US" dirty="0" smtClean="0"/>
+            <a:t>End Independent Period</a:t>
+          </a:r>
+          <a:endParaRPr lang="en-US" dirty="0"/>
+        </a:p>
+      </dgm:t>
+    </dgm:pt>
+    <dgm:pt modelId="{D202BD21-648B-744E-B3B4-4626D0838A91}" type="parTrans" cxnId="{C498F2D9-FAB7-B044-B706-71D64B44B85F}">
+      <dgm:prSet/>
+      <dgm:spPr/>
+      <dgm:t>
+        <a:bodyPr/>
+        <a:lstStyle/>
+        <a:p>
+          <a:endParaRPr lang="en-US"/>
+        </a:p>
+      </dgm:t>
+    </dgm:pt>
+    <dgm:pt modelId="{3DC19723-2DEB-CC45-8835-13D555EFC9AE}" type="sibTrans" cxnId="{C498F2D9-FAB7-B044-B706-71D64B44B85F}">
+      <dgm:prSet/>
+      <dgm:spPr/>
+      <dgm:t>
+        <a:bodyPr/>
+        <a:lstStyle/>
+        <a:p>
+          <a:endParaRPr lang="en-US"/>
+        </a:p>
+      </dgm:t>
+    </dgm:pt>
+    <dgm:pt modelId="{78DEE4AD-2178-0E4E-B234-A4036D3024EE}">
+      <dgm:prSet phldrT="[Text]"/>
+      <dgm:spPr/>
+      <dgm:t>
+        <a:bodyPr/>
+        <a:lstStyle/>
+        <a:p>
+          <a:r>
+            <a:rPr lang="en-US" dirty="0" smtClean="0"/>
+            <a:t>Subscription End </a:t>
+          </a:r>
+          <a:r>
+            <a:rPr lang="en-US" dirty="0" smtClean="0">
+              <a:solidFill>
+                <a:schemeClr val="accent6"/>
+              </a:solidFill>
+              <a:latin typeface="Zapf Dingbats"/>
+              <a:ea typeface="Zapf Dingbats"/>
+              <a:cs typeface="Zapf Dingbats"/>
+              <a:sym typeface="Zapf Dingbats"/>
+            </a:rPr>
+            <a:t>✔</a:t>
+          </a:r>
+          <a:endParaRPr lang="en-US" dirty="0"/>
+        </a:p>
+      </dgm:t>
+    </dgm:pt>
+    <dgm:pt modelId="{F08676F1-C09E-9E4C-9238-466D11040629}" type="parTrans" cxnId="{C48599A7-64E8-AF46-9031-85E98D271297}">
+      <dgm:prSet/>
+      <dgm:spPr/>
+      <dgm:t>
+        <a:bodyPr/>
+        <a:lstStyle/>
+        <a:p>
+          <a:endParaRPr lang="en-US"/>
+        </a:p>
+      </dgm:t>
+    </dgm:pt>
+    <dgm:pt modelId="{87C9BE67-015B-EE45-97BE-5867BE9C76B0}" type="sibTrans" cxnId="{C48599A7-64E8-AF46-9031-85E98D271297}">
+      <dgm:prSet/>
+      <dgm:spPr/>
+      <dgm:t>
+        <a:bodyPr/>
+        <a:lstStyle/>
+        <a:p>
+          <a:endParaRPr lang="en-US"/>
+        </a:p>
+      </dgm:t>
+    </dgm:pt>
+    <dgm:pt modelId="{2C7B46F3-A67E-844E-B01E-00C14D4891B1}">
+      <dgm:prSet phldrT="[Text]"/>
+      <dgm:spPr/>
+      <dgm:t>
+        <a:bodyPr/>
+        <a:lstStyle/>
+        <a:p>
+          <a:r>
+            <a:rPr lang="en-US" dirty="0" smtClean="0"/>
+            <a:t>End Dependent Period</a:t>
+          </a:r>
+          <a:endParaRPr lang="en-US" dirty="0"/>
+        </a:p>
+      </dgm:t>
+    </dgm:pt>
+    <dgm:pt modelId="{40DC9C37-0E16-3748-8EA4-37D6ED1EAD01}" type="parTrans" cxnId="{70ADAC87-DB95-DD49-9957-7506FF4EF251}">
+      <dgm:prSet/>
+      <dgm:spPr/>
+      <dgm:t>
+        <a:bodyPr/>
+        <a:lstStyle/>
+        <a:p>
+          <a:endParaRPr lang="en-US"/>
+        </a:p>
+      </dgm:t>
+    </dgm:pt>
+    <dgm:pt modelId="{3EFFA6F7-27F1-454A-9116-08D0CC154700}" type="sibTrans" cxnId="{70ADAC87-DB95-DD49-9957-7506FF4EF251}">
+      <dgm:prSet/>
+      <dgm:spPr/>
+      <dgm:t>
+        <a:bodyPr/>
+        <a:lstStyle/>
+        <a:p>
+          <a:endParaRPr lang="en-US"/>
+        </a:p>
+      </dgm:t>
+    </dgm:pt>
+    <dgm:pt modelId="{3EA8051A-02C8-6E4C-903A-9F7371D5464B}" type="pres">
+      <dgm:prSet presAssocID="{6627B59B-CF5E-C543-A0E2-48C0381EDFC6}" presName="Name0" presStyleCnt="0">
+        <dgm:presLayoutVars>
+          <dgm:dir/>
+          <dgm:resizeHandles val="exact"/>
+        </dgm:presLayoutVars>
+      </dgm:prSet>
+      <dgm:spPr/>
+    </dgm:pt>
+    <dgm:pt modelId="{6BDBEE65-48E2-6743-B8E1-583669BCF236}" type="pres">
+      <dgm:prSet presAssocID="{6627B59B-CF5E-C543-A0E2-48C0381EDFC6}" presName="arrow" presStyleLbl="bgShp" presStyleIdx="0" presStyleCnt="1"/>
+      <dgm:spPr/>
+      <dgm:t>
+        <a:bodyPr/>
+        <a:lstStyle/>
+        <a:p>
+          <a:endParaRPr lang="en-US"/>
+        </a:p>
+      </dgm:t>
+    </dgm:pt>
+    <dgm:pt modelId="{6F2B6F35-E0FE-4B44-8AEC-8CBEA4523C13}" type="pres">
+      <dgm:prSet presAssocID="{6627B59B-CF5E-C543-A0E2-48C0381EDFC6}" presName="points" presStyleCnt="0"/>
+      <dgm:spPr/>
+    </dgm:pt>
+    <dgm:pt modelId="{C5A3C5B1-0527-0341-BE2E-54C1069F171D}" type="pres">
+      <dgm:prSet presAssocID="{0D76AC75-9A7C-D242-84B1-392410F4319C}" presName="compositeA" presStyleCnt="0"/>
+      <dgm:spPr/>
+    </dgm:pt>
+    <dgm:pt modelId="{0BFA2D4B-335B-A94C-8D45-F09451CF6EF6}" type="pres">
+      <dgm:prSet presAssocID="{0D76AC75-9A7C-D242-84B1-392410F4319C}" presName="textA" presStyleLbl="revTx" presStyleIdx="0" presStyleCnt="4">
+        <dgm:presLayoutVars>
+          <dgm:bulletEnabled val="1"/>
+        </dgm:presLayoutVars>
+      </dgm:prSet>
+      <dgm:spPr/>
+      <dgm:t>
+        <a:bodyPr/>
+        <a:lstStyle/>
+        <a:p>
+          <a:endParaRPr lang="en-US"/>
+        </a:p>
+      </dgm:t>
+    </dgm:pt>
+    <dgm:pt modelId="{1BDDC19A-5F1D-5C4C-86B3-850591A521F5}" type="pres">
+      <dgm:prSet presAssocID="{0D76AC75-9A7C-D242-84B1-392410F4319C}" presName="circleA" presStyleLbl="node1" presStyleIdx="0" presStyleCnt="4"/>
+      <dgm:spPr/>
+    </dgm:pt>
+    <dgm:pt modelId="{712BD262-F2B6-0545-BD42-F08705801160}" type="pres">
+      <dgm:prSet presAssocID="{0D76AC75-9A7C-D242-84B1-392410F4319C}" presName="spaceA" presStyleCnt="0"/>
+      <dgm:spPr/>
+    </dgm:pt>
+    <dgm:pt modelId="{57C195B5-3C46-4C4A-97B7-B2C02DF725FF}" type="pres">
+      <dgm:prSet presAssocID="{699A135F-0FD1-9B49-84A3-EA091E4F772B}" presName="space" presStyleCnt="0"/>
+      <dgm:spPr/>
+    </dgm:pt>
+    <dgm:pt modelId="{3A1C0158-F927-8F46-87DA-9CBB2B40583F}" type="pres">
+      <dgm:prSet presAssocID="{AFBFD695-784B-1F4C-95A5-95C8F4A7BFAB}" presName="compositeB" presStyleCnt="0"/>
+      <dgm:spPr/>
+    </dgm:pt>
+    <dgm:pt modelId="{21E47BCD-94BF-384E-9E02-B9C9772C5394}" type="pres">
+      <dgm:prSet presAssocID="{AFBFD695-784B-1F4C-95A5-95C8F4A7BFAB}" presName="textB" presStyleLbl="revTx" presStyleIdx="1" presStyleCnt="4">
+        <dgm:presLayoutVars>
+          <dgm:bulletEnabled val="1"/>
+        </dgm:presLayoutVars>
+      </dgm:prSet>
+      <dgm:spPr/>
+      <dgm:t>
+        <a:bodyPr/>
+        <a:lstStyle/>
+        <a:p>
+          <a:endParaRPr lang="en-US"/>
+        </a:p>
+      </dgm:t>
+    </dgm:pt>
+    <dgm:pt modelId="{890855B3-0913-3E4B-900A-7B63C59B7500}" type="pres">
+      <dgm:prSet presAssocID="{AFBFD695-784B-1F4C-95A5-95C8F4A7BFAB}" presName="circleB" presStyleLbl="node1" presStyleIdx="1" presStyleCnt="4"/>
+      <dgm:spPr/>
+    </dgm:pt>
+    <dgm:pt modelId="{687FE6BD-CE97-1B4B-B630-0CBA72B93B74}" type="pres">
+      <dgm:prSet presAssocID="{AFBFD695-784B-1F4C-95A5-95C8F4A7BFAB}" presName="spaceB" presStyleCnt="0"/>
+      <dgm:spPr/>
+    </dgm:pt>
+    <dgm:pt modelId="{66E7C6A1-BF6E-1B48-ABAE-21639CAD2ABF}" type="pres">
+      <dgm:prSet presAssocID="{3DC19723-2DEB-CC45-8835-13D555EFC9AE}" presName="space" presStyleCnt="0"/>
+      <dgm:spPr/>
+    </dgm:pt>
+    <dgm:pt modelId="{F9128038-42EC-6E40-9944-FA12079F6464}" type="pres">
+      <dgm:prSet presAssocID="{78DEE4AD-2178-0E4E-B234-A4036D3024EE}" presName="compositeA" presStyleCnt="0"/>
+      <dgm:spPr/>
+    </dgm:pt>
+    <dgm:pt modelId="{F8654901-57DC-2845-9111-0E3246237BF5}" type="pres">
+      <dgm:prSet presAssocID="{78DEE4AD-2178-0E4E-B234-A4036D3024EE}" presName="textA" presStyleLbl="revTx" presStyleIdx="2" presStyleCnt="4">
+        <dgm:presLayoutVars>
+          <dgm:bulletEnabled val="1"/>
+        </dgm:presLayoutVars>
+      </dgm:prSet>
+      <dgm:spPr/>
+      <dgm:t>
+        <a:bodyPr/>
+        <a:lstStyle/>
+        <a:p>
+          <a:endParaRPr lang="en-US"/>
+        </a:p>
+      </dgm:t>
+    </dgm:pt>
+    <dgm:pt modelId="{F292C414-4691-C34C-B60E-9B95F1070557}" type="pres">
+      <dgm:prSet presAssocID="{78DEE4AD-2178-0E4E-B234-A4036D3024EE}" presName="circleA" presStyleLbl="node1" presStyleIdx="2" presStyleCnt="4"/>
+      <dgm:spPr/>
+    </dgm:pt>
+    <dgm:pt modelId="{14EF1A7F-D40F-0943-9C6D-2BCFA27C00C1}" type="pres">
+      <dgm:prSet presAssocID="{78DEE4AD-2178-0E4E-B234-A4036D3024EE}" presName="spaceA" presStyleCnt="0"/>
+      <dgm:spPr/>
+    </dgm:pt>
+    <dgm:pt modelId="{6B4B98E3-B722-D147-A123-9A429BF61B25}" type="pres">
+      <dgm:prSet presAssocID="{87C9BE67-015B-EE45-97BE-5867BE9C76B0}" presName="space" presStyleCnt="0"/>
+      <dgm:spPr/>
+    </dgm:pt>
+    <dgm:pt modelId="{A733BB4F-2CA7-CC42-BCB2-FEEA64EE0D18}" type="pres">
+      <dgm:prSet presAssocID="{2C7B46F3-A67E-844E-B01E-00C14D4891B1}" presName="compositeB" presStyleCnt="0"/>
+      <dgm:spPr/>
+    </dgm:pt>
+    <dgm:pt modelId="{90FA628B-F518-2D47-99F2-B015832DEA71}" type="pres">
+      <dgm:prSet presAssocID="{2C7B46F3-A67E-844E-B01E-00C14D4891B1}" presName="textB" presStyleLbl="revTx" presStyleIdx="3" presStyleCnt="4">
+        <dgm:presLayoutVars>
+          <dgm:bulletEnabled val="1"/>
+        </dgm:presLayoutVars>
+      </dgm:prSet>
+      <dgm:spPr/>
+      <dgm:t>
+        <a:bodyPr/>
+        <a:lstStyle/>
+        <a:p>
+          <a:endParaRPr lang="en-US"/>
+        </a:p>
+      </dgm:t>
+    </dgm:pt>
+    <dgm:pt modelId="{F502430A-6002-BC4E-AA33-5F9E5989182F}" type="pres">
+      <dgm:prSet presAssocID="{2C7B46F3-A67E-844E-B01E-00C14D4891B1}" presName="circleB" presStyleLbl="node1" presStyleIdx="3" presStyleCnt="4"/>
+      <dgm:spPr/>
+      <dgm:t>
+        <a:bodyPr/>
+        <a:lstStyle/>
+        <a:p>
+          <a:endParaRPr lang="en-US"/>
+        </a:p>
+      </dgm:t>
+    </dgm:pt>
+    <dgm:pt modelId="{30BDBDC9-5BFF-CD47-81A9-B8189F9998A3}" type="pres">
+      <dgm:prSet presAssocID="{2C7B46F3-A67E-844E-B01E-00C14D4891B1}" presName="spaceB" presStyleCnt="0"/>
+      <dgm:spPr/>
+    </dgm:pt>
+  </dgm:ptLst>
+  <dgm:cxnLst>
+    <dgm:cxn modelId="{9E81B072-97F6-DF4C-8422-D2F0B5F3B6F5}" type="presOf" srcId="{0D76AC75-9A7C-D242-84B1-392410F4319C}" destId="{0BFA2D4B-335B-A94C-8D45-F09451CF6EF6}" srcOrd="0" destOrd="0" presId="urn:microsoft.com/office/officeart/2005/8/layout/hProcess11"/>
+    <dgm:cxn modelId="{9375424F-7D97-C34C-8434-28D9F0491A9A}" type="presOf" srcId="{78DEE4AD-2178-0E4E-B234-A4036D3024EE}" destId="{F8654901-57DC-2845-9111-0E3246237BF5}" srcOrd="0" destOrd="0" presId="urn:microsoft.com/office/officeart/2005/8/layout/hProcess11"/>
+    <dgm:cxn modelId="{70ADAC87-DB95-DD49-9957-7506FF4EF251}" srcId="{6627B59B-CF5E-C543-A0E2-48C0381EDFC6}" destId="{2C7B46F3-A67E-844E-B01E-00C14D4891B1}" srcOrd="3" destOrd="0" parTransId="{40DC9C37-0E16-3748-8EA4-37D6ED1EAD01}" sibTransId="{3EFFA6F7-27F1-454A-9116-08D0CC154700}"/>
+    <dgm:cxn modelId="{C498F2D9-FAB7-B044-B706-71D64B44B85F}" srcId="{6627B59B-CF5E-C543-A0E2-48C0381EDFC6}" destId="{AFBFD695-784B-1F4C-95A5-95C8F4A7BFAB}" srcOrd="1" destOrd="0" parTransId="{D202BD21-648B-744E-B3B4-4626D0838A91}" sibTransId="{3DC19723-2DEB-CC45-8835-13D555EFC9AE}"/>
+    <dgm:cxn modelId="{0600D16B-F896-CA41-B1E4-59A5B45218FC}" type="presOf" srcId="{AFBFD695-784B-1F4C-95A5-95C8F4A7BFAB}" destId="{21E47BCD-94BF-384E-9E02-B9C9772C5394}" srcOrd="0" destOrd="0" presId="urn:microsoft.com/office/officeart/2005/8/layout/hProcess11"/>
+    <dgm:cxn modelId="{C48599A7-64E8-AF46-9031-85E98D271297}" srcId="{6627B59B-CF5E-C543-A0E2-48C0381EDFC6}" destId="{78DEE4AD-2178-0E4E-B234-A4036D3024EE}" srcOrd="2" destOrd="0" parTransId="{F08676F1-C09E-9E4C-9238-466D11040629}" sibTransId="{87C9BE67-015B-EE45-97BE-5867BE9C76B0}"/>
+    <dgm:cxn modelId="{07A5FF6C-9A25-0B46-9F61-67CC34AB02D3}" srcId="{6627B59B-CF5E-C543-A0E2-48C0381EDFC6}" destId="{0D76AC75-9A7C-D242-84B1-392410F4319C}" srcOrd="0" destOrd="0" parTransId="{8E8E3AA3-00B3-2840-9DFC-1C48652EEA57}" sibTransId="{699A135F-0FD1-9B49-84A3-EA091E4F772B}"/>
+    <dgm:cxn modelId="{588346B7-C6E6-2545-8B2C-2BD75ADBED79}" type="presOf" srcId="{2C7B46F3-A67E-844E-B01E-00C14D4891B1}" destId="{90FA628B-F518-2D47-99F2-B015832DEA71}" srcOrd="0" destOrd="0" presId="urn:microsoft.com/office/officeart/2005/8/layout/hProcess11"/>
+    <dgm:cxn modelId="{1C94242A-E362-9E4C-B265-70E137ADCDA5}" type="presOf" srcId="{6627B59B-CF5E-C543-A0E2-48C0381EDFC6}" destId="{3EA8051A-02C8-6E4C-903A-9F7371D5464B}" srcOrd="0" destOrd="0" presId="urn:microsoft.com/office/officeart/2005/8/layout/hProcess11"/>
+    <dgm:cxn modelId="{66AE955F-9FA5-214C-829F-9451FAD075D3}" type="presParOf" srcId="{3EA8051A-02C8-6E4C-903A-9F7371D5464B}" destId="{6BDBEE65-48E2-6743-B8E1-583669BCF236}" srcOrd="0" destOrd="0" presId="urn:microsoft.com/office/officeart/2005/8/layout/hProcess11"/>
+    <dgm:cxn modelId="{0634DC51-6F20-3C48-968D-350A2809CA50}" type="presParOf" srcId="{3EA8051A-02C8-6E4C-903A-9F7371D5464B}" destId="{6F2B6F35-E0FE-4B44-8AEC-8CBEA4523C13}" srcOrd="1" destOrd="0" presId="urn:microsoft.com/office/officeart/2005/8/layout/hProcess11"/>
+    <dgm:cxn modelId="{BC3707A0-09E7-BE49-B5C0-23E4E639A1B7}" type="presParOf" srcId="{6F2B6F35-E0FE-4B44-8AEC-8CBEA4523C13}" destId="{C5A3C5B1-0527-0341-BE2E-54C1069F171D}" srcOrd="0" destOrd="0" presId="urn:microsoft.com/office/officeart/2005/8/layout/hProcess11"/>
+    <dgm:cxn modelId="{D965955F-0837-634C-AD9F-520011BD9B2E}" type="presParOf" srcId="{C5A3C5B1-0527-0341-BE2E-54C1069F171D}" destId="{0BFA2D4B-335B-A94C-8D45-F09451CF6EF6}" srcOrd="0" destOrd="0" presId="urn:microsoft.com/office/officeart/2005/8/layout/hProcess11"/>
+    <dgm:cxn modelId="{AE23B86A-CDEB-9344-81A4-F8811796721A}" type="presParOf" srcId="{C5A3C5B1-0527-0341-BE2E-54C1069F171D}" destId="{1BDDC19A-5F1D-5C4C-86B3-850591A521F5}" srcOrd="1" destOrd="0" presId="urn:microsoft.com/office/officeart/2005/8/layout/hProcess11"/>
+    <dgm:cxn modelId="{D84CE320-AF6F-1845-81B3-0570A631E75A}" type="presParOf" srcId="{C5A3C5B1-0527-0341-BE2E-54C1069F171D}" destId="{712BD262-F2B6-0545-BD42-F08705801160}" srcOrd="2" destOrd="0" presId="urn:microsoft.com/office/officeart/2005/8/layout/hProcess11"/>
+    <dgm:cxn modelId="{D0DB37BA-60DC-4F48-92EA-8E0E3AF40987}" type="presParOf" srcId="{6F2B6F35-E0FE-4B44-8AEC-8CBEA4523C13}" destId="{57C195B5-3C46-4C4A-97B7-B2C02DF725FF}" srcOrd="1" destOrd="0" presId="urn:microsoft.com/office/officeart/2005/8/layout/hProcess11"/>
+    <dgm:cxn modelId="{56171E41-F32F-7B4D-9306-E9CAA0E8992E}" type="presParOf" srcId="{6F2B6F35-E0FE-4B44-8AEC-8CBEA4523C13}" destId="{3A1C0158-F927-8F46-87DA-9CBB2B40583F}" srcOrd="2" destOrd="0" presId="urn:microsoft.com/office/officeart/2005/8/layout/hProcess11"/>
+    <dgm:cxn modelId="{AEEA8849-A2C9-FA44-839F-C5361FF97F01}" type="presParOf" srcId="{3A1C0158-F927-8F46-87DA-9CBB2B40583F}" destId="{21E47BCD-94BF-384E-9E02-B9C9772C5394}" srcOrd="0" destOrd="0" presId="urn:microsoft.com/office/officeart/2005/8/layout/hProcess11"/>
+    <dgm:cxn modelId="{D9A1BAAC-7DFB-8743-8E30-2F9790514507}" type="presParOf" srcId="{3A1C0158-F927-8F46-87DA-9CBB2B40583F}" destId="{890855B3-0913-3E4B-900A-7B63C59B7500}" srcOrd="1" destOrd="0" presId="urn:microsoft.com/office/officeart/2005/8/layout/hProcess11"/>
+    <dgm:cxn modelId="{F916A664-E7B6-B54A-8916-E2C2EBB59731}" type="presParOf" srcId="{3A1C0158-F927-8F46-87DA-9CBB2B40583F}" destId="{687FE6BD-CE97-1B4B-B630-0CBA72B93B74}" srcOrd="2" destOrd="0" presId="urn:microsoft.com/office/officeart/2005/8/layout/hProcess11"/>
+    <dgm:cxn modelId="{D9BA8C28-A2B1-0848-B9FC-C85861E8F411}" type="presParOf" srcId="{6F2B6F35-E0FE-4B44-8AEC-8CBEA4523C13}" destId="{66E7C6A1-BF6E-1B48-ABAE-21639CAD2ABF}" srcOrd="3" destOrd="0" presId="urn:microsoft.com/office/officeart/2005/8/layout/hProcess11"/>
+    <dgm:cxn modelId="{EA1F20CB-D232-5E40-B3E9-B13A1CD7E0F5}" type="presParOf" srcId="{6F2B6F35-E0FE-4B44-8AEC-8CBEA4523C13}" destId="{F9128038-42EC-6E40-9944-FA12079F6464}" srcOrd="4" destOrd="0" presId="urn:microsoft.com/office/officeart/2005/8/layout/hProcess11"/>
+    <dgm:cxn modelId="{F544D0B1-A289-0A4B-803E-C5B504EEB064}" type="presParOf" srcId="{F9128038-42EC-6E40-9944-FA12079F6464}" destId="{F8654901-57DC-2845-9111-0E3246237BF5}" srcOrd="0" destOrd="0" presId="urn:microsoft.com/office/officeart/2005/8/layout/hProcess11"/>
+    <dgm:cxn modelId="{CD34451D-0D7E-4247-AF77-AC72C2D9E864}" type="presParOf" srcId="{F9128038-42EC-6E40-9944-FA12079F6464}" destId="{F292C414-4691-C34C-B60E-9B95F1070557}" srcOrd="1" destOrd="0" presId="urn:microsoft.com/office/officeart/2005/8/layout/hProcess11"/>
+    <dgm:cxn modelId="{0159D0DA-FCE9-314F-8014-1404DDE59261}" type="presParOf" srcId="{F9128038-42EC-6E40-9944-FA12079F6464}" destId="{14EF1A7F-D40F-0943-9C6D-2BCFA27C00C1}" srcOrd="2" destOrd="0" presId="urn:microsoft.com/office/officeart/2005/8/layout/hProcess11"/>
+    <dgm:cxn modelId="{E128C808-D743-BD4C-B02D-0029B9D14075}" type="presParOf" srcId="{6F2B6F35-E0FE-4B44-8AEC-8CBEA4523C13}" destId="{6B4B98E3-B722-D147-A123-9A429BF61B25}" srcOrd="5" destOrd="0" presId="urn:microsoft.com/office/officeart/2005/8/layout/hProcess11"/>
+    <dgm:cxn modelId="{061F1579-3C05-1B40-AB54-8DA79BA1FC35}" type="presParOf" srcId="{6F2B6F35-E0FE-4B44-8AEC-8CBEA4523C13}" destId="{A733BB4F-2CA7-CC42-BCB2-FEEA64EE0D18}" srcOrd="6" destOrd="0" presId="urn:microsoft.com/office/officeart/2005/8/layout/hProcess11"/>
+    <dgm:cxn modelId="{D17BEB47-1E0A-7442-B117-DFCCEB8FFE42}" type="presParOf" srcId="{A733BB4F-2CA7-CC42-BCB2-FEEA64EE0D18}" destId="{90FA628B-F518-2D47-99F2-B015832DEA71}" srcOrd="0" destOrd="0" presId="urn:microsoft.com/office/officeart/2005/8/layout/hProcess11"/>
+    <dgm:cxn modelId="{5B59814B-B1DE-264B-A5D5-9753915476F0}" type="presParOf" srcId="{A733BB4F-2CA7-CC42-BCB2-FEEA64EE0D18}" destId="{F502430A-6002-BC4E-AA33-5F9E5989182F}" srcOrd="1" destOrd="0" presId="urn:microsoft.com/office/officeart/2005/8/layout/hProcess11"/>
+    <dgm:cxn modelId="{D6841683-0B1F-3C4A-A852-1E7393681641}" type="presParOf" srcId="{A733BB4F-2CA7-CC42-BCB2-FEEA64EE0D18}" destId="{30BDBDC9-5BFF-CD47-81A9-B8189F9998A3}" srcOrd="2" destOrd="0" presId="urn:microsoft.com/office/officeart/2005/8/layout/hProcess11"/>
+  </dgm:cxnLst>
+  <dgm:bg/>
+  <dgm:whole/>
+  <dgm:extLst>
+    <a:ext uri="http://schemas.microsoft.com/office/drawing/2008/diagram">
+      <dsp:dataModelExt xmlns:dsp="http://schemas.microsoft.com/office/drawing/2008/diagram" relId="rId6" minVer="http://schemas.openxmlformats.org/drawingml/2006/diagram"/>
+    </a:ext>
+  </dgm:extLst>
+</dgm:dataModel>
+</file>
+
+<file path=ppt/diagrams/data2.xml><?xml version="1.0" encoding="utf-8"?>
+<dgm:dataModel xmlns:dgm="http://schemas.openxmlformats.org/drawingml/2006/diagram" xmlns:a="http://schemas.openxmlformats.org/drawingml/2006/main">
+  <dgm:ptLst>
+    <dgm:pt modelId="{3824BDB8-7ED5-B64A-BB0B-3CFF85B1E551}" type="doc">
+      <dgm:prSet loTypeId="urn:microsoft.com/office/officeart/2005/8/layout/hProcess11" loCatId="" qsTypeId="urn:microsoft.com/office/officeart/2005/8/quickstyle/simple4" qsCatId="simple" csTypeId="urn:microsoft.com/office/officeart/2005/8/colors/accent1_2" csCatId="accent1" phldr="1"/>
+      <dgm:spPr/>
+    </dgm:pt>
+    <dgm:pt modelId="{99203527-27DE-0A4A-A7B3-E90BF9E53B4F}">
+      <dgm:prSet phldrT="[Text]"/>
+      <dgm:spPr/>
+      <dgm:t>
+        <a:bodyPr/>
+        <a:lstStyle/>
+        <a:p>
+          <a:r>
+            <a:rPr lang="en-US" dirty="0" smtClean="0"/>
+            <a:t>Subscription Start </a:t>
+          </a:r>
+          <a:r>
+            <a:rPr lang="en-US" dirty="0" smtClean="0">
+              <a:solidFill>
+                <a:schemeClr val="accent6"/>
+              </a:solidFill>
+              <a:latin typeface="Zapf Dingbats"/>
+              <a:ea typeface="Zapf Dingbats"/>
+              <a:cs typeface="Zapf Dingbats"/>
+              <a:sym typeface="Zapf Dingbats"/>
+            </a:rPr>
+            <a:t>✔</a:t>
+          </a:r>
+          <a:endParaRPr lang="en-US" dirty="0"/>
+        </a:p>
+      </dgm:t>
+    </dgm:pt>
+    <dgm:pt modelId="{84289854-EFC4-8A4C-9365-CB1399CCF375}" type="parTrans" cxnId="{A744B47C-E199-3D47-B1AB-6D85698C0C66}">
+      <dgm:prSet/>
+      <dgm:spPr/>
+      <dgm:t>
+        <a:bodyPr/>
+        <a:lstStyle/>
+        <a:p>
+          <a:endParaRPr lang="en-US"/>
+        </a:p>
+      </dgm:t>
+    </dgm:pt>
+    <dgm:pt modelId="{6970BF68-7012-954E-9186-A0C0B57C7E01}" type="sibTrans" cxnId="{A744B47C-E199-3D47-B1AB-6D85698C0C66}">
+      <dgm:prSet/>
+      <dgm:spPr/>
+      <dgm:t>
+        <a:bodyPr/>
+        <a:lstStyle/>
+        <a:p>
+          <a:endParaRPr lang="en-US"/>
+        </a:p>
+      </dgm:t>
+    </dgm:pt>
+    <dgm:pt modelId="{961A1238-EC60-C146-ADA4-EB9C67DBD62D}">
+      <dgm:prSet phldrT="[Text]"/>
+      <dgm:spPr/>
+      <dgm:t>
+        <a:bodyPr/>
+        <a:lstStyle/>
+        <a:p>
+          <a:r>
+            <a:rPr lang="en-US" dirty="0" smtClean="0"/>
+            <a:t>Dump date</a:t>
+          </a:r>
+          <a:endParaRPr lang="en-US" dirty="0"/>
+        </a:p>
+      </dgm:t>
+    </dgm:pt>
+    <dgm:pt modelId="{5186A2B6-7FA3-4445-8AAE-68B2F4695A80}" type="parTrans" cxnId="{23D4DCDB-B368-6144-B7B7-EDF20FCF3475}">
+      <dgm:prSet/>
+      <dgm:spPr/>
+      <dgm:t>
+        <a:bodyPr/>
+        <a:lstStyle/>
+        <a:p>
+          <a:endParaRPr lang="en-US"/>
+        </a:p>
+      </dgm:t>
+    </dgm:pt>
+    <dgm:pt modelId="{1A30752F-666F-5744-B342-13665F197C72}" type="sibTrans" cxnId="{23D4DCDB-B368-6144-B7B7-EDF20FCF3475}">
+      <dgm:prSet/>
+      <dgm:spPr/>
+      <dgm:t>
+        <a:bodyPr/>
+        <a:lstStyle/>
+        <a:p>
+          <a:endParaRPr lang="en-US"/>
+        </a:p>
+      </dgm:t>
+    </dgm:pt>
+    <dgm:pt modelId="{5CE846DF-057A-B246-BF43-593FBA21441E}">
+      <dgm:prSet phldrT="[Text]"/>
+      <dgm:spPr/>
+      <dgm:t>
+        <a:bodyPr/>
+        <a:lstStyle/>
+        <a:p>
+          <a:r>
+            <a:rPr lang="en-US" dirty="0" smtClean="0"/>
+            <a:t>Subscription Ends </a:t>
+          </a:r>
+          <a:r>
+            <a:rPr lang="en-US" dirty="0" smtClean="0">
+              <a:solidFill>
+                <a:schemeClr val="accent6"/>
+              </a:solidFill>
+              <a:latin typeface="Zapf Dingbats"/>
+              <a:ea typeface="Zapf Dingbats"/>
+              <a:cs typeface="Zapf Dingbats"/>
+              <a:sym typeface="Zapf Dingbats"/>
+            </a:rPr>
+            <a:t>✔</a:t>
+          </a:r>
+          <a:endParaRPr lang="en-US" dirty="0"/>
+        </a:p>
+      </dgm:t>
+    </dgm:pt>
+    <dgm:pt modelId="{75A945F5-163F-1040-BB73-24501CB1F854}" type="parTrans" cxnId="{1D6C1093-66F5-D545-A7F6-0984198CB6DA}">
+      <dgm:prSet/>
+      <dgm:spPr/>
+      <dgm:t>
+        <a:bodyPr/>
+        <a:lstStyle/>
+        <a:p>
+          <a:endParaRPr lang="en-US"/>
+        </a:p>
+      </dgm:t>
+    </dgm:pt>
+    <dgm:pt modelId="{72C29D8C-B5B7-984B-A5C6-E1EDB6A0A4A4}" type="sibTrans" cxnId="{1D6C1093-66F5-D545-A7F6-0984198CB6DA}">
+      <dgm:prSet/>
+      <dgm:spPr/>
+      <dgm:t>
+        <a:bodyPr/>
+        <a:lstStyle/>
+        <a:p>
+          <a:endParaRPr lang="en-US"/>
+        </a:p>
+      </dgm:t>
+    </dgm:pt>
+    <dgm:pt modelId="{AFD05DC5-515B-9F44-BB33-6950FFC915F6}">
+      <dgm:prSet phldrT="[Text]"/>
+      <dgm:spPr/>
+      <dgm:t>
+        <a:bodyPr/>
+        <a:lstStyle/>
+        <a:p>
+          <a:r>
+            <a:rPr lang="en-US" dirty="0" smtClean="0"/>
+            <a:t>Dump date +</a:t>
+          </a:r>
+        </a:p>
+        <a:p>
+          <a:r>
+            <a:rPr lang="en-US" dirty="0" smtClean="0"/>
+            <a:t> #days in Building Dependent period</a:t>
+          </a:r>
+          <a:endParaRPr lang="en-US" dirty="0"/>
+        </a:p>
+      </dgm:t>
+    </dgm:pt>
+    <dgm:pt modelId="{8E6A86A5-3C74-7949-8C23-5B42E7AFF16A}" type="parTrans" cxnId="{011215B9-06EF-3F42-88E6-025D038ADF9B}">
+      <dgm:prSet/>
+      <dgm:spPr/>
+      <dgm:t>
+        <a:bodyPr/>
+        <a:lstStyle/>
+        <a:p>
+          <a:endParaRPr lang="en-US"/>
+        </a:p>
+      </dgm:t>
+    </dgm:pt>
+    <dgm:pt modelId="{222A72A4-3729-4D45-B7F9-CCF207AC697C}" type="sibTrans" cxnId="{011215B9-06EF-3F42-88E6-025D038ADF9B}">
+      <dgm:prSet/>
+      <dgm:spPr/>
+      <dgm:t>
+        <a:bodyPr/>
+        <a:lstStyle/>
+        <a:p>
+          <a:endParaRPr lang="en-US"/>
+        </a:p>
+      </dgm:t>
+    </dgm:pt>
+    <dgm:pt modelId="{68B2198C-91BB-8F4B-B902-18C1A936A521}" type="pres">
+      <dgm:prSet presAssocID="{3824BDB8-7ED5-B64A-BB0B-3CFF85B1E551}" presName="Name0" presStyleCnt="0">
+        <dgm:presLayoutVars>
+          <dgm:dir/>
+          <dgm:resizeHandles val="exact"/>
+        </dgm:presLayoutVars>
+      </dgm:prSet>
+      <dgm:spPr/>
+    </dgm:pt>
+    <dgm:pt modelId="{086F30C3-8F60-BD4F-84B3-FADFD328B327}" type="pres">
+      <dgm:prSet presAssocID="{3824BDB8-7ED5-B64A-BB0B-3CFF85B1E551}" presName="arrow" presStyleLbl="bgShp" presStyleIdx="0" presStyleCnt="1"/>
+      <dgm:spPr/>
+    </dgm:pt>
+    <dgm:pt modelId="{6374EE68-D468-7141-8EF9-1DC428F6899D}" type="pres">
+      <dgm:prSet presAssocID="{3824BDB8-7ED5-B64A-BB0B-3CFF85B1E551}" presName="points" presStyleCnt="0"/>
+      <dgm:spPr/>
+    </dgm:pt>
+    <dgm:pt modelId="{CC49B6D9-58D3-0F4F-9DD5-271A522ECD02}" type="pres">
+      <dgm:prSet presAssocID="{99203527-27DE-0A4A-A7B3-E90BF9E53B4F}" presName="compositeA" presStyleCnt="0"/>
+      <dgm:spPr/>
+    </dgm:pt>
+    <dgm:pt modelId="{1B057D25-377D-4E45-8DE8-9060F7717903}" type="pres">
+      <dgm:prSet presAssocID="{99203527-27DE-0A4A-A7B3-E90BF9E53B4F}" presName="textA" presStyleLbl="revTx" presStyleIdx="0" presStyleCnt="4">
+        <dgm:presLayoutVars>
+          <dgm:bulletEnabled val="1"/>
+        </dgm:presLayoutVars>
+      </dgm:prSet>
+      <dgm:spPr/>
+      <dgm:t>
+        <a:bodyPr/>
+        <a:lstStyle/>
+        <a:p>
+          <a:endParaRPr lang="en-US"/>
+        </a:p>
+      </dgm:t>
+    </dgm:pt>
+    <dgm:pt modelId="{0B800994-AB58-5C4B-B385-53A43EFEC7D5}" type="pres">
+      <dgm:prSet presAssocID="{99203527-27DE-0A4A-A7B3-E90BF9E53B4F}" presName="circleA" presStyleLbl="node1" presStyleIdx="0" presStyleCnt="4"/>
+      <dgm:spPr/>
+    </dgm:pt>
+    <dgm:pt modelId="{9E9F2933-F239-F347-9B2D-1A0B9800A07C}" type="pres">
+      <dgm:prSet presAssocID="{99203527-27DE-0A4A-A7B3-E90BF9E53B4F}" presName="spaceA" presStyleCnt="0"/>
+      <dgm:spPr/>
+    </dgm:pt>
+    <dgm:pt modelId="{9C4B65B3-F5E1-A646-B022-8E2BDFD9B69D}" type="pres">
+      <dgm:prSet presAssocID="{6970BF68-7012-954E-9186-A0C0B57C7E01}" presName="space" presStyleCnt="0"/>
+      <dgm:spPr/>
+    </dgm:pt>
+    <dgm:pt modelId="{FE91D200-897C-8141-8802-96CDE6F2E3D7}" type="pres">
+      <dgm:prSet presAssocID="{961A1238-EC60-C146-ADA4-EB9C67DBD62D}" presName="compositeB" presStyleCnt="0"/>
+      <dgm:spPr/>
+    </dgm:pt>
+    <dgm:pt modelId="{4FEB3CA1-4A8F-254F-BCDE-9B9A07679B16}" type="pres">
+      <dgm:prSet presAssocID="{961A1238-EC60-C146-ADA4-EB9C67DBD62D}" presName="textB" presStyleLbl="revTx" presStyleIdx="1" presStyleCnt="4">
+        <dgm:presLayoutVars>
+          <dgm:bulletEnabled val="1"/>
+        </dgm:presLayoutVars>
+      </dgm:prSet>
+      <dgm:spPr/>
+      <dgm:t>
+        <a:bodyPr/>
+        <a:lstStyle/>
+        <a:p>
+          <a:endParaRPr lang="en-US"/>
+        </a:p>
+      </dgm:t>
+    </dgm:pt>
+    <dgm:pt modelId="{481419DA-410C-9642-8F5E-21D549B1B152}" type="pres">
+      <dgm:prSet presAssocID="{961A1238-EC60-C146-ADA4-EB9C67DBD62D}" presName="circleB" presStyleLbl="node1" presStyleIdx="1" presStyleCnt="4"/>
+      <dgm:spPr/>
+    </dgm:pt>
+    <dgm:pt modelId="{6DA2B17E-F39A-3F4C-9C34-7A9867966E57}" type="pres">
+      <dgm:prSet presAssocID="{961A1238-EC60-C146-ADA4-EB9C67DBD62D}" presName="spaceB" presStyleCnt="0"/>
+      <dgm:spPr/>
+    </dgm:pt>
+    <dgm:pt modelId="{9A28EF48-2C12-3944-91B7-92E9ED4C57FB}" type="pres">
+      <dgm:prSet presAssocID="{1A30752F-666F-5744-B342-13665F197C72}" presName="space" presStyleCnt="0"/>
+      <dgm:spPr/>
+    </dgm:pt>
+    <dgm:pt modelId="{7BD4220B-16D7-1543-BEEE-1AEF4441E0AC}" type="pres">
+      <dgm:prSet presAssocID="{5CE846DF-057A-B246-BF43-593FBA21441E}" presName="compositeA" presStyleCnt="0"/>
+      <dgm:spPr/>
+    </dgm:pt>
+    <dgm:pt modelId="{B18FFEFF-7D48-AF48-8EEE-5F59D443262F}" type="pres">
+      <dgm:prSet presAssocID="{5CE846DF-057A-B246-BF43-593FBA21441E}" presName="textA" presStyleLbl="revTx" presStyleIdx="2" presStyleCnt="4">
+        <dgm:presLayoutVars>
+          <dgm:bulletEnabled val="1"/>
+        </dgm:presLayoutVars>
+      </dgm:prSet>
+      <dgm:spPr/>
+      <dgm:t>
+        <a:bodyPr/>
+        <a:lstStyle/>
+        <a:p>
+          <a:endParaRPr lang="en-US"/>
+        </a:p>
+      </dgm:t>
+    </dgm:pt>
+    <dgm:pt modelId="{2A32ADDA-6CE0-0C48-B2F1-291FED00448F}" type="pres">
+      <dgm:prSet presAssocID="{5CE846DF-057A-B246-BF43-593FBA21441E}" presName="circleA" presStyleLbl="node1" presStyleIdx="2" presStyleCnt="4"/>
+      <dgm:spPr/>
+    </dgm:pt>
+    <dgm:pt modelId="{6BF91C6B-6A6A-5541-92DC-CC95B8572572}" type="pres">
+      <dgm:prSet presAssocID="{5CE846DF-057A-B246-BF43-593FBA21441E}" presName="spaceA" presStyleCnt="0"/>
+      <dgm:spPr/>
+    </dgm:pt>
+    <dgm:pt modelId="{199E79E3-F1C3-9247-A3FA-778A83E57337}" type="pres">
+      <dgm:prSet presAssocID="{72C29D8C-B5B7-984B-A5C6-E1EDB6A0A4A4}" presName="space" presStyleCnt="0"/>
+      <dgm:spPr/>
+    </dgm:pt>
+    <dgm:pt modelId="{89276403-520F-BB44-841F-26AA007CEF56}" type="pres">
+      <dgm:prSet presAssocID="{AFD05DC5-515B-9F44-BB33-6950FFC915F6}" presName="compositeB" presStyleCnt="0"/>
+      <dgm:spPr/>
+    </dgm:pt>
+    <dgm:pt modelId="{8B4A9DB4-994F-FC48-9B93-CA21F36E5273}" type="pres">
+      <dgm:prSet presAssocID="{AFD05DC5-515B-9F44-BB33-6950FFC915F6}" presName="textB" presStyleLbl="revTx" presStyleIdx="3" presStyleCnt="4">
+        <dgm:presLayoutVars>
+          <dgm:bulletEnabled val="1"/>
+        </dgm:presLayoutVars>
+      </dgm:prSet>
+      <dgm:spPr/>
+      <dgm:t>
+        <a:bodyPr/>
+        <a:lstStyle/>
+        <a:p>
+          <a:endParaRPr lang="en-US"/>
+        </a:p>
+      </dgm:t>
+    </dgm:pt>
+    <dgm:pt modelId="{F86D1278-278C-204A-B2E2-AE29FA5A888F}" type="pres">
+      <dgm:prSet presAssocID="{AFD05DC5-515B-9F44-BB33-6950FFC915F6}" presName="circleB" presStyleLbl="node1" presStyleIdx="3" presStyleCnt="4"/>
+      <dgm:spPr/>
+    </dgm:pt>
+    <dgm:pt modelId="{01CA6DA4-DE87-C843-8B1D-A0AA32BEF589}" type="pres">
+      <dgm:prSet presAssocID="{AFD05DC5-515B-9F44-BB33-6950FFC915F6}" presName="spaceB" presStyleCnt="0"/>
+      <dgm:spPr/>
+    </dgm:pt>
+  </dgm:ptLst>
+  <dgm:cxnLst>
+    <dgm:cxn modelId="{23D4DCDB-B368-6144-B7B7-EDF20FCF3475}" srcId="{3824BDB8-7ED5-B64A-BB0B-3CFF85B1E551}" destId="{961A1238-EC60-C146-ADA4-EB9C67DBD62D}" srcOrd="1" destOrd="0" parTransId="{5186A2B6-7FA3-4445-8AAE-68B2F4695A80}" sibTransId="{1A30752F-666F-5744-B342-13665F197C72}"/>
+    <dgm:cxn modelId="{685E14C7-965F-7D4B-9584-D6A63FBB87FE}" type="presOf" srcId="{961A1238-EC60-C146-ADA4-EB9C67DBD62D}" destId="{4FEB3CA1-4A8F-254F-BCDE-9B9A07679B16}" srcOrd="0" destOrd="0" presId="urn:microsoft.com/office/officeart/2005/8/layout/hProcess11"/>
+    <dgm:cxn modelId="{3FC42469-0E9D-C24F-8AAE-49EF555BEB8A}" type="presOf" srcId="{3824BDB8-7ED5-B64A-BB0B-3CFF85B1E551}" destId="{68B2198C-91BB-8F4B-B902-18C1A936A521}" srcOrd="0" destOrd="0" presId="urn:microsoft.com/office/officeart/2005/8/layout/hProcess11"/>
+    <dgm:cxn modelId="{1D6C1093-66F5-D545-A7F6-0984198CB6DA}" srcId="{3824BDB8-7ED5-B64A-BB0B-3CFF85B1E551}" destId="{5CE846DF-057A-B246-BF43-593FBA21441E}" srcOrd="2" destOrd="0" parTransId="{75A945F5-163F-1040-BB73-24501CB1F854}" sibTransId="{72C29D8C-B5B7-984B-A5C6-E1EDB6A0A4A4}"/>
+    <dgm:cxn modelId="{980664A0-6CFC-4243-9937-C6FD9D216771}" type="presOf" srcId="{99203527-27DE-0A4A-A7B3-E90BF9E53B4F}" destId="{1B057D25-377D-4E45-8DE8-9060F7717903}" srcOrd="0" destOrd="0" presId="urn:microsoft.com/office/officeart/2005/8/layout/hProcess11"/>
+    <dgm:cxn modelId="{3948B6AF-ED7C-DD4D-89DD-FE6A0825076E}" type="presOf" srcId="{5CE846DF-057A-B246-BF43-593FBA21441E}" destId="{B18FFEFF-7D48-AF48-8EEE-5F59D443262F}" srcOrd="0" destOrd="0" presId="urn:microsoft.com/office/officeart/2005/8/layout/hProcess11"/>
+    <dgm:cxn modelId="{A744B47C-E199-3D47-B1AB-6D85698C0C66}" srcId="{3824BDB8-7ED5-B64A-BB0B-3CFF85B1E551}" destId="{99203527-27DE-0A4A-A7B3-E90BF9E53B4F}" srcOrd="0" destOrd="0" parTransId="{84289854-EFC4-8A4C-9365-CB1399CCF375}" sibTransId="{6970BF68-7012-954E-9186-A0C0B57C7E01}"/>
+    <dgm:cxn modelId="{011215B9-06EF-3F42-88E6-025D038ADF9B}" srcId="{3824BDB8-7ED5-B64A-BB0B-3CFF85B1E551}" destId="{AFD05DC5-515B-9F44-BB33-6950FFC915F6}" srcOrd="3" destOrd="0" parTransId="{8E6A86A5-3C74-7949-8C23-5B42E7AFF16A}" sibTransId="{222A72A4-3729-4D45-B7F9-CCF207AC697C}"/>
+    <dgm:cxn modelId="{185B8730-CDD2-6B4F-8515-279AC5C67109}" type="presOf" srcId="{AFD05DC5-515B-9F44-BB33-6950FFC915F6}" destId="{8B4A9DB4-994F-FC48-9B93-CA21F36E5273}" srcOrd="0" destOrd="0" presId="urn:microsoft.com/office/officeart/2005/8/layout/hProcess11"/>
+    <dgm:cxn modelId="{89F5EE0A-B534-0D43-AFFB-25B300EDA1CF}" type="presParOf" srcId="{68B2198C-91BB-8F4B-B902-18C1A936A521}" destId="{086F30C3-8F60-BD4F-84B3-FADFD328B327}" srcOrd="0" destOrd="0" presId="urn:microsoft.com/office/officeart/2005/8/layout/hProcess11"/>
+    <dgm:cxn modelId="{C0097600-B6F2-D044-A311-19AD09AE34EE}" type="presParOf" srcId="{68B2198C-91BB-8F4B-B902-18C1A936A521}" destId="{6374EE68-D468-7141-8EF9-1DC428F6899D}" srcOrd="1" destOrd="0" presId="urn:microsoft.com/office/officeart/2005/8/layout/hProcess11"/>
+    <dgm:cxn modelId="{AAD824A2-ACD3-0B41-BCCA-9723DE17EBF5}" type="presParOf" srcId="{6374EE68-D468-7141-8EF9-1DC428F6899D}" destId="{CC49B6D9-58D3-0F4F-9DD5-271A522ECD02}" srcOrd="0" destOrd="0" presId="urn:microsoft.com/office/officeart/2005/8/layout/hProcess11"/>
+    <dgm:cxn modelId="{20874D87-EEC7-B547-A33F-3A86D05038A2}" type="presParOf" srcId="{CC49B6D9-58D3-0F4F-9DD5-271A522ECD02}" destId="{1B057D25-377D-4E45-8DE8-9060F7717903}" srcOrd="0" destOrd="0" presId="urn:microsoft.com/office/officeart/2005/8/layout/hProcess11"/>
+    <dgm:cxn modelId="{8BE3CF86-C400-9746-928E-B2D4CABB9C28}" type="presParOf" srcId="{CC49B6D9-58D3-0F4F-9DD5-271A522ECD02}" destId="{0B800994-AB58-5C4B-B385-53A43EFEC7D5}" srcOrd="1" destOrd="0" presId="urn:microsoft.com/office/officeart/2005/8/layout/hProcess11"/>
+    <dgm:cxn modelId="{C8613238-709D-684A-9590-2EF100CF0B86}" type="presParOf" srcId="{CC49B6D9-58D3-0F4F-9DD5-271A522ECD02}" destId="{9E9F2933-F239-F347-9B2D-1A0B9800A07C}" srcOrd="2" destOrd="0" presId="urn:microsoft.com/office/officeart/2005/8/layout/hProcess11"/>
+    <dgm:cxn modelId="{819F6DCB-7383-1D4C-8C11-17F20FD96102}" type="presParOf" srcId="{6374EE68-D468-7141-8EF9-1DC428F6899D}" destId="{9C4B65B3-F5E1-A646-B022-8E2BDFD9B69D}" srcOrd="1" destOrd="0" presId="urn:microsoft.com/office/officeart/2005/8/layout/hProcess11"/>
+    <dgm:cxn modelId="{9FE89469-CA01-4E4B-9FC8-4E94F9750C85}" type="presParOf" srcId="{6374EE68-D468-7141-8EF9-1DC428F6899D}" destId="{FE91D200-897C-8141-8802-96CDE6F2E3D7}" srcOrd="2" destOrd="0" presId="urn:microsoft.com/office/officeart/2005/8/layout/hProcess11"/>
+    <dgm:cxn modelId="{7B3DDCF5-1B17-A54F-9B54-EDC006BDE8BE}" type="presParOf" srcId="{FE91D200-897C-8141-8802-96CDE6F2E3D7}" destId="{4FEB3CA1-4A8F-254F-BCDE-9B9A07679B16}" srcOrd="0" destOrd="0" presId="urn:microsoft.com/office/officeart/2005/8/layout/hProcess11"/>
+    <dgm:cxn modelId="{8E500FB0-D1B2-8042-B343-EDAF9AA8F13B}" type="presParOf" srcId="{FE91D200-897C-8141-8802-96CDE6F2E3D7}" destId="{481419DA-410C-9642-8F5E-21D549B1B152}" srcOrd="1" destOrd="0" presId="urn:microsoft.com/office/officeart/2005/8/layout/hProcess11"/>
+    <dgm:cxn modelId="{A1B5DF7F-7C45-E94F-A29F-540153FBEA70}" type="presParOf" srcId="{FE91D200-897C-8141-8802-96CDE6F2E3D7}" destId="{6DA2B17E-F39A-3F4C-9C34-7A9867966E57}" srcOrd="2" destOrd="0" presId="urn:microsoft.com/office/officeart/2005/8/layout/hProcess11"/>
+    <dgm:cxn modelId="{A6F3D820-9C13-054C-BFD3-10E9EBFDD99A}" type="presParOf" srcId="{6374EE68-D468-7141-8EF9-1DC428F6899D}" destId="{9A28EF48-2C12-3944-91B7-92E9ED4C57FB}" srcOrd="3" destOrd="0" presId="urn:microsoft.com/office/officeart/2005/8/layout/hProcess11"/>
+    <dgm:cxn modelId="{2620E834-507F-B342-BDF8-29006CAF976C}" type="presParOf" srcId="{6374EE68-D468-7141-8EF9-1DC428F6899D}" destId="{7BD4220B-16D7-1543-BEEE-1AEF4441E0AC}" srcOrd="4" destOrd="0" presId="urn:microsoft.com/office/officeart/2005/8/layout/hProcess11"/>
+    <dgm:cxn modelId="{D40B4B2A-E078-5040-89D2-96D02E389815}" type="presParOf" srcId="{7BD4220B-16D7-1543-BEEE-1AEF4441E0AC}" destId="{B18FFEFF-7D48-AF48-8EEE-5F59D443262F}" srcOrd="0" destOrd="0" presId="urn:microsoft.com/office/officeart/2005/8/layout/hProcess11"/>
+    <dgm:cxn modelId="{B2B4A507-89E1-4449-AD18-EDBF06EE11F3}" type="presParOf" srcId="{7BD4220B-16D7-1543-BEEE-1AEF4441E0AC}" destId="{2A32ADDA-6CE0-0C48-B2F1-291FED00448F}" srcOrd="1" destOrd="0" presId="urn:microsoft.com/office/officeart/2005/8/layout/hProcess11"/>
+    <dgm:cxn modelId="{AEABEC7D-2E41-FD4E-9C18-15D82C093551}" type="presParOf" srcId="{7BD4220B-16D7-1543-BEEE-1AEF4441E0AC}" destId="{6BF91C6B-6A6A-5541-92DC-CC95B8572572}" srcOrd="2" destOrd="0" presId="urn:microsoft.com/office/officeart/2005/8/layout/hProcess11"/>
+    <dgm:cxn modelId="{00CEC992-443D-DD47-99E8-B3FBE6C3A5DF}" type="presParOf" srcId="{6374EE68-D468-7141-8EF9-1DC428F6899D}" destId="{199E79E3-F1C3-9247-A3FA-778A83E57337}" srcOrd="5" destOrd="0" presId="urn:microsoft.com/office/officeart/2005/8/layout/hProcess11"/>
+    <dgm:cxn modelId="{13761B49-97E6-E94F-BC14-FD65BC36F2AD}" type="presParOf" srcId="{6374EE68-D468-7141-8EF9-1DC428F6899D}" destId="{89276403-520F-BB44-841F-26AA007CEF56}" srcOrd="6" destOrd="0" presId="urn:microsoft.com/office/officeart/2005/8/layout/hProcess11"/>
+    <dgm:cxn modelId="{3C8D3ED9-39A7-8C47-8482-7508232C9301}" type="presParOf" srcId="{89276403-520F-BB44-841F-26AA007CEF56}" destId="{8B4A9DB4-994F-FC48-9B93-CA21F36E5273}" srcOrd="0" destOrd="0" presId="urn:microsoft.com/office/officeart/2005/8/layout/hProcess11"/>
+    <dgm:cxn modelId="{FE7A4CEF-2244-7D40-8697-94EE7F91B6C3}" type="presParOf" srcId="{89276403-520F-BB44-841F-26AA007CEF56}" destId="{F86D1278-278C-204A-B2E2-AE29FA5A888F}" srcOrd="1" destOrd="0" presId="urn:microsoft.com/office/officeart/2005/8/layout/hProcess11"/>
+    <dgm:cxn modelId="{C3E9B497-B5D4-1144-A386-02DD91E8C006}" type="presParOf" srcId="{89276403-520F-BB44-841F-26AA007CEF56}" destId="{01CA6DA4-DE87-C843-8B1D-A0AA32BEF589}" srcOrd="2" destOrd="0" presId="urn:microsoft.com/office/officeart/2005/8/layout/hProcess11"/>
+  </dgm:cxnLst>
+  <dgm:bg/>
+  <dgm:whole/>
+  <dgm:extLst>
+    <a:ext uri="http://schemas.microsoft.com/office/drawing/2008/diagram">
+      <dsp:dataModelExt xmlns:dsp="http://schemas.microsoft.com/office/drawing/2008/diagram" relId="rId11" minVer="http://schemas.openxmlformats.org/drawingml/2006/diagram"/>
+    </a:ext>
+  </dgm:extLst>
+</dgm:dataModel>
+</file>
+
+<file path=ppt/diagrams/drawing1.xml><?xml version="1.0" encoding="utf-8"?>
+<dsp:drawing xmlns:dgm="http://schemas.openxmlformats.org/drawingml/2006/diagram" xmlns:dsp="http://schemas.microsoft.com/office/drawing/2008/diagram" xmlns:a="http://schemas.openxmlformats.org/drawingml/2006/main">
+  <dsp:spTree>
+    <dsp:nvGrpSpPr>
+      <dsp:cNvPr id="0" name=""/>
+      <dsp:cNvGrpSpPr/>
+    </dsp:nvGrpSpPr>
+    <dsp:grpSpPr/>
+    <dsp:sp modelId="{6BDBEE65-48E2-6743-B8E1-583669BCF236}">
+      <dsp:nvSpPr>
+        <dsp:cNvPr id="0" name=""/>
+        <dsp:cNvSpPr/>
+      </dsp:nvSpPr>
+      <dsp:spPr>
+        <a:xfrm>
+          <a:off x="0" y="1305401"/>
+          <a:ext cx="5181600" cy="1740535"/>
+        </a:xfrm>
+        <a:prstGeom prst="notchedRightArrow">
+          <a:avLst/>
+        </a:prstGeom>
+        <a:solidFill>
+          <a:schemeClr val="accent1">
+            <a:tint val="40000"/>
+            <a:hueOff val="0"/>
+            <a:satOff val="0"/>
+            <a:lumOff val="0"/>
+            <a:alphaOff val="0"/>
+          </a:schemeClr>
+        </a:solidFill>
+        <a:ln>
+          <a:noFill/>
+        </a:ln>
+        <a:effectLst/>
+      </dsp:spPr>
+      <dsp:style>
+        <a:lnRef idx="0">
+          <a:scrgbClr r="0" g="0" b="0"/>
+        </a:lnRef>
+        <a:fillRef idx="1">
+          <a:scrgbClr r="0" g="0" b="0"/>
+        </a:fillRef>
+        <a:effectRef idx="2">
+          <a:scrgbClr r="0" g="0" b="0"/>
+        </a:effectRef>
+        <a:fontRef idx="minor"/>
+      </dsp:style>
+    </dsp:sp>
+    <dsp:sp modelId="{0BFA2D4B-335B-A94C-8D45-F09451CF6EF6}">
+      <dsp:nvSpPr>
+        <dsp:cNvPr id="0" name=""/>
+        <dsp:cNvSpPr/>
+      </dsp:nvSpPr>
+      <dsp:spPr>
+        <a:xfrm>
+          <a:off x="2333" y="0"/>
+          <a:ext cx="1122595" cy="1740535"/>
+        </a:xfrm>
+        <a:prstGeom prst="rect">
+          <a:avLst/>
+        </a:prstGeom>
+        <a:noFill/>
+        <a:ln>
+          <a:noFill/>
+        </a:ln>
+        <a:effectLst/>
+      </dsp:spPr>
+      <dsp:style>
+        <a:lnRef idx="0">
+          <a:scrgbClr r="0" g="0" b="0"/>
+        </a:lnRef>
+        <a:fillRef idx="0">
+          <a:scrgbClr r="0" g="0" b="0"/>
+        </a:fillRef>
+        <a:effectRef idx="0">
+          <a:scrgbClr r="0" g="0" b="0"/>
+        </a:effectRef>
+        <a:fontRef idx="minor"/>
+      </dsp:style>
+      <dsp:txBody>
+        <a:bodyPr spcFirstLastPara="0" vert="horz" wrap="square" lIns="92456" tIns="92456" rIns="92456" bIns="92456" numCol="1" spcCol="1270" anchor="b" anchorCtr="0">
+          <a:noAutofit/>
+        </a:bodyPr>
+        <a:lstStyle/>
+        <a:p>
+          <a:pPr lvl="0" algn="ctr" defTabSz="577850">
+            <a:lnSpc>
+              <a:spcPct val="90000"/>
+            </a:lnSpc>
+            <a:spcBef>
+              <a:spcPct val="0"/>
+            </a:spcBef>
+            <a:spcAft>
+              <a:spcPct val="35000"/>
+            </a:spcAft>
+          </a:pPr>
+          <a:r>
+            <a:rPr lang="en-US" sz="1300" kern="1200" dirty="0" smtClean="0"/>
+            <a:t>Subscription Start </a:t>
+          </a:r>
+          <a:r>
+            <a:rPr lang="en-US" sz="1300" kern="1200" dirty="0" smtClean="0">
+              <a:solidFill>
+                <a:schemeClr val="accent6"/>
+              </a:solidFill>
+              <a:latin typeface="Zapf Dingbats"/>
+              <a:ea typeface="Zapf Dingbats"/>
+              <a:cs typeface="Zapf Dingbats"/>
+              <a:sym typeface="Zapf Dingbats"/>
+            </a:rPr>
+            <a:t>✔</a:t>
+          </a:r>
+          <a:endParaRPr lang="en-US" sz="1300" kern="1200" dirty="0">
+            <a:solidFill>
+              <a:schemeClr val="accent6"/>
+            </a:solidFill>
+          </a:endParaRPr>
+        </a:p>
+      </dsp:txBody>
+      <dsp:txXfrm>
+        <a:off x="2333" y="0"/>
+        <a:ext cx="1122595" cy="1740535"/>
+      </dsp:txXfrm>
+    </dsp:sp>
+    <dsp:sp modelId="{1BDDC19A-5F1D-5C4C-86B3-850591A521F5}">
+      <dsp:nvSpPr>
+        <dsp:cNvPr id="0" name=""/>
+        <dsp:cNvSpPr/>
+      </dsp:nvSpPr>
+      <dsp:spPr>
+        <a:xfrm>
+          <a:off x="346064" y="1958102"/>
+          <a:ext cx="435133" cy="435133"/>
+        </a:xfrm>
+        <a:prstGeom prst="ellipse">
+          <a:avLst/>
+        </a:prstGeom>
+        <a:gradFill rotWithShape="0">
+          <a:gsLst>
+            <a:gs pos="0">
+              <a:schemeClr val="accent1">
+                <a:hueOff val="0"/>
+                <a:satOff val="0"/>
+                <a:lumOff val="0"/>
+                <a:alphaOff val="0"/>
+                <a:satMod val="103000"/>
+                <a:lumMod val="102000"/>
+                <a:tint val="94000"/>
+              </a:schemeClr>
+            </a:gs>
+            <a:gs pos="50000">
+              <a:schemeClr val="accent1">
+                <a:hueOff val="0"/>
+                <a:satOff val="0"/>
+                <a:lumOff val="0"/>
+                <a:alphaOff val="0"/>
+                <a:satMod val="110000"/>
+                <a:lumMod val="100000"/>
+                <a:shade val="100000"/>
+              </a:schemeClr>
+            </a:gs>
+            <a:gs pos="100000">
+              <a:schemeClr val="accent1">
+                <a:hueOff val="0"/>
+                <a:satOff val="0"/>
+                <a:lumOff val="0"/>
+                <a:alphaOff val="0"/>
+                <a:lumMod val="99000"/>
+                <a:satMod val="120000"/>
+                <a:shade val="78000"/>
+              </a:schemeClr>
+            </a:gs>
+          </a:gsLst>
+          <a:lin ang="5400000" scaled="0"/>
+        </a:gradFill>
+        <a:ln>
+          <a:noFill/>
+        </a:ln>
+        <a:effectLst/>
+      </dsp:spPr>
+      <dsp:style>
+        <a:lnRef idx="0">
+          <a:scrgbClr r="0" g="0" b="0"/>
+        </a:lnRef>
+        <a:fillRef idx="3">
+          <a:scrgbClr r="0" g="0" b="0"/>
+        </a:fillRef>
+        <a:effectRef idx="2">
+          <a:scrgbClr r="0" g="0" b="0"/>
+        </a:effectRef>
+        <a:fontRef idx="minor">
+          <a:schemeClr val="lt1"/>
+        </a:fontRef>
+      </dsp:style>
+    </dsp:sp>
+    <dsp:sp modelId="{21E47BCD-94BF-384E-9E02-B9C9772C5394}">
+      <dsp:nvSpPr>
+        <dsp:cNvPr id="0" name=""/>
+        <dsp:cNvSpPr/>
+      </dsp:nvSpPr>
+      <dsp:spPr>
+        <a:xfrm>
+          <a:off x="1181059" y="2610802"/>
+          <a:ext cx="1122595" cy="1740535"/>
+        </a:xfrm>
+        <a:prstGeom prst="rect">
+          <a:avLst/>
+        </a:prstGeom>
+        <a:noFill/>
+        <a:ln>
+          <a:noFill/>
+        </a:ln>
+        <a:effectLst/>
+      </dsp:spPr>
+      <dsp:style>
+        <a:lnRef idx="0">
+          <a:scrgbClr r="0" g="0" b="0"/>
+        </a:lnRef>
+        <a:fillRef idx="0">
+          <a:scrgbClr r="0" g="0" b="0"/>
+        </a:fillRef>
+        <a:effectRef idx="0">
+          <a:scrgbClr r="0" g="0" b="0"/>
+        </a:effectRef>
+        <a:fontRef idx="minor"/>
+      </dsp:style>
+      <dsp:txBody>
+        <a:bodyPr spcFirstLastPara="0" vert="horz" wrap="square" lIns="92456" tIns="92456" rIns="92456" bIns="92456" numCol="1" spcCol="1270" anchor="t" anchorCtr="0">
+          <a:noAutofit/>
+        </a:bodyPr>
+        <a:lstStyle/>
+        <a:p>
+          <a:pPr lvl="0" algn="ctr" defTabSz="577850">
+            <a:lnSpc>
+              <a:spcPct val="90000"/>
+            </a:lnSpc>
+            <a:spcBef>
+              <a:spcPct val="0"/>
+            </a:spcBef>
+            <a:spcAft>
+              <a:spcPct val="35000"/>
+            </a:spcAft>
+          </a:pPr>
+          <a:r>
+            <a:rPr lang="en-US" sz="1300" kern="1200" dirty="0" smtClean="0"/>
+            <a:t>End Independent Period</a:t>
+          </a:r>
+          <a:endParaRPr lang="en-US" sz="1300" kern="1200" dirty="0"/>
+        </a:p>
+      </dsp:txBody>
+      <dsp:txXfrm>
+        <a:off x="1181059" y="2610802"/>
+        <a:ext cx="1122595" cy="1740535"/>
+      </dsp:txXfrm>
+    </dsp:sp>
+    <dsp:sp modelId="{890855B3-0913-3E4B-900A-7B63C59B7500}">
+      <dsp:nvSpPr>
+        <dsp:cNvPr id="0" name=""/>
+        <dsp:cNvSpPr/>
+      </dsp:nvSpPr>
+      <dsp:spPr>
+        <a:xfrm>
+          <a:off x="1524790" y="1958102"/>
+          <a:ext cx="435133" cy="435133"/>
+        </a:xfrm>
+        <a:prstGeom prst="ellipse">
+          <a:avLst/>
+        </a:prstGeom>
+        <a:gradFill rotWithShape="0">
+          <a:gsLst>
+            <a:gs pos="0">
+              <a:schemeClr val="accent1">
+                <a:hueOff val="0"/>
+                <a:satOff val="0"/>
+                <a:lumOff val="0"/>
+                <a:alphaOff val="0"/>
+                <a:satMod val="103000"/>
+                <a:lumMod val="102000"/>
+                <a:tint val="94000"/>
+              </a:schemeClr>
+            </a:gs>
+            <a:gs pos="50000">
+              <a:schemeClr val="accent1">
+                <a:hueOff val="0"/>
+                <a:satOff val="0"/>
+                <a:lumOff val="0"/>
+                <a:alphaOff val="0"/>
+                <a:satMod val="110000"/>
+                <a:lumMod val="100000"/>
+                <a:shade val="100000"/>
+              </a:schemeClr>
+            </a:gs>
+            <a:gs pos="100000">
+              <a:schemeClr val="accent1">
+                <a:hueOff val="0"/>
+                <a:satOff val="0"/>
+                <a:lumOff val="0"/>
+                <a:alphaOff val="0"/>
+                <a:lumMod val="99000"/>
+                <a:satMod val="120000"/>
+                <a:shade val="78000"/>
+              </a:schemeClr>
+            </a:gs>
+          </a:gsLst>
+          <a:lin ang="5400000" scaled="0"/>
+        </a:gradFill>
+        <a:ln>
+          <a:noFill/>
+        </a:ln>
+        <a:effectLst/>
+      </dsp:spPr>
+      <dsp:style>
+        <a:lnRef idx="0">
+          <a:scrgbClr r="0" g="0" b="0"/>
+        </a:lnRef>
+        <a:fillRef idx="3">
+          <a:scrgbClr r="0" g="0" b="0"/>
+        </a:fillRef>
+        <a:effectRef idx="2">
+          <a:scrgbClr r="0" g="0" b="0"/>
+        </a:effectRef>
+        <a:fontRef idx="minor">
+          <a:schemeClr val="lt1"/>
+        </a:fontRef>
+      </dsp:style>
+    </dsp:sp>
+    <dsp:sp modelId="{F8654901-57DC-2845-9111-0E3246237BF5}">
+      <dsp:nvSpPr>
+        <dsp:cNvPr id="0" name=""/>
+        <dsp:cNvSpPr/>
+      </dsp:nvSpPr>
+      <dsp:spPr>
+        <a:xfrm>
+          <a:off x="2359784" y="0"/>
+          <a:ext cx="1122595" cy="1740535"/>
+        </a:xfrm>
+        <a:prstGeom prst="rect">
+          <a:avLst/>
+        </a:prstGeom>
+        <a:noFill/>
+        <a:ln>
+          <a:noFill/>
+        </a:ln>
+        <a:effectLst/>
+      </dsp:spPr>
+      <dsp:style>
+        <a:lnRef idx="0">
+          <a:scrgbClr r="0" g="0" b="0"/>
+        </a:lnRef>
+        <a:fillRef idx="0">
+          <a:scrgbClr r="0" g="0" b="0"/>
+        </a:fillRef>
+        <a:effectRef idx="0">
+          <a:scrgbClr r="0" g="0" b="0"/>
+        </a:effectRef>
+        <a:fontRef idx="minor"/>
+      </dsp:style>
+      <dsp:txBody>
+        <a:bodyPr spcFirstLastPara="0" vert="horz" wrap="square" lIns="92456" tIns="92456" rIns="92456" bIns="92456" numCol="1" spcCol="1270" anchor="b" anchorCtr="0">
+          <a:noAutofit/>
+        </a:bodyPr>
+        <a:lstStyle/>
+        <a:p>
+          <a:pPr lvl="0" algn="ctr" defTabSz="577850">
+            <a:lnSpc>
+              <a:spcPct val="90000"/>
+            </a:lnSpc>
+            <a:spcBef>
+              <a:spcPct val="0"/>
+            </a:spcBef>
+            <a:spcAft>
+              <a:spcPct val="35000"/>
+            </a:spcAft>
+          </a:pPr>
+          <a:r>
+            <a:rPr lang="en-US" sz="1300" kern="1200" dirty="0" smtClean="0"/>
+            <a:t>Subscription End </a:t>
+          </a:r>
+          <a:r>
+            <a:rPr lang="en-US" sz="1300" kern="1200" dirty="0" smtClean="0">
+              <a:solidFill>
+                <a:schemeClr val="accent6"/>
+              </a:solidFill>
+              <a:latin typeface="Zapf Dingbats"/>
+              <a:ea typeface="Zapf Dingbats"/>
+              <a:cs typeface="Zapf Dingbats"/>
+              <a:sym typeface="Zapf Dingbats"/>
+            </a:rPr>
+            <a:t>✔</a:t>
+          </a:r>
+          <a:endParaRPr lang="en-US" sz="1300" kern="1200" dirty="0"/>
+        </a:p>
+      </dsp:txBody>
+      <dsp:txXfrm>
+        <a:off x="2359784" y="0"/>
+        <a:ext cx="1122595" cy="1740535"/>
+      </dsp:txXfrm>
+    </dsp:sp>
+    <dsp:sp modelId="{F292C414-4691-C34C-B60E-9B95F1070557}">
+      <dsp:nvSpPr>
+        <dsp:cNvPr id="0" name=""/>
+        <dsp:cNvSpPr/>
+      </dsp:nvSpPr>
+      <dsp:spPr>
+        <a:xfrm>
+          <a:off x="2703515" y="1958102"/>
+          <a:ext cx="435133" cy="435133"/>
+        </a:xfrm>
+        <a:prstGeom prst="ellipse">
+          <a:avLst/>
+        </a:prstGeom>
+        <a:gradFill rotWithShape="0">
+          <a:gsLst>
+            <a:gs pos="0">
+              <a:schemeClr val="accent1">
+                <a:hueOff val="0"/>
+                <a:satOff val="0"/>
+                <a:lumOff val="0"/>
+                <a:alphaOff val="0"/>
+                <a:satMod val="103000"/>
+                <a:lumMod val="102000"/>
+                <a:tint val="94000"/>
+              </a:schemeClr>
+            </a:gs>
+            <a:gs pos="50000">
+              <a:schemeClr val="accent1">
+                <a:hueOff val="0"/>
+                <a:satOff val="0"/>
+                <a:lumOff val="0"/>
+                <a:alphaOff val="0"/>
+                <a:satMod val="110000"/>
+                <a:lumMod val="100000"/>
+                <a:shade val="100000"/>
+              </a:schemeClr>
+            </a:gs>
+            <a:gs pos="100000">
+              <a:schemeClr val="accent1">
+                <a:hueOff val="0"/>
+                <a:satOff val="0"/>
+                <a:lumOff val="0"/>
+                <a:alphaOff val="0"/>
+                <a:lumMod val="99000"/>
+                <a:satMod val="120000"/>
+                <a:shade val="78000"/>
+              </a:schemeClr>
+            </a:gs>
+          </a:gsLst>
+          <a:lin ang="5400000" scaled="0"/>
+        </a:gradFill>
+        <a:ln>
+          <a:noFill/>
+        </a:ln>
+        <a:effectLst/>
+      </dsp:spPr>
+      <dsp:style>
+        <a:lnRef idx="0">
+          <a:scrgbClr r="0" g="0" b="0"/>
+        </a:lnRef>
+        <a:fillRef idx="3">
+          <a:scrgbClr r="0" g="0" b="0"/>
+        </a:fillRef>
+        <a:effectRef idx="2">
+          <a:scrgbClr r="0" g="0" b="0"/>
+        </a:effectRef>
+        <a:fontRef idx="minor">
+          <a:schemeClr val="lt1"/>
+        </a:fontRef>
+      </dsp:style>
+    </dsp:sp>
+    <dsp:sp modelId="{90FA628B-F518-2D47-99F2-B015832DEA71}">
+      <dsp:nvSpPr>
+        <dsp:cNvPr id="0" name=""/>
+        <dsp:cNvSpPr/>
+      </dsp:nvSpPr>
+      <dsp:spPr>
+        <a:xfrm>
+          <a:off x="3538510" y="2610802"/>
+          <a:ext cx="1122595" cy="1740535"/>
+        </a:xfrm>
+        <a:prstGeom prst="rect">
+          <a:avLst/>
+        </a:prstGeom>
+        <a:noFill/>
+        <a:ln>
+          <a:noFill/>
+        </a:ln>
+        <a:effectLst/>
+      </dsp:spPr>
+      <dsp:style>
+        <a:lnRef idx="0">
+          <a:scrgbClr r="0" g="0" b="0"/>
+        </a:lnRef>
+        <a:fillRef idx="0">
+          <a:scrgbClr r="0" g="0" b="0"/>
+        </a:fillRef>
+        <a:effectRef idx="0">
+          <a:scrgbClr r="0" g="0" b="0"/>
+        </a:effectRef>
+        <a:fontRef idx="minor"/>
+      </dsp:style>
+      <dsp:txBody>
+        <a:bodyPr spcFirstLastPara="0" vert="horz" wrap="square" lIns="92456" tIns="92456" rIns="92456" bIns="92456" numCol="1" spcCol="1270" anchor="t" anchorCtr="0">
+          <a:noAutofit/>
+        </a:bodyPr>
+        <a:lstStyle/>
+        <a:p>
+          <a:pPr lvl="0" algn="ctr" defTabSz="577850">
+            <a:lnSpc>
+              <a:spcPct val="90000"/>
+            </a:lnSpc>
+            <a:spcBef>
+              <a:spcPct val="0"/>
+            </a:spcBef>
+            <a:spcAft>
+              <a:spcPct val="35000"/>
+            </a:spcAft>
+          </a:pPr>
+          <a:r>
+            <a:rPr lang="en-US" sz="1300" kern="1200" dirty="0" smtClean="0"/>
+            <a:t>End Dependent Period</a:t>
+          </a:r>
+          <a:endParaRPr lang="en-US" sz="1300" kern="1200" dirty="0"/>
+        </a:p>
+      </dsp:txBody>
+      <dsp:txXfrm>
+        <a:off x="3538510" y="2610802"/>
+        <a:ext cx="1122595" cy="1740535"/>
+      </dsp:txXfrm>
+    </dsp:sp>
+    <dsp:sp modelId="{F502430A-6002-BC4E-AA33-5F9E5989182F}">
+      <dsp:nvSpPr>
+        <dsp:cNvPr id="0" name=""/>
+        <dsp:cNvSpPr/>
+      </dsp:nvSpPr>
+      <dsp:spPr>
+        <a:xfrm>
+          <a:off x="3882241" y="1958102"/>
+          <a:ext cx="435133" cy="435133"/>
+        </a:xfrm>
+        <a:prstGeom prst="ellipse">
+          <a:avLst/>
+        </a:prstGeom>
+        <a:gradFill rotWithShape="0">
+          <a:gsLst>
+            <a:gs pos="0">
+              <a:schemeClr val="accent1">
+                <a:hueOff val="0"/>
+                <a:satOff val="0"/>
+                <a:lumOff val="0"/>
+                <a:alphaOff val="0"/>
+                <a:satMod val="103000"/>
+                <a:lumMod val="102000"/>
+                <a:tint val="94000"/>
+              </a:schemeClr>
+            </a:gs>
+            <a:gs pos="50000">
+              <a:schemeClr val="accent1">
+                <a:hueOff val="0"/>
+                <a:satOff val="0"/>
+                <a:lumOff val="0"/>
+                <a:alphaOff val="0"/>
+                <a:satMod val="110000"/>
+                <a:lumMod val="100000"/>
+                <a:shade val="100000"/>
+              </a:schemeClr>
+            </a:gs>
+            <a:gs pos="100000">
+              <a:schemeClr val="accent1">
+                <a:hueOff val="0"/>
+                <a:satOff val="0"/>
+                <a:lumOff val="0"/>
+                <a:alphaOff val="0"/>
+                <a:lumMod val="99000"/>
+                <a:satMod val="120000"/>
+                <a:shade val="78000"/>
+              </a:schemeClr>
+            </a:gs>
+          </a:gsLst>
+          <a:lin ang="5400000" scaled="0"/>
+        </a:gradFill>
+        <a:ln>
+          <a:noFill/>
+        </a:ln>
+        <a:effectLst/>
+      </dsp:spPr>
+      <dsp:style>
+        <a:lnRef idx="0">
+          <a:scrgbClr r="0" g="0" b="0"/>
+        </a:lnRef>
+        <a:fillRef idx="3">
+          <a:scrgbClr r="0" g="0" b="0"/>
+        </a:fillRef>
+        <a:effectRef idx="2">
+          <a:scrgbClr r="0" g="0" b="0"/>
+        </a:effectRef>
+        <a:fontRef idx="minor">
+          <a:schemeClr val="lt1"/>
+        </a:fontRef>
+      </dsp:style>
+    </dsp:sp>
+  </dsp:spTree>
+</dsp:drawing>
+</file>
+
+<file path=ppt/diagrams/drawing2.xml><?xml version="1.0" encoding="utf-8"?>
+<dsp:drawing xmlns:dgm="http://schemas.openxmlformats.org/drawingml/2006/diagram" xmlns:dsp="http://schemas.microsoft.com/office/drawing/2008/diagram" xmlns:a="http://schemas.openxmlformats.org/drawingml/2006/main">
+  <dsp:spTree>
+    <dsp:nvGrpSpPr>
+      <dsp:cNvPr id="0" name=""/>
+      <dsp:cNvGrpSpPr/>
+    </dsp:nvGrpSpPr>
+    <dsp:grpSpPr/>
+    <dsp:sp modelId="{086F30C3-8F60-BD4F-84B3-FADFD328B327}">
+      <dsp:nvSpPr>
+        <dsp:cNvPr id="0" name=""/>
+        <dsp:cNvSpPr/>
+      </dsp:nvSpPr>
+      <dsp:spPr>
+        <a:xfrm>
+          <a:off x="0" y="1305401"/>
+          <a:ext cx="5181600" cy="1740535"/>
+        </a:xfrm>
+        <a:prstGeom prst="notchedRightArrow">
+          <a:avLst/>
+        </a:prstGeom>
+        <a:solidFill>
+          <a:schemeClr val="accent1">
+            <a:tint val="40000"/>
+            <a:hueOff val="0"/>
+            <a:satOff val="0"/>
+            <a:lumOff val="0"/>
+            <a:alphaOff val="0"/>
+          </a:schemeClr>
+        </a:solidFill>
+        <a:ln>
+          <a:noFill/>
+        </a:ln>
+        <a:effectLst/>
+      </dsp:spPr>
+      <dsp:style>
+        <a:lnRef idx="0">
+          <a:scrgbClr r="0" g="0" b="0"/>
+        </a:lnRef>
+        <a:fillRef idx="1">
+          <a:scrgbClr r="0" g="0" b="0"/>
+        </a:fillRef>
+        <a:effectRef idx="2">
+          <a:scrgbClr r="0" g="0" b="0"/>
+        </a:effectRef>
+        <a:fontRef idx="minor"/>
+      </dsp:style>
+    </dsp:sp>
+    <dsp:sp modelId="{1B057D25-377D-4E45-8DE8-9060F7717903}">
+      <dsp:nvSpPr>
+        <dsp:cNvPr id="0" name=""/>
+        <dsp:cNvSpPr/>
+      </dsp:nvSpPr>
+      <dsp:spPr>
+        <a:xfrm>
+          <a:off x="2333" y="0"/>
+          <a:ext cx="1122595" cy="1740535"/>
+        </a:xfrm>
+        <a:prstGeom prst="rect">
+          <a:avLst/>
+        </a:prstGeom>
+        <a:noFill/>
+        <a:ln>
+          <a:noFill/>
+        </a:ln>
+        <a:effectLst/>
+      </dsp:spPr>
+      <dsp:style>
+        <a:lnRef idx="0">
+          <a:scrgbClr r="0" g="0" b="0"/>
+        </a:lnRef>
+        <a:fillRef idx="0">
+          <a:scrgbClr r="0" g="0" b="0"/>
+        </a:fillRef>
+        <a:effectRef idx="0">
+          <a:scrgbClr r="0" g="0" b="0"/>
+        </a:effectRef>
+        <a:fontRef idx="minor"/>
+      </dsp:style>
+      <dsp:txBody>
+        <a:bodyPr spcFirstLastPara="0" vert="horz" wrap="square" lIns="99568" tIns="99568" rIns="99568" bIns="99568" numCol="1" spcCol="1270" anchor="b" anchorCtr="0">
+          <a:noAutofit/>
+        </a:bodyPr>
+        <a:lstStyle/>
+        <a:p>
+          <a:pPr lvl="0" algn="ctr" defTabSz="622300">
+            <a:lnSpc>
+              <a:spcPct val="90000"/>
+            </a:lnSpc>
+            <a:spcBef>
+              <a:spcPct val="0"/>
+            </a:spcBef>
+            <a:spcAft>
+              <a:spcPct val="35000"/>
+            </a:spcAft>
+          </a:pPr>
+          <a:r>
+            <a:rPr lang="en-US" sz="1400" kern="1200" dirty="0" smtClean="0"/>
+            <a:t>Subscription Start </a:t>
+          </a:r>
+          <a:r>
+            <a:rPr lang="en-US" sz="1400" kern="1200" dirty="0" smtClean="0">
+              <a:solidFill>
+                <a:schemeClr val="accent6"/>
+              </a:solidFill>
+              <a:latin typeface="Zapf Dingbats"/>
+              <a:ea typeface="Zapf Dingbats"/>
+              <a:cs typeface="Zapf Dingbats"/>
+              <a:sym typeface="Zapf Dingbats"/>
+            </a:rPr>
+            <a:t>✔</a:t>
+          </a:r>
+          <a:endParaRPr lang="en-US" sz="1400" kern="1200" dirty="0"/>
+        </a:p>
+      </dsp:txBody>
+      <dsp:txXfrm>
+        <a:off x="2333" y="0"/>
+        <a:ext cx="1122595" cy="1740535"/>
+      </dsp:txXfrm>
+    </dsp:sp>
+    <dsp:sp modelId="{0B800994-AB58-5C4B-B385-53A43EFEC7D5}">
+      <dsp:nvSpPr>
+        <dsp:cNvPr id="0" name=""/>
+        <dsp:cNvSpPr/>
+      </dsp:nvSpPr>
+      <dsp:spPr>
+        <a:xfrm>
+          <a:off x="346064" y="1958102"/>
+          <a:ext cx="435133" cy="435133"/>
+        </a:xfrm>
+        <a:prstGeom prst="ellipse">
+          <a:avLst/>
+        </a:prstGeom>
+        <a:gradFill rotWithShape="0">
+          <a:gsLst>
+            <a:gs pos="0">
+              <a:schemeClr val="accent1">
+                <a:hueOff val="0"/>
+                <a:satOff val="0"/>
+                <a:lumOff val="0"/>
+                <a:alphaOff val="0"/>
+                <a:satMod val="103000"/>
+                <a:lumMod val="102000"/>
+                <a:tint val="94000"/>
+              </a:schemeClr>
+            </a:gs>
+            <a:gs pos="50000">
+              <a:schemeClr val="accent1">
+                <a:hueOff val="0"/>
+                <a:satOff val="0"/>
+                <a:lumOff val="0"/>
+                <a:alphaOff val="0"/>
+                <a:satMod val="110000"/>
+                <a:lumMod val="100000"/>
+                <a:shade val="100000"/>
+              </a:schemeClr>
+            </a:gs>
+            <a:gs pos="100000">
+              <a:schemeClr val="accent1">
+                <a:hueOff val="0"/>
+                <a:satOff val="0"/>
+                <a:lumOff val="0"/>
+                <a:alphaOff val="0"/>
+                <a:lumMod val="99000"/>
+                <a:satMod val="120000"/>
+                <a:shade val="78000"/>
+              </a:schemeClr>
+            </a:gs>
+          </a:gsLst>
+          <a:lin ang="5400000" scaled="0"/>
+        </a:gradFill>
+        <a:ln>
+          <a:noFill/>
+        </a:ln>
+        <a:effectLst/>
+      </dsp:spPr>
+      <dsp:style>
+        <a:lnRef idx="0">
+          <a:scrgbClr r="0" g="0" b="0"/>
+        </a:lnRef>
+        <a:fillRef idx="3">
+          <a:scrgbClr r="0" g="0" b="0"/>
+        </a:fillRef>
+        <a:effectRef idx="2">
+          <a:scrgbClr r="0" g="0" b="0"/>
+        </a:effectRef>
+        <a:fontRef idx="minor">
+          <a:schemeClr val="lt1"/>
+        </a:fontRef>
+      </dsp:style>
+    </dsp:sp>
+    <dsp:sp modelId="{4FEB3CA1-4A8F-254F-BCDE-9B9A07679B16}">
+      <dsp:nvSpPr>
+        <dsp:cNvPr id="0" name=""/>
+        <dsp:cNvSpPr/>
+      </dsp:nvSpPr>
+      <dsp:spPr>
+        <a:xfrm>
+          <a:off x="1181059" y="2610802"/>
+          <a:ext cx="1122595" cy="1740535"/>
+        </a:xfrm>
+        <a:prstGeom prst="rect">
+          <a:avLst/>
+        </a:prstGeom>
+        <a:noFill/>
+        <a:ln>
+          <a:noFill/>
+        </a:ln>
+        <a:effectLst/>
+      </dsp:spPr>
+      <dsp:style>
+        <a:lnRef idx="0">
+          <a:scrgbClr r="0" g="0" b="0"/>
+        </a:lnRef>
+        <a:fillRef idx="0">
+          <a:scrgbClr r="0" g="0" b="0"/>
+        </a:fillRef>
+        <a:effectRef idx="0">
+          <a:scrgbClr r="0" g="0" b="0"/>
+        </a:effectRef>
+        <a:fontRef idx="minor"/>
+      </dsp:style>
+      <dsp:txBody>
+        <a:bodyPr spcFirstLastPara="0" vert="horz" wrap="square" lIns="99568" tIns="99568" rIns="99568" bIns="99568" numCol="1" spcCol="1270" anchor="t" anchorCtr="0">
+          <a:noAutofit/>
+        </a:bodyPr>
+        <a:lstStyle/>
+        <a:p>
+          <a:pPr lvl="0" algn="ctr" defTabSz="622300">
+            <a:lnSpc>
+              <a:spcPct val="90000"/>
+            </a:lnSpc>
+            <a:spcBef>
+              <a:spcPct val="0"/>
+            </a:spcBef>
+            <a:spcAft>
+              <a:spcPct val="35000"/>
+            </a:spcAft>
+          </a:pPr>
+          <a:r>
+            <a:rPr lang="en-US" sz="1400" kern="1200" dirty="0" smtClean="0"/>
+            <a:t>Dump date</a:t>
+          </a:r>
+          <a:endParaRPr lang="en-US" sz="1400" kern="1200" dirty="0"/>
+        </a:p>
+      </dsp:txBody>
+      <dsp:txXfrm>
+        <a:off x="1181059" y="2610802"/>
+        <a:ext cx="1122595" cy="1740535"/>
+      </dsp:txXfrm>
+    </dsp:sp>
+    <dsp:sp modelId="{481419DA-410C-9642-8F5E-21D549B1B152}">
+      <dsp:nvSpPr>
+        <dsp:cNvPr id="0" name=""/>
+        <dsp:cNvSpPr/>
+      </dsp:nvSpPr>
+      <dsp:spPr>
+        <a:xfrm>
+          <a:off x="1524790" y="1958102"/>
+          <a:ext cx="435133" cy="435133"/>
+        </a:xfrm>
+        <a:prstGeom prst="ellipse">
+          <a:avLst/>
+        </a:prstGeom>
+        <a:gradFill rotWithShape="0">
+          <a:gsLst>
+            <a:gs pos="0">
+              <a:schemeClr val="accent1">
+                <a:hueOff val="0"/>
+                <a:satOff val="0"/>
+                <a:lumOff val="0"/>
+                <a:alphaOff val="0"/>
+                <a:satMod val="103000"/>
+                <a:lumMod val="102000"/>
+                <a:tint val="94000"/>
+              </a:schemeClr>
+            </a:gs>
+            <a:gs pos="50000">
+              <a:schemeClr val="accent1">
+                <a:hueOff val="0"/>
+                <a:satOff val="0"/>
+                <a:lumOff val="0"/>
+                <a:alphaOff val="0"/>
+                <a:satMod val="110000"/>
+                <a:lumMod val="100000"/>
+                <a:shade val="100000"/>
+              </a:schemeClr>
+            </a:gs>
+            <a:gs pos="100000">
+              <a:schemeClr val="accent1">
+                <a:hueOff val="0"/>
+                <a:satOff val="0"/>
+                <a:lumOff val="0"/>
+                <a:alphaOff val="0"/>
+                <a:lumMod val="99000"/>
+                <a:satMod val="120000"/>
+                <a:shade val="78000"/>
+              </a:schemeClr>
+            </a:gs>
+          </a:gsLst>
+          <a:lin ang="5400000" scaled="0"/>
+        </a:gradFill>
+        <a:ln>
+          <a:noFill/>
+        </a:ln>
+        <a:effectLst/>
+      </dsp:spPr>
+      <dsp:style>
+        <a:lnRef idx="0">
+          <a:scrgbClr r="0" g="0" b="0"/>
+        </a:lnRef>
+        <a:fillRef idx="3">
+          <a:scrgbClr r="0" g="0" b="0"/>
+        </a:fillRef>
+        <a:effectRef idx="2">
+          <a:scrgbClr r="0" g="0" b="0"/>
+        </a:effectRef>
+        <a:fontRef idx="minor">
+          <a:schemeClr val="lt1"/>
+        </a:fontRef>
+      </dsp:style>
+    </dsp:sp>
+    <dsp:sp modelId="{B18FFEFF-7D48-AF48-8EEE-5F59D443262F}">
+      <dsp:nvSpPr>
+        <dsp:cNvPr id="0" name=""/>
+        <dsp:cNvSpPr/>
+      </dsp:nvSpPr>
+      <dsp:spPr>
+        <a:xfrm>
+          <a:off x="2359784" y="0"/>
+          <a:ext cx="1122595" cy="1740535"/>
+        </a:xfrm>
+        <a:prstGeom prst="rect">
+          <a:avLst/>
+        </a:prstGeom>
+        <a:noFill/>
+        <a:ln>
+          <a:noFill/>
+        </a:ln>
+        <a:effectLst/>
+      </dsp:spPr>
+      <dsp:style>
+        <a:lnRef idx="0">
+          <a:scrgbClr r="0" g="0" b="0"/>
+        </a:lnRef>
+        <a:fillRef idx="0">
+          <a:scrgbClr r="0" g="0" b="0"/>
+        </a:fillRef>
+        <a:effectRef idx="0">
+          <a:scrgbClr r="0" g="0" b="0"/>
+        </a:effectRef>
+        <a:fontRef idx="minor"/>
+      </dsp:style>
+      <dsp:txBody>
+        <a:bodyPr spcFirstLastPara="0" vert="horz" wrap="square" lIns="99568" tIns="99568" rIns="99568" bIns="99568" numCol="1" spcCol="1270" anchor="b" anchorCtr="0">
+          <a:noAutofit/>
+        </a:bodyPr>
+        <a:lstStyle/>
+        <a:p>
+          <a:pPr lvl="0" algn="ctr" defTabSz="622300">
+            <a:lnSpc>
+              <a:spcPct val="90000"/>
+            </a:lnSpc>
+            <a:spcBef>
+              <a:spcPct val="0"/>
+            </a:spcBef>
+            <a:spcAft>
+              <a:spcPct val="35000"/>
+            </a:spcAft>
+          </a:pPr>
+          <a:r>
+            <a:rPr lang="en-US" sz="1400" kern="1200" dirty="0" smtClean="0"/>
+            <a:t>Subscription Ends </a:t>
+          </a:r>
+          <a:r>
+            <a:rPr lang="en-US" sz="1400" kern="1200" dirty="0" smtClean="0">
+              <a:solidFill>
+                <a:schemeClr val="accent6"/>
+              </a:solidFill>
+              <a:latin typeface="Zapf Dingbats"/>
+              <a:ea typeface="Zapf Dingbats"/>
+              <a:cs typeface="Zapf Dingbats"/>
+              <a:sym typeface="Zapf Dingbats"/>
+            </a:rPr>
+            <a:t>✔</a:t>
+          </a:r>
+          <a:endParaRPr lang="en-US" sz="1400" kern="1200" dirty="0"/>
+        </a:p>
+      </dsp:txBody>
+      <dsp:txXfrm>
+        <a:off x="2359784" y="0"/>
+        <a:ext cx="1122595" cy="1740535"/>
+      </dsp:txXfrm>
+    </dsp:sp>
+    <dsp:sp modelId="{2A32ADDA-6CE0-0C48-B2F1-291FED00448F}">
+      <dsp:nvSpPr>
+        <dsp:cNvPr id="0" name=""/>
+        <dsp:cNvSpPr/>
+      </dsp:nvSpPr>
+      <dsp:spPr>
+        <a:xfrm>
+          <a:off x="2703515" y="1958102"/>
+          <a:ext cx="435133" cy="435133"/>
+        </a:xfrm>
+        <a:prstGeom prst="ellipse">
+          <a:avLst/>
+        </a:prstGeom>
+        <a:gradFill rotWithShape="0">
+          <a:gsLst>
+            <a:gs pos="0">
+              <a:schemeClr val="accent1">
+                <a:hueOff val="0"/>
+                <a:satOff val="0"/>
+                <a:lumOff val="0"/>
+                <a:alphaOff val="0"/>
+                <a:satMod val="103000"/>
+                <a:lumMod val="102000"/>
+                <a:tint val="94000"/>
+              </a:schemeClr>
+            </a:gs>
+            <a:gs pos="50000">
+              <a:schemeClr val="accent1">
+                <a:hueOff val="0"/>
+                <a:satOff val="0"/>
+                <a:lumOff val="0"/>
+                <a:alphaOff val="0"/>
+                <a:satMod val="110000"/>
+                <a:lumMod val="100000"/>
+                <a:shade val="100000"/>
+              </a:schemeClr>
+            </a:gs>
+            <a:gs pos="100000">
+              <a:schemeClr val="accent1">
+                <a:hueOff val="0"/>
+                <a:satOff val="0"/>
+                <a:lumOff val="0"/>
+                <a:alphaOff val="0"/>
+                <a:lumMod val="99000"/>
+                <a:satMod val="120000"/>
+                <a:shade val="78000"/>
+              </a:schemeClr>
+            </a:gs>
+          </a:gsLst>
+          <a:lin ang="5400000" scaled="0"/>
+        </a:gradFill>
+        <a:ln>
+          <a:noFill/>
+        </a:ln>
+        <a:effectLst/>
+      </dsp:spPr>
+      <dsp:style>
+        <a:lnRef idx="0">
+          <a:scrgbClr r="0" g="0" b="0"/>
+        </a:lnRef>
+        <a:fillRef idx="3">
+          <a:scrgbClr r="0" g="0" b="0"/>
+        </a:fillRef>
+        <a:effectRef idx="2">
+          <a:scrgbClr r="0" g="0" b="0"/>
+        </a:effectRef>
+        <a:fontRef idx="minor">
+          <a:schemeClr val="lt1"/>
+        </a:fontRef>
+      </dsp:style>
+    </dsp:sp>
+    <dsp:sp modelId="{8B4A9DB4-994F-FC48-9B93-CA21F36E5273}">
+      <dsp:nvSpPr>
+        <dsp:cNvPr id="0" name=""/>
+        <dsp:cNvSpPr/>
+      </dsp:nvSpPr>
+      <dsp:spPr>
+        <a:xfrm>
+          <a:off x="3538510" y="2610802"/>
+          <a:ext cx="1122595" cy="1740535"/>
+        </a:xfrm>
+        <a:prstGeom prst="rect">
+          <a:avLst/>
+        </a:prstGeom>
+        <a:noFill/>
+        <a:ln>
+          <a:noFill/>
+        </a:ln>
+        <a:effectLst/>
+      </dsp:spPr>
+      <dsp:style>
+        <a:lnRef idx="0">
+          <a:scrgbClr r="0" g="0" b="0"/>
+        </a:lnRef>
+        <a:fillRef idx="0">
+          <a:scrgbClr r="0" g="0" b="0"/>
+        </a:fillRef>
+        <a:effectRef idx="0">
+          <a:scrgbClr r="0" g="0" b="0"/>
+        </a:effectRef>
+        <a:fontRef idx="minor"/>
+      </dsp:style>
+      <dsp:txBody>
+        <a:bodyPr spcFirstLastPara="0" vert="horz" wrap="square" lIns="99568" tIns="99568" rIns="99568" bIns="99568" numCol="1" spcCol="1270" anchor="t" anchorCtr="0">
+          <a:noAutofit/>
+        </a:bodyPr>
+        <a:lstStyle/>
+        <a:p>
+          <a:pPr lvl="0" algn="ctr" defTabSz="622300">
+            <a:lnSpc>
+              <a:spcPct val="90000"/>
+            </a:lnSpc>
+            <a:spcBef>
+              <a:spcPct val="0"/>
+            </a:spcBef>
+            <a:spcAft>
+              <a:spcPct val="35000"/>
+            </a:spcAft>
+          </a:pPr>
+          <a:r>
+            <a:rPr lang="en-US" sz="1400" kern="1200" dirty="0" smtClean="0"/>
+            <a:t>Dump date +</a:t>
+          </a:r>
+        </a:p>
+        <a:p>
+          <a:pPr lvl="0" algn="ctr" defTabSz="622300">
+            <a:lnSpc>
+              <a:spcPct val="90000"/>
+            </a:lnSpc>
+            <a:spcBef>
+              <a:spcPct val="0"/>
+            </a:spcBef>
+            <a:spcAft>
+              <a:spcPct val="35000"/>
+            </a:spcAft>
+          </a:pPr>
+          <a:r>
+            <a:rPr lang="en-US" sz="1400" kern="1200" dirty="0" smtClean="0"/>
+            <a:t> #days in Building Dependent period</a:t>
+          </a:r>
+          <a:endParaRPr lang="en-US" sz="1400" kern="1200" dirty="0"/>
+        </a:p>
+      </dsp:txBody>
+      <dsp:txXfrm>
+        <a:off x="3538510" y="2610802"/>
+        <a:ext cx="1122595" cy="1740535"/>
+      </dsp:txXfrm>
+    </dsp:sp>
+    <dsp:sp modelId="{F86D1278-278C-204A-B2E2-AE29FA5A888F}">
+      <dsp:nvSpPr>
+        <dsp:cNvPr id="0" name=""/>
+        <dsp:cNvSpPr/>
+      </dsp:nvSpPr>
+      <dsp:spPr>
+        <a:xfrm>
+          <a:off x="3882241" y="1958102"/>
+          <a:ext cx="435133" cy="435133"/>
+        </a:xfrm>
+        <a:prstGeom prst="ellipse">
+          <a:avLst/>
+        </a:prstGeom>
+        <a:gradFill rotWithShape="0">
+          <a:gsLst>
+            <a:gs pos="0">
+              <a:schemeClr val="accent1">
+                <a:hueOff val="0"/>
+                <a:satOff val="0"/>
+                <a:lumOff val="0"/>
+                <a:alphaOff val="0"/>
+                <a:satMod val="103000"/>
+                <a:lumMod val="102000"/>
+                <a:tint val="94000"/>
+              </a:schemeClr>
+            </a:gs>
+            <a:gs pos="50000">
+              <a:schemeClr val="accent1">
+                <a:hueOff val="0"/>
+                <a:satOff val="0"/>
+                <a:lumOff val="0"/>
+                <a:alphaOff val="0"/>
+                <a:satMod val="110000"/>
+                <a:lumMod val="100000"/>
+                <a:shade val="100000"/>
+              </a:schemeClr>
+            </a:gs>
+            <a:gs pos="100000">
+              <a:schemeClr val="accent1">
+                <a:hueOff val="0"/>
+                <a:satOff val="0"/>
+                <a:lumOff val="0"/>
+                <a:alphaOff val="0"/>
+                <a:lumMod val="99000"/>
+                <a:satMod val="120000"/>
+                <a:shade val="78000"/>
+              </a:schemeClr>
+            </a:gs>
+          </a:gsLst>
+          <a:lin ang="5400000" scaled="0"/>
+        </a:gradFill>
+        <a:ln>
+          <a:noFill/>
+        </a:ln>
+        <a:effectLst/>
+      </dsp:spPr>
+      <dsp:style>
+        <a:lnRef idx="0">
+          <a:scrgbClr r="0" g="0" b="0"/>
+        </a:lnRef>
+        <a:fillRef idx="3">
+          <a:scrgbClr r="0" g="0" b="0"/>
+        </a:fillRef>
+        <a:effectRef idx="2">
+          <a:scrgbClr r="0" g="0" b="0"/>
+        </a:effectRef>
+        <a:fontRef idx="minor">
+          <a:schemeClr val="lt1"/>
+        </a:fontRef>
+      </dsp:style>
+    </dsp:sp>
+  </dsp:spTree>
+</dsp:drawing>
+</file>
+
+<file path=ppt/diagrams/layout1.xml><?xml version="1.0" encoding="utf-8"?>
+<dgm:layoutDef xmlns:dgm="http://schemas.openxmlformats.org/drawingml/2006/diagram" xmlns:a="http://schemas.openxmlformats.org/drawingml/2006/main" uniqueId="urn:microsoft.com/office/officeart/2005/8/layout/hProcess11">
+  <dgm:title val=""/>
+  <dgm:desc val=""/>
+  <dgm:catLst>
+    <dgm:cat type="process" pri="8000"/>
+    <dgm:cat type="convert" pri="14000"/>
+  </dgm:catLst>
+  <dgm:sampData useDef="1">
+    <dgm:dataModel>
+      <dgm:ptLst/>
+      <dgm:bg/>
+      <dgm:whole/>
+    </dgm:dataModel>
+  </dgm:sampData>
+  <dgm:styleData>
+    <dgm:dataModel>
+      <dgm:ptLst>
+        <dgm:pt modelId="0" type="doc"/>
+        <dgm:pt modelId="1"/>
+        <dgm:pt modelId="2"/>
+      </dgm:ptLst>
+      <dgm:cxnLst>
+        <dgm:cxn modelId="4" srcId="0" destId="1" srcOrd="0" destOrd="0"/>
+        <dgm:cxn modelId="5" srcId="0" destId="2" srcOrd="1" destOrd="0"/>
+      </dgm:cxnLst>
+      <dgm:bg/>
+      <dgm:whole/>
+    </dgm:dataModel>
+  </dgm:styleData>
+  <dgm:clrData>
+    <dgm:dataModel>
+      <dgm:ptLst>
+        <dgm:pt modelId="0" type="doc"/>
+        <dgm:pt modelId="1"/>
+        <dgm:pt modelId="2"/>
+        <dgm:pt modelId="3"/>
+        <dgm:pt modelId="4"/>
+      </dgm:ptLst>
+      <dgm:cxnLst>
+        <dgm:cxn modelId="5" srcId="0" destId="1" srcOrd="0" destOrd="0"/>
+        <dgm:cxn modelId="6" srcId="0" destId="2" srcOrd="1" destOrd="0"/>
+        <dgm:cxn modelId="7" srcId="0" destId="3" srcOrd="2" destOrd="0"/>
+        <dgm:cxn modelId="8" srcId="0" destId="4" srcOrd="3" destOrd="0"/>
+      </dgm:cxnLst>
+      <dgm:bg/>
+      <dgm:whole/>
+    </dgm:dataModel>
+  </dgm:clrData>
+  <dgm:layoutNode name="Name0">
+    <dgm:varLst>
+      <dgm:dir/>
+      <dgm:resizeHandles val="exact"/>
+    </dgm:varLst>
+    <dgm:alg type="composite"/>
+    <dgm:shape xmlns:r="http://schemas.openxmlformats.org/officeDocument/2006/relationships" r:blip="">
+      <dgm:adjLst/>
+    </dgm:shape>
+    <dgm:presOf/>
+    <dgm:choose name="Name1">
+      <dgm:if name="Name2" func="var" arg="dir" op="equ" val="norm">
+        <dgm:constrLst>
+          <dgm:constr type="w" for="ch" forName="arrow" refType="w"/>
+          <dgm:constr type="h" for="ch" forName="arrow" refType="h" fact="0.4"/>
+          <dgm:constr type="ctrY" for="ch" forName="arrow" refType="h" fact="0.5"/>
+          <dgm:constr type="l" for="ch" forName="arrow"/>
+          <dgm:constr type="w" for="ch" forName="points" refType="w" fact="0.9"/>
+          <dgm:constr type="h" for="ch" forName="points" refType="h"/>
+          <dgm:constr type="t" for="ch" forName="points"/>
+          <dgm:constr type="l" for="ch" forName="points"/>
+        </dgm:constrLst>
+      </dgm:if>
+      <dgm:else name="Name3">
+        <dgm:constrLst>
+          <dgm:constr type="w" for="ch" forName="arrow" refType="w"/>
+          <dgm:constr type="h" for="ch" forName="arrow" refType="h" fact="0.4"/>
+          <dgm:constr type="ctrY" for="ch" forName="arrow" refType="h" fact="0.5"/>
+          <dgm:constr type="r" for="ch" forName="arrow" refType="w"/>
+          <dgm:constr type="w" for="ch" forName="points" refType="w" fact="0.9"/>
+          <dgm:constr type="h" for="ch" forName="points" refType="h"/>
+          <dgm:constr type="t" for="ch" forName="points"/>
+          <dgm:constr type="r" for="ch" forName="points" refType="w"/>
+        </dgm:constrLst>
+      </dgm:else>
+    </dgm:choose>
+    <dgm:ruleLst/>
+    <dgm:layoutNode name="arrow" styleLbl="bgShp">
+      <dgm:alg type="sp"/>
+      <dgm:choose name="Name4">
+        <dgm:if name="Name5" func="var" arg="dir" op="equ" val="norm">
+          <dgm:shape xmlns:r="http://schemas.openxmlformats.org/officeDocument/2006/relationships" type="notchedRightArrow" r:blip="">
+            <dgm:adjLst/>
+          </dgm:shape>
+        </dgm:if>
+        <dgm:else name="Name6">
+          <dgm:shape xmlns:r="http://schemas.openxmlformats.org/officeDocument/2006/relationships" rot="180" type="notchedRightArrow" r:blip="">
+            <dgm:adjLst/>
+          </dgm:shape>
+        </dgm:else>
+      </dgm:choose>
+      <dgm:presOf/>
+      <dgm:constrLst/>
+      <dgm:ruleLst/>
+    </dgm:layoutNode>
+    <dgm:layoutNode name="points">
+      <dgm:choose name="Name7">
+        <dgm:if name="Name8" func="var" arg="dir" op="equ" val="norm">
+          <dgm:alg type="lin">
+            <dgm:param type="linDir" val="fromL"/>
+          </dgm:alg>
+        </dgm:if>
+        <dgm:else name="Name9">
+          <dgm:alg type="lin">
+            <dgm:param type="linDir" val="fromR"/>
+          </dgm:alg>
+        </dgm:else>
+      </dgm:choose>
+      <dgm:shape xmlns:r="http://schemas.openxmlformats.org/officeDocument/2006/relationships" r:blip="">
+        <dgm:adjLst/>
+      </dgm:shape>
+      <dgm:presOf/>
+      <dgm:constrLst>
+        <dgm:constr type="w" for="ch" forName="compositeA" refType="w"/>
+        <dgm:constr type="h" for="ch" forName="compositeA" refType="h"/>
+        <dgm:constr type="w" for="ch" forName="compositeB" refType="w" refFor="ch" refForName="compositeA" op="equ"/>
+        <dgm:constr type="h" for="ch" forName="compositeB" refType="h" refFor="ch" refForName="compositeA" op="equ"/>
+        <dgm:constr type="primFontSz" for="des" ptType="node" op="equ" val="65"/>
+        <dgm:constr type="w" for="ch" forName="space" refType="w" refFor="ch" refForName="compositeA" op="equ" fact="0.05"/>
+      </dgm:constrLst>
+      <dgm:ruleLst/>
+      <dgm:forEach name="Name10" axis="ch" ptType="node">
+        <dgm:choose name="Name11">
+          <dgm:if name="Name12" axis="self" ptType="node" func="posOdd" op="equ" val="1">
+            <dgm:layoutNode name="compositeA">
+              <dgm:alg type="composite"/>
+              <dgm:shape xmlns:r="http://schemas.openxmlformats.org/officeDocument/2006/relationships" r:blip="">
+                <dgm:adjLst/>
+              </dgm:shape>
+              <dgm:presOf/>
+              <dgm:constrLst>
+                <dgm:constr type="w" for="ch" forName="textA" refType="w"/>
+                <dgm:constr type="h" for="ch" forName="textA" refType="h" fact="0.4"/>
+                <dgm:constr type="t" for="ch" forName="textA"/>
+                <dgm:constr type="l" for="ch" forName="textA"/>
+                <dgm:constr type="h" for="ch" forName="circleA" refType="h" fact="0.1"/>
+                <dgm:constr type="h" for="ch" forName="circleA" refType="w" op="lte"/>
+                <dgm:constr type="w" for="ch" forName="circleA" refType="h" refFor="ch" refForName="circleA" op="equ"/>
+                <dgm:constr type="ctrY" for="ch" forName="circleA" refType="h" fact="0.5"/>
+                <dgm:constr type="ctrX" for="ch" forName="circleA" refType="w" refFor="ch" refForName="textA" fact="0.5"/>
+                <dgm:constr type="w" for="ch" forName="spaceA" refType="w"/>
+                <dgm:constr type="h" for="ch" forName="spaceA" refType="h" fact="0.4"/>
+                <dgm:constr type="b" for="ch" forName="spaceA" refType="h"/>
+                <dgm:constr type="l" for="ch" forName="spaceA"/>
+              </dgm:constrLst>
+              <dgm:ruleLst/>
+              <dgm:layoutNode name="textA" styleLbl="revTx">
+                <dgm:varLst>
+                  <dgm:bulletEnabled val="1"/>
+                </dgm:varLst>
+                <dgm:alg type="tx">
+                  <dgm:param type="txAnchorVert" val="b"/>
+                  <dgm:param type="txAnchorVertCh" val="b"/>
+                  <dgm:param type="txAnchorHorzCh" val="ctr"/>
+                </dgm:alg>
+                <dgm:shape xmlns:r="http://schemas.openxmlformats.org/officeDocument/2006/relationships" type="rect" r:blip="">
+                  <dgm:adjLst/>
+                </dgm:shape>
+                <dgm:presOf axis="desOrSelf" ptType="node"/>
+                <dgm:constrLst/>
+                <dgm:ruleLst>
+                  <dgm:rule type="primFontSz" val="5" fact="NaN" max="NaN"/>
+                </dgm:ruleLst>
+              </dgm:layoutNode>
+              <dgm:layoutNode name="circleA">
+                <dgm:alg type="sp"/>
+                <dgm:shape xmlns:r="http://schemas.openxmlformats.org/officeDocument/2006/relationships" type="ellipse" r:blip="">
+                  <dgm:adjLst/>
+                </dgm:shape>
+                <dgm:presOf/>
+                <dgm:constrLst/>
+                <dgm:ruleLst/>
+              </dgm:layoutNode>
+              <dgm:layoutNode name="spaceA">
+                <dgm:alg type="sp"/>
+                <dgm:shape xmlns:r="http://schemas.openxmlformats.org/officeDocument/2006/relationships" r:blip="">
+                  <dgm:adjLst/>
+                </dgm:shape>
+                <dgm:presOf/>
+                <dgm:constrLst/>
+                <dgm:ruleLst/>
+              </dgm:layoutNode>
+            </dgm:layoutNode>
+          </dgm:if>
+          <dgm:else name="Name13">
+            <dgm:layoutNode name="compositeB">
+              <dgm:alg type="composite"/>
+              <dgm:shape xmlns:r="http://schemas.openxmlformats.org/officeDocument/2006/relationships" r:blip="">
+                <dgm:adjLst/>
+              </dgm:shape>
+              <dgm:presOf/>
+              <dgm:constrLst>
+                <dgm:constr type="w" for="ch" forName="textB" refType="w"/>
+                <dgm:constr type="h" for="ch" forName="textB" refType="h" fact="0.4"/>
+                <dgm:constr type="b" for="ch" forName="textB" refType="h"/>
+                <dgm:constr type="l" for="ch" forName="textB"/>
+                <dgm:constr type="h" for="ch" forName="circleB" refType="h" fact="0.1"/>
+                <dgm:constr type="w" for="ch" forName="circleB" refType="h" refFor="ch" refForName="circleB" op="equ"/>
+                <dgm:constr type="h" for="ch" forName="circleB" refType="w" op="lte"/>
+                <dgm:constr type="ctrY" for="ch" forName="circleB" refType="h" fact="0.5"/>
+                <dgm:constr type="ctrX" for="ch" forName="circleB" refType="w" refFor="ch" refForName="textB" fact="0.5"/>
+                <dgm:constr type="w" for="ch" forName="spaceB" refType="w"/>
+                <dgm:constr type="h" for="ch" forName="spaceB" refType="h" fact="0.4"/>
+                <dgm:constr type="t" for="ch" forName="spaceB"/>
+                <dgm:constr type="l" for="ch" forName="spaceB"/>
+              </dgm:constrLst>
+              <dgm:ruleLst/>
+              <dgm:layoutNode name="textB" styleLbl="revTx">
+                <dgm:varLst>
+                  <dgm:bulletEnabled val="1"/>
+                </dgm:varLst>
+                <dgm:alg type="tx">
+                  <dgm:param type="txAnchorVert" val="t"/>
+                  <dgm:param type="txAnchorVertCh" val="t"/>
+                  <dgm:param type="txAnchorHorzCh" val="ctr"/>
+                </dgm:alg>
+                <dgm:shape xmlns:r="http://schemas.openxmlformats.org/officeDocument/2006/relationships" type="rect" r:blip="">
+                  <dgm:adjLst/>
+                </dgm:shape>
+                <dgm:presOf axis="desOrSelf" ptType="node"/>
+                <dgm:constrLst/>
+                <dgm:ruleLst>
+                  <dgm:rule type="primFontSz" val="5" fact="NaN" max="NaN"/>
+                </dgm:ruleLst>
+              </dgm:layoutNode>
+              <dgm:layoutNode name="circleB">
+                <dgm:alg type="sp"/>
+                <dgm:shape xmlns:r="http://schemas.openxmlformats.org/officeDocument/2006/relationships" type="ellipse" r:blip="">
+                  <dgm:adjLst/>
+                </dgm:shape>
+                <dgm:presOf/>
+                <dgm:constrLst/>
+                <dgm:ruleLst/>
+              </dgm:layoutNode>
+              <dgm:layoutNode name="spaceB">
+                <dgm:alg type="sp"/>
+                <dgm:shape xmlns:r="http://schemas.openxmlformats.org/officeDocument/2006/relationships" r:blip="">
+                  <dgm:adjLst/>
+                </dgm:shape>
+                <dgm:presOf/>
+                <dgm:constrLst/>
+                <dgm:ruleLst/>
+              </dgm:layoutNode>
+            </dgm:layoutNode>
+          </dgm:else>
+        </dgm:choose>
+        <dgm:forEach name="Name14" axis="followSib" ptType="sibTrans" cnt="1">
+          <dgm:layoutNode name="space">
+            <dgm:alg type="sp"/>
+            <dgm:shape xmlns:r="http://schemas.openxmlformats.org/officeDocument/2006/relationships" r:blip="">
+              <dgm:adjLst/>
+            </dgm:shape>
+            <dgm:presOf/>
+            <dgm:constrLst/>
+            <dgm:ruleLst/>
+          </dgm:layoutNode>
+        </dgm:forEach>
+      </dgm:forEach>
+    </dgm:layoutNode>
+  </dgm:layoutNode>
+</dgm:layoutDef>
+</file>
+
+<file path=ppt/diagrams/layout2.xml><?xml version="1.0" encoding="utf-8"?>
+<dgm:layoutDef xmlns:dgm="http://schemas.openxmlformats.org/drawingml/2006/diagram" xmlns:a="http://schemas.openxmlformats.org/drawingml/2006/main" uniqueId="urn:microsoft.com/office/officeart/2005/8/layout/hProcess11">
+  <dgm:title val=""/>
+  <dgm:desc val=""/>
+  <dgm:catLst>
+    <dgm:cat type="process" pri="8000"/>
+    <dgm:cat type="convert" pri="14000"/>
+  </dgm:catLst>
+  <dgm:sampData useDef="1">
+    <dgm:dataModel>
+      <dgm:ptLst/>
+      <dgm:bg/>
+      <dgm:whole/>
+    </dgm:dataModel>
+  </dgm:sampData>
+  <dgm:styleData>
+    <dgm:dataModel>
+      <dgm:ptLst>
+        <dgm:pt modelId="0" type="doc"/>
+        <dgm:pt modelId="1"/>
+        <dgm:pt modelId="2"/>
+      </dgm:ptLst>
+      <dgm:cxnLst>
+        <dgm:cxn modelId="4" srcId="0" destId="1" srcOrd="0" destOrd="0"/>
+        <dgm:cxn modelId="5" srcId="0" destId="2" srcOrd="1" destOrd="0"/>
+      </dgm:cxnLst>
+      <dgm:bg/>
+      <dgm:whole/>
+    </dgm:dataModel>
+  </dgm:styleData>
+  <dgm:clrData>
+    <dgm:dataModel>
+      <dgm:ptLst>
+        <dgm:pt modelId="0" type="doc"/>
+        <dgm:pt modelId="1"/>
+        <dgm:pt modelId="2"/>
+        <dgm:pt modelId="3"/>
+        <dgm:pt modelId="4"/>
+      </dgm:ptLst>
+      <dgm:cxnLst>
+        <dgm:cxn modelId="5" srcId="0" destId="1" srcOrd="0" destOrd="0"/>
+        <dgm:cxn modelId="6" srcId="0" destId="2" srcOrd="1" destOrd="0"/>
+        <dgm:cxn modelId="7" srcId="0" destId="3" srcOrd="2" destOrd="0"/>
+        <dgm:cxn modelId="8" srcId="0" destId="4" srcOrd="3" destOrd="0"/>
+      </dgm:cxnLst>
+      <dgm:bg/>
+      <dgm:whole/>
+    </dgm:dataModel>
+  </dgm:clrData>
+  <dgm:layoutNode name="Name0">
+    <dgm:varLst>
+      <dgm:dir/>
+      <dgm:resizeHandles val="exact"/>
+    </dgm:varLst>
+    <dgm:alg type="composite"/>
+    <dgm:shape xmlns:r="http://schemas.openxmlformats.org/officeDocument/2006/relationships" r:blip="">
+      <dgm:adjLst/>
+    </dgm:shape>
+    <dgm:presOf/>
+    <dgm:choose name="Name1">
+      <dgm:if name="Name2" func="var" arg="dir" op="equ" val="norm">
+        <dgm:constrLst>
+          <dgm:constr type="w" for="ch" forName="arrow" refType="w"/>
+          <dgm:constr type="h" for="ch" forName="arrow" refType="h" fact="0.4"/>
+          <dgm:constr type="ctrY" for="ch" forName="arrow" refType="h" fact="0.5"/>
+          <dgm:constr type="l" for="ch" forName="arrow"/>
+          <dgm:constr type="w" for="ch" forName="points" refType="w" fact="0.9"/>
+          <dgm:constr type="h" for="ch" forName="points" refType="h"/>
+          <dgm:constr type="t" for="ch" forName="points"/>
+          <dgm:constr type="l" for="ch" forName="points"/>
+        </dgm:constrLst>
+      </dgm:if>
+      <dgm:else name="Name3">
+        <dgm:constrLst>
+          <dgm:constr type="w" for="ch" forName="arrow" refType="w"/>
+          <dgm:constr type="h" for="ch" forName="arrow" refType="h" fact="0.4"/>
+          <dgm:constr type="ctrY" for="ch" forName="arrow" refType="h" fact="0.5"/>
+          <dgm:constr type="r" for="ch" forName="arrow" refType="w"/>
+          <dgm:constr type="w" for="ch" forName="points" refType="w" fact="0.9"/>
+          <dgm:constr type="h" for="ch" forName="points" refType="h"/>
+          <dgm:constr type="t" for="ch" forName="points"/>
+          <dgm:constr type="r" for="ch" forName="points" refType="w"/>
+        </dgm:constrLst>
+      </dgm:else>
+    </dgm:choose>
+    <dgm:ruleLst/>
+    <dgm:layoutNode name="arrow" styleLbl="bgShp">
+      <dgm:alg type="sp"/>
+      <dgm:choose name="Name4">
+        <dgm:if name="Name5" func="var" arg="dir" op="equ" val="norm">
+          <dgm:shape xmlns:r="http://schemas.openxmlformats.org/officeDocument/2006/relationships" type="notchedRightArrow" r:blip="">
+            <dgm:adjLst/>
+          </dgm:shape>
+        </dgm:if>
+        <dgm:else name="Name6">
+          <dgm:shape xmlns:r="http://schemas.openxmlformats.org/officeDocument/2006/relationships" rot="180" type="notchedRightArrow" r:blip="">
+            <dgm:adjLst/>
+          </dgm:shape>
+        </dgm:else>
+      </dgm:choose>
+      <dgm:presOf/>
+      <dgm:constrLst/>
+      <dgm:ruleLst/>
+    </dgm:layoutNode>
+    <dgm:layoutNode name="points">
+      <dgm:choose name="Name7">
+        <dgm:if name="Name8" func="var" arg="dir" op="equ" val="norm">
+          <dgm:alg type="lin">
+            <dgm:param type="linDir" val="fromL"/>
+          </dgm:alg>
+        </dgm:if>
+        <dgm:else name="Name9">
+          <dgm:alg type="lin">
+            <dgm:param type="linDir" val="fromR"/>
+          </dgm:alg>
+        </dgm:else>
+      </dgm:choose>
+      <dgm:shape xmlns:r="http://schemas.openxmlformats.org/officeDocument/2006/relationships" r:blip="">
+        <dgm:adjLst/>
+      </dgm:shape>
+      <dgm:presOf/>
+      <dgm:constrLst>
+        <dgm:constr type="w" for="ch" forName="compositeA" refType="w"/>
+        <dgm:constr type="h" for="ch" forName="compositeA" refType="h"/>
+        <dgm:constr type="w" for="ch" forName="compositeB" refType="w" refFor="ch" refForName="compositeA" op="equ"/>
+        <dgm:constr type="h" for="ch" forName="compositeB" refType="h" refFor="ch" refForName="compositeA" op="equ"/>
+        <dgm:constr type="primFontSz" for="des" ptType="node" op="equ" val="65"/>
+        <dgm:constr type="w" for="ch" forName="space" refType="w" refFor="ch" refForName="compositeA" op="equ" fact="0.05"/>
+      </dgm:constrLst>
+      <dgm:ruleLst/>
+      <dgm:forEach name="Name10" axis="ch" ptType="node">
+        <dgm:choose name="Name11">
+          <dgm:if name="Name12" axis="self" ptType="node" func="posOdd" op="equ" val="1">
+            <dgm:layoutNode name="compositeA">
+              <dgm:alg type="composite"/>
+              <dgm:shape xmlns:r="http://schemas.openxmlformats.org/officeDocument/2006/relationships" r:blip="">
+                <dgm:adjLst/>
+              </dgm:shape>
+              <dgm:presOf/>
+              <dgm:constrLst>
+                <dgm:constr type="w" for="ch" forName="textA" refType="w"/>
+                <dgm:constr type="h" for="ch" forName="textA" refType="h" fact="0.4"/>
+                <dgm:constr type="t" for="ch" forName="textA"/>
+                <dgm:constr type="l" for="ch" forName="textA"/>
+                <dgm:constr type="h" for="ch" forName="circleA" refType="h" fact="0.1"/>
+                <dgm:constr type="h" for="ch" forName="circleA" refType="w" op="lte"/>
+                <dgm:constr type="w" for="ch" forName="circleA" refType="h" refFor="ch" refForName="circleA" op="equ"/>
+                <dgm:constr type="ctrY" for="ch" forName="circleA" refType="h" fact="0.5"/>
+                <dgm:constr type="ctrX" for="ch" forName="circleA" refType="w" refFor="ch" refForName="textA" fact="0.5"/>
+                <dgm:constr type="w" for="ch" forName="spaceA" refType="w"/>
+                <dgm:constr type="h" for="ch" forName="spaceA" refType="h" fact="0.4"/>
+                <dgm:constr type="b" for="ch" forName="spaceA" refType="h"/>
+                <dgm:constr type="l" for="ch" forName="spaceA"/>
+              </dgm:constrLst>
+              <dgm:ruleLst/>
+              <dgm:layoutNode name="textA" styleLbl="revTx">
+                <dgm:varLst>
+                  <dgm:bulletEnabled val="1"/>
+                </dgm:varLst>
+                <dgm:alg type="tx">
+                  <dgm:param type="txAnchorVert" val="b"/>
+                  <dgm:param type="txAnchorVertCh" val="b"/>
+                  <dgm:param type="txAnchorHorzCh" val="ctr"/>
+                </dgm:alg>
+                <dgm:shape xmlns:r="http://schemas.openxmlformats.org/officeDocument/2006/relationships" type="rect" r:blip="">
+                  <dgm:adjLst/>
+                </dgm:shape>
+                <dgm:presOf axis="desOrSelf" ptType="node"/>
+                <dgm:constrLst/>
+                <dgm:ruleLst>
+                  <dgm:rule type="primFontSz" val="5" fact="NaN" max="NaN"/>
+                </dgm:ruleLst>
+              </dgm:layoutNode>
+              <dgm:layoutNode name="circleA">
+                <dgm:alg type="sp"/>
+                <dgm:shape xmlns:r="http://schemas.openxmlformats.org/officeDocument/2006/relationships" type="ellipse" r:blip="">
+                  <dgm:adjLst/>
+                </dgm:shape>
+                <dgm:presOf/>
+                <dgm:constrLst/>
+                <dgm:ruleLst/>
+              </dgm:layoutNode>
+              <dgm:layoutNode name="spaceA">
+                <dgm:alg type="sp"/>
+                <dgm:shape xmlns:r="http://schemas.openxmlformats.org/officeDocument/2006/relationships" r:blip="">
+                  <dgm:adjLst/>
+                </dgm:shape>
+                <dgm:presOf/>
+                <dgm:constrLst/>
+                <dgm:ruleLst/>
+              </dgm:layoutNode>
+            </dgm:layoutNode>
+          </dgm:if>
+          <dgm:else name="Name13">
+            <dgm:layoutNode name="compositeB">
+              <dgm:alg type="composite"/>
+              <dgm:shape xmlns:r="http://schemas.openxmlformats.org/officeDocument/2006/relationships" r:blip="">
+                <dgm:adjLst/>
+              </dgm:shape>
+              <dgm:presOf/>
+              <dgm:constrLst>
+                <dgm:constr type="w" for="ch" forName="textB" refType="w"/>
+                <dgm:constr type="h" for="ch" forName="textB" refType="h" fact="0.4"/>
+                <dgm:constr type="b" for="ch" forName="textB" refType="h"/>
+                <dgm:constr type="l" for="ch" forName="textB"/>
+                <dgm:constr type="h" for="ch" forName="circleB" refType="h" fact="0.1"/>
+                <dgm:constr type="w" for="ch" forName="circleB" refType="h" refFor="ch" refForName="circleB" op="equ"/>
+                <dgm:constr type="h" for="ch" forName="circleB" refType="w" op="lte"/>
+                <dgm:constr type="ctrY" for="ch" forName="circleB" refType="h" fact="0.5"/>
+                <dgm:constr type="ctrX" for="ch" forName="circleB" refType="w" refFor="ch" refForName="textB" fact="0.5"/>
+                <dgm:constr type="w" for="ch" forName="spaceB" refType="w"/>
+                <dgm:constr type="h" for="ch" forName="spaceB" refType="h" fact="0.4"/>
+                <dgm:constr type="t" for="ch" forName="spaceB"/>
+                <dgm:constr type="l" for="ch" forName="spaceB"/>
+              </dgm:constrLst>
+              <dgm:ruleLst/>
+              <dgm:layoutNode name="textB" styleLbl="revTx">
+                <dgm:varLst>
+                  <dgm:bulletEnabled val="1"/>
+                </dgm:varLst>
+                <dgm:alg type="tx">
+                  <dgm:param type="txAnchorVert" val="t"/>
+                  <dgm:param type="txAnchorVertCh" val="t"/>
+                  <dgm:param type="txAnchorHorzCh" val="ctr"/>
+                </dgm:alg>
+                <dgm:shape xmlns:r="http://schemas.openxmlformats.org/officeDocument/2006/relationships" type="rect" r:blip="">
+                  <dgm:adjLst/>
+                </dgm:shape>
+                <dgm:presOf axis="desOrSelf" ptType="node"/>
+                <dgm:constrLst/>
+                <dgm:ruleLst>
+                  <dgm:rule type="primFontSz" val="5" fact="NaN" max="NaN"/>
+                </dgm:ruleLst>
+              </dgm:layoutNode>
+              <dgm:layoutNode name="circleB">
+                <dgm:alg type="sp"/>
+                <dgm:shape xmlns:r="http://schemas.openxmlformats.org/officeDocument/2006/relationships" type="ellipse" r:blip="">
+                  <dgm:adjLst/>
+                </dgm:shape>
+                <dgm:presOf/>
+                <dgm:constrLst/>
+                <dgm:ruleLst/>
+              </dgm:layoutNode>
+              <dgm:layoutNode name="spaceB">
+                <dgm:alg type="sp"/>
+                <dgm:shape xmlns:r="http://schemas.openxmlformats.org/officeDocument/2006/relationships" r:blip="">
+                  <dgm:adjLst/>
+                </dgm:shape>
+                <dgm:presOf/>
+                <dgm:constrLst/>
+                <dgm:ruleLst/>
+              </dgm:layoutNode>
+            </dgm:layoutNode>
+          </dgm:else>
+        </dgm:choose>
+        <dgm:forEach name="Name14" axis="followSib" ptType="sibTrans" cnt="1">
+          <dgm:layoutNode name="space">
+            <dgm:alg type="sp"/>
+            <dgm:shape xmlns:r="http://schemas.openxmlformats.org/officeDocument/2006/relationships" r:blip="">
+              <dgm:adjLst/>
+            </dgm:shape>
+            <dgm:presOf/>
+            <dgm:constrLst/>
+            <dgm:ruleLst/>
+          </dgm:layoutNode>
+        </dgm:forEach>
+      </dgm:forEach>
+    </dgm:layoutNode>
+  </dgm:layoutNode>
+</dgm:layoutDef>
+</file>
+
+<file path=ppt/diagrams/quickStyle1.xml><?xml version="1.0" encoding="utf-8"?>
+<dgm:styleDef xmlns:dgm="http://schemas.openxmlformats.org/drawingml/2006/diagram" xmlns:a="http://schemas.openxmlformats.org/drawingml/2006/main" uniqueId="urn:microsoft.com/office/officeart/2005/8/quickstyle/simple4">
+  <dgm:title val=""/>
+  <dgm:desc val=""/>
+  <dgm:catLst>
+    <dgm:cat type="simple" pri="10400"/>
+  </dgm:catLst>
+  <dgm:scene3d>
+    <a:camera prst="orthographicFront"/>
+    <a:lightRig rig="threePt" dir="t"/>
+  </dgm:scene3d>
+  <dgm:styleLbl name="node0">
+    <dgm:scene3d>
+      <a:camera prst="orthographicFront"/>
+      <a:lightRig rig="threePt" dir="t"/>
+    </dgm:scene3d>
+    <dgm:sp3d/>
+    <dgm:txPr/>
+    <dgm:style>
+      <a:lnRef idx="0">
+        <a:scrgbClr r="0" g="0" b="0"/>
+      </a:lnRef>
+      <a:fillRef idx="3">
+        <a:scrgbClr r="0" g="0" b="0"/>
+      </a:fillRef>
+      <a:effectRef idx="2">
+        <a:scrgbClr r="0" g="0" b="0"/>
+      </a:effectRef>
+      <a:fontRef idx="minor">
+        <a:schemeClr val="lt1"/>
+      </a:fontRef>
+    </dgm:style>
+  </dgm:styleLbl>
+  <dgm:styleLbl name="lnNode1">
+    <dgm:scene3d>
+      <a:camera prst="orthographicFront"/>
+      <a:lightRig rig="threePt" dir="t"/>
+    </dgm:scene3d>
+    <dgm:sp3d/>
+    <dgm:txPr/>
+    <dgm:style>
+      <a:lnRef idx="1">
+        <a:scrgbClr r="0" g="0" b="0"/>
+      </a:lnRef>
+      <a:fillRef idx="3">
+        <a:scrgbClr r="0" g="0" b="0"/>
+      </a:fillRef>
+      <a:effectRef idx="2">
+        <a:scrgbClr r="0" g="0" b="0"/>
+      </a:effectRef>
+      <a:fontRef idx="minor">
+        <a:schemeClr val="lt1"/>
+      </a:fontRef>
+    </dgm:style>
+  </dgm:styleLbl>
+  <dgm:styleLbl name="vennNode1">
+    <dgm:scene3d>
+      <a:camera prst="orthographicFront"/>
+      <a:lightRig rig="threePt" dir="t"/>
+    </dgm:scene3d>
+    <dgm:sp3d/>
+    <dgm:txPr/>
+    <dgm:style>
+      <a:lnRef idx="0">
+        <a:scrgbClr r="0" g="0" b="0"/>
+      </a:lnRef>
+      <a:fillRef idx="3">
+        <a:scrgbClr r="0" g="0" b="0"/>
+      </a:fillRef>
+      <a:effectRef idx="0">
+        <a:scrgbClr r="0" g="0" b="0"/>
+      </a:effectRef>
+      <a:fontRef idx="minor">
+        <a:schemeClr val="tx1"/>
+      </a:fontRef>
+    </dgm:style>
+  </dgm:styleLbl>
+  <dgm:styleLbl name="alignNode1">
+    <dgm:scene3d>
+      <a:camera prst="orthographicFront"/>
+      <a:lightRig rig="threePt" dir="t"/>
+    </dgm:scene3d>
+    <dgm:sp3d/>
+    <dgm:txPr/>
+    <dgm:style>
+      <a:lnRef idx="1">
+        <a:scrgbClr r="0" g="0" b="0"/>
+      </a:lnRef>
+      <a:fillRef idx="3">
+        <a:scrgbClr r="0" g="0" b="0"/>
+      </a:fillRef>
+      <a:effectRef idx="2">
+        <a:scrgbClr r="0" g="0" b="0"/>
+      </a:effectRef>
+      <a:fontRef idx="minor">
+        <a:schemeClr val="lt1"/>
+      </a:fontRef>
+    </dgm:style>
+  </dgm:styleLbl>
+  <dgm:styleLbl name="node1">
+    <dgm:scene3d>
+      <a:camera prst="orthographicFront"/>
+      <a:lightRig rig="threePt" dir="t"/>
+    </dgm:scene3d>
+    <dgm:sp3d/>
+    <dgm:txPr/>
+    <dgm:style>
+      <a:lnRef idx="0">
+        <a:scrgbClr r="0" g="0" b="0"/>
+      </a:lnRef>
+      <a:fillRef idx="3">
+        <a:scrgbClr r="0" g="0" b="0"/>
+      </a:fillRef>
+      <a:effectRef idx="2">
+        <a:scrgbClr r="0" g="0" b="0"/>
+      </a:effectRef>
+      <a:fontRef idx="minor">
+        <a:schemeClr val="lt1"/>
+      </a:fontRef>
+    </dgm:style>
+  </dgm:styleLbl>
+  <dgm:styleLbl name="node2">
+    <dgm:scene3d>
+      <a:camera prst="orthographicFront"/>
+      <a:lightRig rig="threePt" dir="t"/>
+    </dgm:scene3d>
+    <dgm:sp3d/>
+    <dgm:txPr/>
+    <dgm:style>
+      <a:lnRef idx="0">
+        <a:scrgbClr r="0" g="0" b="0"/>
+      </a:lnRef>
+      <a:fillRef idx="3">
+        <a:scrgbClr r="0" g="0" b="0"/>
+      </a:fillRef>
+      <a:effectRef idx="2">
+        <a:scrgbClr r="0" g="0" b="0"/>
+      </a:effectRef>
+      <a:fontRef idx="minor">
+        <a:schemeClr val="lt1"/>
+      </a:fontRef>
+    </dgm:style>
+  </dgm:styleLbl>
+  <dgm:styleLbl name="node3">
+    <dgm:scene3d>
+      <a:camera prst="orthographicFront"/>
+      <a:lightRig rig="threePt" dir="t"/>
+    </dgm:scene3d>
+    <dgm:sp3d/>
+    <dgm:txPr/>
+    <dgm:style>
+      <a:lnRef idx="0">
+        <a:scrgbClr r="0" g="0" b="0"/>
+      </a:lnRef>
+      <a:fillRef idx="3">
+        <a:scrgbClr r="0" g="0" b="0"/>
+      </a:fillRef>
+      <a:effectRef idx="2">
+        <a:scrgbClr r="0" g="0" b="0"/>
+      </a:effectRef>
+      <a:fontRef idx="minor">
+        <a:schemeClr val="lt1"/>
+      </a:fontRef>
+    </dgm:style>
+  </dgm:styleLbl>
+  <dgm:styleLbl name="node4">
+    <dgm:scene3d>
+      <a:camera prst="orthographicFront"/>
+      <a:lightRig rig="threePt" dir="t"/>
+    </dgm:scene3d>
+    <dgm:sp3d/>
+    <dgm:txPr/>
+    <dgm:style>
+      <a:lnRef idx="0">
+        <a:scrgbClr r="0" g="0" b="0"/>
+      </a:lnRef>
+      <a:fillRef idx="3">
+        <a:scrgbClr r="0" g="0" b="0"/>
+      </a:fillRef>
+      <a:effectRef idx="2">
+        <a:scrgbClr r="0" g="0" b="0"/>
+      </a:effectRef>
+      <a:fontRef idx="minor">
+        <a:schemeClr val="lt1"/>
+      </a:fontRef>
+    </dgm:style>
+  </dgm:styleLbl>
+  <dgm:styleLbl name="fgImgPlace1">
+    <dgm:scene3d>
+      <a:camera prst="orthographicFront"/>
+      <a:lightRig rig="threePt" dir="t"/>
+    </dgm:scene3d>
+    <dgm:sp3d/>
+    <dgm:txPr/>
+    <dgm:style>
+      <a:lnRef idx="0">
+        <a:scrgbClr r="0" g="0" b="0"/>
+      </a:lnRef>
+      <a:fillRef idx="1">
+        <a:scrgbClr r="0" g="0" b="0"/>
+      </a:fillRef>
+      <a:effectRef idx="2">
+        <a:scrgbClr r="0" g="0" b="0"/>
+      </a:effectRef>
+      <a:fontRef idx="minor"/>
+    </dgm:style>
+  </dgm:styleLbl>
+  <dgm:styleLbl name="alignImgPlace1">
+    <dgm:scene3d>
+      <a:camera prst="orthographicFront"/>
+      <a:lightRig rig="threePt" dir="t"/>
+    </dgm:scene3d>
+    <dgm:sp3d/>
+    <dgm:txPr/>
+    <dgm:style>
+      <a:lnRef idx="0">
+        <a:scrgbClr r="0" g="0" b="0"/>
+      </a:lnRef>
+      <a:fillRef idx="1">
+        <a:scrgbClr r="0" g="0" b="0"/>
+      </a:fillRef>
+      <a:effectRef idx="2">
+        <a:scrgbClr r="0" g="0" b="0"/>
+      </a:effectRef>
+      <a:fontRef idx="minor"/>
+    </dgm:style>
+  </dgm:styleLbl>
+  <dgm:styleLbl name="bgImgPlace1">
+    <dgm:scene3d>
+      <a:camera prst="orthographicFront"/>
+      <a:lightRig rig="threePt" dir="t"/>
+    </dgm:scene3d>
+    <dgm:sp3d/>
+    <dgm:txPr/>
+    <dgm:style>
+      <a:lnRef idx="0">
+        <a:scrgbClr r="0" g="0" b="0"/>
+      </a:lnRef>
+      <a:fillRef idx="1">
+        <a:scrgbClr r="0" g="0" b="0"/>
+      </a:fillRef>
+      <a:effectRef idx="2">
+        <a:scrgbClr r="0" g="0" b="0"/>
+      </a:effectRef>
+      <a:fontRef idx="minor"/>
+    </dgm:style>
+  </dgm:styleLbl>
+  <dgm:styleLbl name="sibTrans2D1">
+    <dgm:scene3d>
+      <a:camera prst="orthographicFront"/>
+      <a:lightRig rig="threePt" dir="t"/>
+    </dgm:scene3d>
+    <dgm:sp3d/>
+    <dgm:txPr/>
+    <dgm:style>
+      <a:lnRef idx="0">
+        <a:scrgbClr r="0" g="0" b="0"/>
+      </a:lnRef>
+      <a:fillRef idx="3">
+        <a:scrgbClr r="0" g="0" b="0"/>
+      </a:fillRef>
+      <a:effectRef idx="2">
+        <a:scrgbClr r="0" g="0" b="0"/>
+      </a:effectRef>
+      <a:fontRef idx="minor">
+        <a:schemeClr val="lt1"/>
+      </a:fontRef>
+    </dgm:style>
+  </dgm:styleLbl>
+  <dgm:styleLbl name="fgSibTrans2D1">
+    <dgm:scene3d>
+      <a:camera prst="orthographicFront"/>
+      <a:lightRig rig="threePt" dir="t"/>
+    </dgm:scene3d>
+    <dgm:sp3d/>
+    <dgm:txPr/>
+    <dgm:style>
+      <a:lnRef idx="0">
+        <a:scrgbClr r="0" g="0" b="0"/>
+      </a:lnRef>
+      <a:fillRef idx="3">
+        <a:scrgbClr r="0" g="0" b="0"/>
+      </a:fillRef>
+      <a:effectRef idx="2">
+        <a:scrgbClr r="0" g="0" b="0"/>
+      </a:effectRef>
+      <a:fontRef idx="minor">
+        <a:schemeClr val="lt1"/>
+      </a:fontRef>
+    </dgm:style>
+  </dgm:styleLbl>
+  <dgm:styleLbl name="bgSibTrans2D1">
+    <dgm:scene3d>
+      <a:camera prst="orthographicFront"/>
+      <a:lightRig rig="threePt" dir="t"/>
+    </dgm:scene3d>
+    <dgm:sp3d/>
+    <dgm:txPr/>
+    <dgm:style>
+      <a:lnRef idx="0">
+        <a:scrgbClr r="0" g="0" b="0"/>
+      </a:lnRef>
+      <a:fillRef idx="3">
+        <a:scrgbClr r="0" g="0" b="0"/>
+      </a:fillRef>
+      <a:effectRef idx="2">
+        <a:scrgbClr r="0" g="0" b="0"/>
+      </a:effectRef>
+      <a:fontRef idx="minor">
+        <a:schemeClr val="lt1"/>
+      </a:fontRef>
+    </dgm:style>
+  </dgm:styleLbl>
+  <dgm:styleLbl name="sibTrans1D1">
+    <dgm:scene3d>
+      <a:camera prst="orthographicFront"/>
+      <a:lightRig rig="threePt" dir="t"/>
+    </dgm:scene3d>
+    <dgm:sp3d/>
+    <dgm:txPr/>
+    <dgm:style>
+      <a:lnRef idx="1">
+        <a:scrgbClr r="0" g="0" b="0"/>
+      </a:lnRef>
+      <a:fillRef idx="0">
+        <a:scrgbClr r="0" g="0" b="0"/>
+      </a:fillRef>
+      <a:effectRef idx="0">
+        <a:scrgbClr r="0" g="0" b="0"/>
+      </a:effectRef>
+      <a:fontRef idx="minor"/>
+    </dgm:style>
+  </dgm:styleLbl>
+  <dgm:styleLbl name="callout">
+    <dgm:scene3d>
+      <a:camera prst="orthographicFront"/>
+      <a:lightRig rig="threePt" dir="t"/>
+    </dgm:scene3d>
+    <dgm:sp3d/>
+    <dgm:txPr/>
+    <dgm:style>
+      <a:lnRef idx="2">
+        <a:scrgbClr r="0" g="0" b="0"/>
+      </a:lnRef>
+      <a:fillRef idx="1">
+        <a:scrgbClr r="0" g="0" b="0"/>
+      </a:fillRef>
+      <a:effectRef idx="1">
+        <a:scrgbClr r="0" g="0" b="0"/>
+      </a:effectRef>
+      <a:fontRef idx="minor"/>
+    </dgm:style>
+  </dgm:styleLbl>
+  <dgm:styleLbl name="asst0">
+    <dgm:scene3d>
+      <a:camera prst="orthographicFront"/>
+      <a:lightRig rig="threePt" dir="t"/>
+    </dgm:scene3d>
+    <dgm:sp3d/>
+    <dgm:txPr/>
+    <dgm:style>
+      <a:lnRef idx="0">
+        <a:scrgbClr r="0" g="0" b="0"/>
+      </a:lnRef>
+      <a:fillRef idx="3">
+        <a:scrgbClr r="0" g="0" b="0"/>
+      </a:fillRef>
+      <a:effectRef idx="2">
+        <a:scrgbClr r="0" g="0" b="0"/>
+      </a:effectRef>
+      <a:fontRef idx="minor">
+        <a:schemeClr val="lt1"/>
+      </a:fontRef>
+    </dgm:style>
+  </dgm:styleLbl>
+  <dgm:styleLbl name="asst1">
+    <dgm:scene3d>
+      <a:camera prst="orthographicFront"/>
+      <a:lightRig rig="threePt" dir="t"/>
+    </dgm:scene3d>
+    <dgm:sp3d/>
+    <dgm:txPr/>
+    <dgm:style>
+      <a:lnRef idx="0">
+        <a:scrgbClr r="0" g="0" b="0"/>
+      </a:lnRef>
+      <a:fillRef idx="3">
+        <a:scrgbClr r="0" g="0" b="0"/>
+      </a:fillRef>
+      <a:effectRef idx="2">
+        <a:scrgbClr r="0" g="0" b="0"/>
+      </a:effectRef>
+      <a:fontRef idx="minor">
+        <a:schemeClr val="lt1"/>
+      </a:fontRef>
+    </dgm:style>
+  </dgm:styleLbl>
+  <dgm:styleLbl name="asst2">
+    <dgm:scene3d>
+      <a:camera prst="orthographicFront"/>
+      <a:lightRig rig="threePt" dir="t"/>
+    </dgm:scene3d>
+    <dgm:sp3d/>
+    <dgm:txPr/>
+    <dgm:style>
+      <a:lnRef idx="0">
+        <a:scrgbClr r="0" g="0" b="0"/>
+      </a:lnRef>
+      <a:fillRef idx="3">
+        <a:scrgbClr r="0" g="0" b="0"/>
+      </a:fillRef>
+      <a:effectRef idx="2">
+        <a:scrgbClr r="0" g="0" b="0"/>
+      </a:effectRef>
+      <a:fontRef idx="minor">
+        <a:schemeClr val="lt1"/>
+      </a:fontRef>
+    </dgm:style>
+  </dgm:styleLbl>
+  <dgm:styleLbl name="asst3">
+    <dgm:scene3d>
+      <a:camera prst="orthographicFront"/>
+      <a:lightRig rig="threePt" dir="t"/>
+    </dgm:scene3d>
+    <dgm:sp3d/>
+    <dgm:txPr/>
+    <dgm:style>
+      <a:lnRef idx="0">
+        <a:scrgbClr r="0" g="0" b="0"/>
+      </a:lnRef>
+      <a:fillRef idx="3">
+        <a:scrgbClr r="0" g="0" b="0"/>
+      </a:fillRef>
+      <a:effectRef idx="2">
+        <a:scrgbClr r="0" g="0" b="0"/>
+      </a:effectRef>
+      <a:fontRef idx="minor">
+        <a:schemeClr val="lt1"/>
+      </a:fontRef>
+    </dgm:style>
+  </dgm:styleLbl>
+  <dgm:styleLbl name="asst4">
+    <dgm:scene3d>
+      <a:camera prst="orthographicFront"/>
+      <a:lightRig rig="threePt" dir="t"/>
+    </dgm:scene3d>
+    <dgm:sp3d/>
+    <dgm:txPr/>
+    <dgm:style>
+      <a:lnRef idx="0">
+        <a:scrgbClr r="0" g="0" b="0"/>
+      </a:lnRef>
+      <a:fillRef idx="3">
+        <a:scrgbClr r="0" g="0" b="0"/>
+      </a:fillRef>
+      <a:effectRef idx="2">
+        <a:scrgbClr r="0" g="0" b="0"/>
+      </a:effectRef>
+      <a:fontRef idx="minor">
+        <a:schemeClr val="lt1"/>
+      </a:fontRef>
+    </dgm:style>
+  </dgm:styleLbl>
+  <dgm:styleLbl name="parChTrans2D1">
+    <dgm:scene3d>
+      <a:camera prst="orthographicFront"/>
+      <a:lightRig rig="threePt" dir="t"/>
+    </dgm:scene3d>
+    <dgm:sp3d/>
+    <dgm:txPr/>
+    <dgm:style>
+      <a:lnRef idx="0">
+        <a:scrgbClr r="0" g="0" b="0"/>
+      </a:lnRef>
+      <a:fillRef idx="3">
+        <a:scrgbClr r="0" g="0" b="0"/>
+      </a:fillRef>
+      <a:effectRef idx="2">
+        <a:scrgbClr r="0" g="0" b="0"/>
+      </a:effectRef>
+      <a:fontRef idx="minor">
+        <a:schemeClr val="lt1"/>
+      </a:fontRef>
+    </dgm:style>
+  </dgm:styleLbl>
+  <dgm:styleLbl name="parChTrans2D2">
+    <dgm:scene3d>
+      <a:camera prst="orthographicFront"/>
+      <a:lightRig rig="threePt" dir="t"/>
+    </dgm:scene3d>
+    <dgm:sp3d/>
+    <dgm:txPr/>
+    <dgm:style>
+      <a:lnRef idx="0">
+        <a:scrgbClr r="0" g="0" b="0"/>
+      </a:lnRef>
+      <a:fillRef idx="3">
+        <a:scrgbClr r="0" g="0" b="0"/>
+      </a:fillRef>
+      <a:effectRef idx="2">
+        <a:scrgbClr r="0" g="0" b="0"/>
+      </a:effectRef>
+      <a:fontRef idx="minor">
+        <a:schemeClr val="lt1"/>
+      </a:fontRef>
+    </dgm:style>
+  </dgm:styleLbl>
+  <dgm:styleLbl name="parChTrans2D3">
+    <dgm:scene3d>
+      <a:camera prst="orthographicFront"/>
+      <a:lightRig rig="threePt" dir="t"/>
+    </dgm:scene3d>
+    <dgm:sp3d/>
+    <dgm:txPr/>
+    <dgm:style>
+      <a:lnRef idx="1">
+        <a:scrgbClr r="0" g="0" b="0"/>
+      </a:lnRef>
+      <a:fillRef idx="3">
+        <a:scrgbClr r="0" g="0" b="0"/>
+      </a:fillRef>
+      <a:effectRef idx="2">
+        <a:scrgbClr r="0" g="0" b="0"/>
+      </a:effectRef>
+      <a:fontRef idx="minor">
+        <a:schemeClr val="lt1"/>
+      </a:fontRef>
+    </dgm:style>
+  </dgm:styleLbl>
+  <dgm:styleLbl name="parChTrans2D4">
+    <dgm:scene3d>
+      <a:camera prst="orthographicFront"/>
+      <a:lightRig rig="threePt" dir="t"/>
+    </dgm:scene3d>
+    <dgm:sp3d/>
+    <dgm:txPr/>
+    <dgm:style>
+      <a:lnRef idx="1">
+        <a:scrgbClr r="0" g="0" b="0"/>
+      </a:lnRef>
+      <a:fillRef idx="3">
+        <a:scrgbClr r="0" g="0" b="0"/>
+      </a:fillRef>
+      <a:effectRef idx="2">
+        <a:scrgbClr r="0" g="0" b="0"/>
+      </a:effectRef>
+      <a:fontRef idx="minor">
+        <a:schemeClr val="lt1"/>
+      </a:fontRef>
+    </dgm:style>
+  </dgm:styleLbl>
+  <dgm:styleLbl name="parChTrans1D1">
+    <dgm:scene3d>
+      <a:camera prst="orthographicFront"/>
+      <a:lightRig rig="threePt" dir="t"/>
+    </dgm:scene3d>
+    <dgm:sp3d/>
+    <dgm:txPr/>
+    <dgm:style>
+      <a:lnRef idx="1">
+        <a:scrgbClr r="0" g="0" b="0"/>
+      </a:lnRef>
+      <a:fillRef idx="0">
+        <a:scrgbClr r="0" g="0" b="0"/>
+      </a:fillRef>
+      <a:effectRef idx="0">
+        <a:scrgbClr r="0" g="0" b="0"/>
+      </a:effectRef>
+      <a:fontRef idx="minor"/>
+    </dgm:style>
+  </dgm:styleLbl>
+  <dgm:styleLbl name="parChTrans1D2">
+    <dgm:scene3d>
+      <a:camera prst="orthographicFront"/>
+      <a:lightRig rig="threePt" dir="t"/>
+    </dgm:scene3d>
+    <dgm:sp3d/>
+    <dgm:txPr/>
+    <dgm:style>
+      <a:lnRef idx="1">
+        <a:scrgbClr r="0" g="0" b="0"/>
+      </a:lnRef>
+      <a:fillRef idx="0">
+        <a:scrgbClr r="0" g="0" b="0"/>
+      </a:fillRef>
+      <a:effectRef idx="0">
+        <a:scrgbClr r="0" g="0" b="0"/>
+      </a:effectRef>
+      <a:fontRef idx="minor"/>
+    </dgm:style>
+  </dgm:styleLbl>
+  <dgm:styleLbl name="parChTrans1D3">
+    <dgm:scene3d>
+      <a:camera prst="orthographicFront"/>
+      <a:lightRig rig="threePt" dir="t"/>
+    </dgm:scene3d>
+    <dgm:sp3d/>
+    <dgm:txPr/>
+    <dgm:style>
+      <a:lnRef idx="1">
+        <a:scrgbClr r="0" g="0" b="0"/>
+      </a:lnRef>
+      <a:fillRef idx="0">
+        <a:scrgbClr r="0" g="0" b="0"/>
+      </a:fillRef>
+      <a:effectRef idx="0">
+        <a:scrgbClr r="0" g="0" b="0"/>
+      </a:effectRef>
+      <a:fontRef idx="minor"/>
+    </dgm:style>
+  </dgm:styleLbl>
+  <dgm:styleLbl name="parChTrans1D4">
+    <dgm:scene3d>
+      <a:camera prst="orthographicFront"/>
+      <a:lightRig rig="threePt" dir="t"/>
+    </dgm:scene3d>
+    <dgm:sp3d/>
+    <dgm:txPr/>
+    <dgm:style>
+      <a:lnRef idx="1">
+        <a:scrgbClr r="0" g="0" b="0"/>
+      </a:lnRef>
+      <a:fillRef idx="0">
+        <a:scrgbClr r="0" g="0" b="0"/>
+      </a:fillRef>
+      <a:effectRef idx="0">
+        <a:scrgbClr r="0" g="0" b="0"/>
+      </a:effectRef>
+      <a:fontRef idx="minor"/>
+    </dgm:style>
+  </dgm:styleLbl>
+  <dgm:styleLbl name="fgAcc1">
+    <dgm:scene3d>
+      <a:camera prst="orthographicFront"/>
+      <a:lightRig rig="threePt" dir="t"/>
+    </dgm:scene3d>
+    <dgm:sp3d/>
+    <dgm:txPr/>
+    <dgm:style>
+      <a:lnRef idx="1">
+        <a:scrgbClr r="0" g="0" b="0"/>
+      </a:lnRef>
+      <a:fillRef idx="1">
+        <a:scrgbClr r="0" g="0" b="0"/>
+      </a:fillRef>
+      <a:effectRef idx="0">
+        <a:scrgbClr r="0" g="0" b="0"/>
+      </a:effectRef>
+      <a:fontRef idx="minor"/>
+    </dgm:style>
+  </dgm:styleLbl>
+  <dgm:styleLbl name="conFgAcc1">
+    <dgm:scene3d>
+      <a:camera prst="orthographicFront"/>
+      <a:lightRig rig="threePt" dir="t"/>
+    </dgm:scene3d>
+    <dgm:sp3d/>
+    <dgm:txPr/>
+    <dgm:style>
+      <a:lnRef idx="1">
+        <a:scrgbClr r="0" g="0" b="0"/>
+      </a:lnRef>
+      <a:fillRef idx="1">
+        <a:scrgbClr r="0" g="0" b="0"/>
+      </a:fillRef>
+      <a:effectRef idx="0">
+        <a:scrgbClr r="0" g="0" b="0"/>
+      </a:effectRef>
+      <a:fontRef idx="minor"/>
+    </dgm:style>
+  </dgm:styleLbl>
+  <dgm:styleLbl name="alignAcc1">
+    <dgm:scene3d>
+      <a:camera prst="orthographicFront"/>
+      <a:lightRig rig="threePt" dir="t"/>
+    </dgm:scene3d>
+    <dgm:sp3d/>
+    <dgm:txPr/>
+    <dgm:style>
+      <a:lnRef idx="1">
+        <a:scrgbClr r="0" g="0" b="0"/>
+      </a:lnRef>
+      <a:fillRef idx="1">
+        <a:scrgbClr r="0" g="0" b="0"/>
+      </a:fillRef>
+      <a:effectRef idx="0">
+        <a:scrgbClr r="0" g="0" b="0"/>
+      </a:effectRef>
+      <a:fontRef idx="minor"/>
+    </dgm:style>
+  </dgm:styleLbl>
+  <dgm:styleLbl name="trAlignAcc1">
+    <dgm:scene3d>
+      <a:camera prst="orthographicFront"/>
+      <a:lightRig rig="threePt" dir="t"/>
+    </dgm:scene3d>
+    <dgm:sp3d/>
+    <dgm:txPr/>
+    <dgm:style>
+      <a:lnRef idx="1">
+        <a:scrgbClr r="0" g="0" b="0"/>
+      </a:lnRef>
+      <a:fillRef idx="1">
+        <a:scrgbClr r="0" g="0" b="0"/>
+      </a:fillRef>
+      <a:effectRef idx="0">
+        <a:scrgbClr r="0" g="0" b="0"/>
+      </a:effectRef>
+      <a:fontRef idx="minor"/>
+    </dgm:style>
+  </dgm:styleLbl>
+  <dgm:styleLbl name="bgAcc1">
+    <dgm:scene3d>
+      <a:camera prst="orthographicFront"/>
+      <a:lightRig rig="threePt" dir="t"/>
+    </dgm:scene3d>
+    <dgm:sp3d/>
+    <dgm:txPr/>
+    <dgm:style>
+      <a:lnRef idx="1">
+        <a:scrgbClr r="0" g="0" b="0"/>
+      </a:lnRef>
+      <a:fillRef idx="1">
+        <a:scrgbClr r="0" g="0" b="0"/>
+      </a:fillRef>
+      <a:effectRef idx="0">
+        <a:scrgbClr r="0" g="0" b="0"/>
+      </a:effectRef>
+      <a:fontRef idx="minor"/>
+    </dgm:style>
+  </dgm:styleLbl>
+  <dgm:styleLbl name="solidFgAcc1">
+    <dgm:scene3d>
+      <a:camera prst="orthographicFront"/>
+      <a:lightRig rig="threePt" dir="t"/>
+    </dgm:scene3d>
+    <dgm:sp3d/>
+    <dgm:txPr/>
+    <dgm:style>
+      <a:lnRef idx="1">
+        <a:scrgbClr r="0" g="0" b="0"/>
+      </a:lnRef>
+      <a:fillRef idx="1">
+        <a:scrgbClr r="0" g="0" b="0"/>
+      </a:fillRef>
+      <a:effectRef idx="0">
+        <a:scrgbClr r="0" g="0" b="0"/>
+      </a:effectRef>
+      <a:fontRef idx="minor"/>
+    </dgm:style>
+  </dgm:styleLbl>
+  <dgm:styleLbl name="solidAlignAcc1">
+    <dgm:scene3d>
+      <a:camera prst="orthographicFront"/>
+      <a:lightRig rig="threePt" dir="t"/>
+    </dgm:scene3d>
+    <dgm:sp3d/>
+    <dgm:txPr/>
+    <dgm:style>
+      <a:lnRef idx="1">
+        <a:scrgbClr r="0" g="0" b="0"/>
+      </a:lnRef>
+      <a:fillRef idx="1">
+        <a:scrgbClr r="0" g="0" b="0"/>
+      </a:fillRef>
+      <a:effectRef idx="0">
+        <a:scrgbClr r="0" g="0" b="0"/>
+      </a:effectRef>
+      <a:fontRef idx="minor"/>
+    </dgm:style>
+  </dgm:styleLbl>
+  <dgm:styleLbl name="solidBgAcc1">
+    <dgm:scene3d>
+      <a:camera prst="orthographicFront"/>
+      <a:lightRig rig="threePt" dir="t"/>
+    </dgm:scene3d>
+    <dgm:sp3d/>
+    <dgm:txPr/>
+    <dgm:style>
+      <a:lnRef idx="1">
+        <a:scrgbClr r="0" g="0" b="0"/>
+      </a:lnRef>
+      <a:fillRef idx="1">
+        <a:scrgbClr r="0" g="0" b="0"/>
+      </a:fillRef>
+      <a:effectRef idx="0">
+        <a:scrgbClr r="0" g="0" b="0"/>
+      </a:effectRef>
+      <a:fontRef idx="minor"/>
+    </dgm:style>
+  </dgm:styleLbl>
+  <dgm:styleLbl name="fgAccFollowNode1">
+    <dgm:scene3d>
+      <a:camera prst="orthographicFront"/>
+      <a:lightRig rig="threePt" dir="t"/>
+    </dgm:scene3d>
+    <dgm:sp3d/>
+    <dgm:txPr/>
+    <dgm:style>
+      <a:lnRef idx="1">
+        <a:scrgbClr r="0" g="0" b="0"/>
+      </a:lnRef>
+      <a:fillRef idx="1">
+        <a:scrgbClr r="0" g="0" b="0"/>
+      </a:fillRef>
+      <a:effectRef idx="0">
+        <a:scrgbClr r="0" g="0" b="0"/>
+      </a:effectRef>
+      <a:fontRef idx="minor"/>
+    </dgm:style>
+  </dgm:styleLbl>
+  <dgm:styleLbl name="alignAccFollowNode1">
+    <dgm:scene3d>
+      <a:camera prst="orthographicFront"/>
+      <a:lightRig rig="threePt" dir="t"/>
+    </dgm:scene3d>
+    <dgm:sp3d/>
+    <dgm:txPr/>
+    <dgm:style>
+      <a:lnRef idx="1">
+        <a:scrgbClr r="0" g="0" b="0"/>
+      </a:lnRef>
+      <a:fillRef idx="1">
+        <a:scrgbClr r="0" g="0" b="0"/>
+      </a:fillRef>
+      <a:effectRef idx="0">
+        <a:scrgbClr r="0" g="0" b="0"/>
+      </a:effectRef>
+      <a:fontRef idx="minor"/>
+    </dgm:style>
+  </dgm:styleLbl>
+  <dgm:styleLbl name="bgAccFollowNode1">
+    <dgm:scene3d>
+      <a:camera prst="orthographicFront"/>
+      <a:lightRig rig="threePt" dir="t"/>
+    </dgm:scene3d>
+    <dgm:sp3d/>
+    <dgm:txPr/>
+    <dgm:style>
+      <a:lnRef idx="1">
+        <a:scrgbClr r="0" g="0" b="0"/>
+      </a:lnRef>
+      <a:fillRef idx="1">
+        <a:scrgbClr r="0" g="0" b="0"/>
+      </a:fillRef>
+      <a:effectRef idx="0">
+        <a:scrgbClr r="0" g="0" b="0"/>
+      </a:effectRef>
+      <a:fontRef idx="minor"/>
+    </dgm:style>
+  </dgm:styleLbl>
+  <dgm:styleLbl name="fgAcc0">
+    <dgm:scene3d>
+      <a:camera prst="orthographicFront"/>
+      <a:lightRig rig="threePt" dir="t"/>
+    </dgm:scene3d>
+    <dgm:sp3d/>
+    <dgm:txPr/>
+    <dgm:style>
+      <a:lnRef idx="1">
+        <a:scrgbClr r="0" g="0" b="0"/>
+      </a:lnRef>
+      <a:fillRef idx="1">
+        <a:scrgbClr r="0" g="0" b="0"/>
+      </a:fillRef>
+      <a:effectRef idx="0">
+        <a:scrgbClr r="0" g="0" b="0"/>
+      </a:effectRef>
+      <a:fontRef idx="minor"/>
+    </dgm:style>
+  </dgm:styleLbl>
+  <dgm:styleLbl name="fgAcc2">
+    <dgm:scene3d>
+      <a:camera prst="orthographicFront"/>
+      <a:lightRig rig="threePt" dir="t"/>
+    </dgm:scene3d>
+    <dgm:sp3d/>
+    <dgm:txPr/>
+    <dgm:style>
+      <a:lnRef idx="1">
+        <a:scrgbClr r="0" g="0" b="0"/>
+      </a:lnRef>
+      <a:fillRef idx="1">
+        <a:scrgbClr r="0" g="0" b="0"/>
+      </a:fillRef>
+      <a:effectRef idx="0">
+        <a:scrgbClr r="0" g="0" b="0"/>
+      </a:effectRef>
+      <a:fontRef idx="minor"/>
+    </dgm:style>
+  </dgm:styleLbl>
+  <dgm:styleLbl name="fgAcc3">
+    <dgm:scene3d>
+      <a:camera prst="orthographicFront"/>
+      <a:lightRig rig="threePt" dir="t"/>
+    </dgm:scene3d>
+    <dgm:sp3d/>
+    <dgm:txPr/>
+    <dgm:style>
+      <a:lnRef idx="1">
+        <a:scrgbClr r="0" g="0" b="0"/>
+      </a:lnRef>
+      <a:fillRef idx="1">
+        <a:scrgbClr r="0" g="0" b="0"/>
+      </a:fillRef>
+      <a:effectRef idx="0">
+        <a:scrgbClr r="0" g="0" b="0"/>
+      </a:effectRef>
+      <a:fontRef idx="minor"/>
+    </dgm:style>
+  </dgm:styleLbl>
+  <dgm:styleLbl name="fgAcc4">
+    <dgm:scene3d>
+      <a:camera prst="orthographicFront"/>
+      <a:lightRig rig="threePt" dir="t"/>
+    </dgm:scene3d>
+    <dgm:sp3d/>
+    <dgm:txPr/>
+    <dgm:style>
+      <a:lnRef idx="1">
+        <a:scrgbClr r="0" g="0" b="0"/>
+      </a:lnRef>
+      <a:fillRef idx="1">
+        <a:scrgbClr r="0" g="0" b="0"/>
+      </a:fillRef>
+      <a:effectRef idx="0">
+        <a:scrgbClr r="0" g="0" b="0"/>
+      </a:effectRef>
+      <a:fontRef idx="minor"/>
+    </dgm:style>
+  </dgm:styleLbl>
+  <dgm:styleLbl name="bgShp">
+    <dgm:scene3d>
+      <a:camera prst="orthographicFront"/>
+      <a:lightRig rig="threePt" dir="t"/>
+    </dgm:scene3d>
+    <dgm:sp3d/>
+    <dgm:txPr/>
+    <dgm:style>
+      <a:lnRef idx="0">
+        <a:scrgbClr r="0" g="0" b="0"/>
+      </a:lnRef>
+      <a:fillRef idx="1">
+        <a:scrgbClr r="0" g="0" b="0"/>
+      </a:fillRef>
+      <a:effectRef idx="2">
+        <a:scrgbClr r="0" g="0" b="0"/>
+      </a:effectRef>
+      <a:fontRef idx="minor"/>
+    </dgm:style>
+  </dgm:styleLbl>
+  <dgm:styleLbl name="dkBgShp">
+    <dgm:scene3d>
+      <a:camera prst="orthographicFront"/>
+      <a:lightRig rig="threePt" dir="t"/>
+    </dgm:scene3d>
+    <dgm:sp3d/>
+    <dgm:txPr/>
+    <dgm:style>
+      <a:lnRef idx="0">
+        <a:scrgbClr r="0" g="0" b="0"/>
+      </a:lnRef>
+      <a:fillRef idx="1">
+        <a:scrgbClr r="0" g="0" b="0"/>
+      </a:fillRef>
+      <a:effectRef idx="2">
+        <a:scrgbClr r="0" g="0" b="0"/>
+      </a:effectRef>
+      <a:fontRef idx="minor"/>
+    </dgm:style>
+  </dgm:styleLbl>
+  <dgm:styleLbl name="trBgShp">
+    <dgm:scene3d>
+      <a:camera prst="orthographicFront"/>
+      <a:lightRig rig="threePt" dir="t"/>
+    </dgm:scene3d>
+    <dgm:sp3d/>
+    <dgm:txPr/>
+    <dgm:style>
+      <a:lnRef idx="0">
+        <a:scrgbClr r="0" g="0" b="0"/>
+      </a:lnRef>
+      <a:fillRef idx="1">
+        <a:scrgbClr r="0" g="0" b="0"/>
+      </a:fillRef>
+      <a:effectRef idx="0">
+        <a:scrgbClr r="0" g="0" b="0"/>
+      </a:effectRef>
+      <a:fontRef idx="minor"/>
+    </dgm:style>
+  </dgm:styleLbl>
+  <dgm:styleLbl name="fgShp">
+    <dgm:scene3d>
+      <a:camera prst="orthographicFront"/>
+      <a:lightRig rig="threePt" dir="t"/>
+    </dgm:scene3d>
+    <dgm:sp3d/>
+    <dgm:txPr/>
+    <dgm:style>
+      <a:lnRef idx="0">
+        <a:scrgbClr r="0" g="0" b="0"/>
+      </a:lnRef>
+      <a:fillRef idx="3">
+        <a:scrgbClr r="0" g="0" b="0"/>
+      </a:fillRef>
+      <a:effectRef idx="2">
+        <a:scrgbClr r="0" g="0" b="0"/>
+      </a:effectRef>
+      <a:fontRef idx="minor"/>
+    </dgm:style>
+  </dgm:styleLbl>
+  <dgm:styleLbl name="revTx">
+    <dgm:scene3d>
+      <a:camera prst="orthographicFront"/>
+      <a:lightRig rig="threePt" dir="t"/>
+    </dgm:scene3d>
+    <dgm:sp3d/>
+    <dgm:txPr/>
+    <dgm:style>
+      <a:lnRef idx="0">
+        <a:scrgbClr r="0" g="0" b="0"/>
+      </a:lnRef>
+      <a:fillRef idx="0">
+        <a:scrgbClr r="0" g="0" b="0"/>
+      </a:fillRef>
+      <a:effectRef idx="0">
+        <a:scrgbClr r="0" g="0" b="0"/>
+      </a:effectRef>
+      <a:fontRef idx="minor"/>
+    </dgm:style>
+  </dgm:styleLbl>
+</dgm:styleDef>
+</file>
+
+<file path=ppt/diagrams/quickStyle2.xml><?xml version="1.0" encoding="utf-8"?>
+<dgm:styleDef xmlns:dgm="http://schemas.openxmlformats.org/drawingml/2006/diagram" xmlns:a="http://schemas.openxmlformats.org/drawingml/2006/main" uniqueId="urn:microsoft.com/office/officeart/2005/8/quickstyle/simple4">
+  <dgm:title val=""/>
+  <dgm:desc val=""/>
+  <dgm:catLst>
+    <dgm:cat type="simple" pri="10400"/>
+  </dgm:catLst>
+  <dgm:scene3d>
+    <a:camera prst="orthographicFront"/>
+    <a:lightRig rig="threePt" dir="t"/>
+  </dgm:scene3d>
+  <dgm:styleLbl name="node0">
+    <dgm:scene3d>
+      <a:camera prst="orthographicFront"/>
+      <a:lightRig rig="threePt" dir="t"/>
+    </dgm:scene3d>
+    <dgm:sp3d/>
+    <dgm:txPr/>
+    <dgm:style>
+      <a:lnRef idx="0">
+        <a:scrgbClr r="0" g="0" b="0"/>
+      </a:lnRef>
+      <a:fillRef idx="3">
+        <a:scrgbClr r="0" g="0" b="0"/>
+      </a:fillRef>
+      <a:effectRef idx="2">
+        <a:scrgbClr r="0" g="0" b="0"/>
+      </a:effectRef>
+      <a:fontRef idx="minor">
+        <a:schemeClr val="lt1"/>
+      </a:fontRef>
+    </dgm:style>
+  </dgm:styleLbl>
+  <dgm:styleLbl name="lnNode1">
+    <dgm:scene3d>
+      <a:camera prst="orthographicFront"/>
+      <a:lightRig rig="threePt" dir="t"/>
+    </dgm:scene3d>
+    <dgm:sp3d/>
+    <dgm:txPr/>
+    <dgm:style>
+      <a:lnRef idx="1">
+        <a:scrgbClr r="0" g="0" b="0"/>
+      </a:lnRef>
+      <a:fillRef idx="3">
+        <a:scrgbClr r="0" g="0" b="0"/>
+      </a:fillRef>
+      <a:effectRef idx="2">
+        <a:scrgbClr r="0" g="0" b="0"/>
+      </a:effectRef>
+      <a:fontRef idx="minor">
+        <a:schemeClr val="lt1"/>
+      </a:fontRef>
+    </dgm:style>
+  </dgm:styleLbl>
+  <dgm:styleLbl name="vennNode1">
+    <dgm:scene3d>
+      <a:camera prst="orthographicFront"/>
+      <a:lightRig rig="threePt" dir="t"/>
+    </dgm:scene3d>
+    <dgm:sp3d/>
+    <dgm:txPr/>
+    <dgm:style>
+      <a:lnRef idx="0">
+        <a:scrgbClr r="0" g="0" b="0"/>
+      </a:lnRef>
+      <a:fillRef idx="3">
+        <a:scrgbClr r="0" g="0" b="0"/>
+      </a:fillRef>
+      <a:effectRef idx="0">
+        <a:scrgbClr r="0" g="0" b="0"/>
+      </a:effectRef>
+      <a:fontRef idx="minor">
+        <a:schemeClr val="tx1"/>
+      </a:fontRef>
+    </dgm:style>
+  </dgm:styleLbl>
+  <dgm:styleLbl name="alignNode1">
+    <dgm:scene3d>
+      <a:camera prst="orthographicFront"/>
+      <a:lightRig rig="threePt" dir="t"/>
+    </dgm:scene3d>
+    <dgm:sp3d/>
+    <dgm:txPr/>
+    <dgm:style>
+      <a:lnRef idx="1">
+        <a:scrgbClr r="0" g="0" b="0"/>
+      </a:lnRef>
+      <a:fillRef idx="3">
+        <a:scrgbClr r="0" g="0" b="0"/>
+      </a:fillRef>
+      <a:effectRef idx="2">
+        <a:scrgbClr r="0" g="0" b="0"/>
+      </a:effectRef>
+      <a:fontRef idx="minor">
+        <a:schemeClr val="lt1"/>
+      </a:fontRef>
+    </dgm:style>
+  </dgm:styleLbl>
+  <dgm:styleLbl name="node1">
+    <dgm:scene3d>
+      <a:camera prst="orthographicFront"/>
+      <a:lightRig rig="threePt" dir="t"/>
+    </dgm:scene3d>
+    <dgm:sp3d/>
+    <dgm:txPr/>
+    <dgm:style>
+      <a:lnRef idx="0">
+        <a:scrgbClr r="0" g="0" b="0"/>
+      </a:lnRef>
+      <a:fillRef idx="3">
+        <a:scrgbClr r="0" g="0" b="0"/>
+      </a:fillRef>
+      <a:effectRef idx="2">
+        <a:scrgbClr r="0" g="0" b="0"/>
+      </a:effectRef>
+      <a:fontRef idx="minor">
+        <a:schemeClr val="lt1"/>
+      </a:fontRef>
+    </dgm:style>
+  </dgm:styleLbl>
+  <dgm:styleLbl name="node2">
+    <dgm:scene3d>
+      <a:camera prst="orthographicFront"/>
+      <a:lightRig rig="threePt" dir="t"/>
+    </dgm:scene3d>
+    <dgm:sp3d/>
+    <dgm:txPr/>
+    <dgm:style>
+      <a:lnRef idx="0">
+        <a:scrgbClr r="0" g="0" b="0"/>
+      </a:lnRef>
+      <a:fillRef idx="3">
+        <a:scrgbClr r="0" g="0" b="0"/>
+      </a:fillRef>
+      <a:effectRef idx="2">
+        <a:scrgbClr r="0" g="0" b="0"/>
+      </a:effectRef>
+      <a:fontRef idx="minor">
+        <a:schemeClr val="lt1"/>
+      </a:fontRef>
+    </dgm:style>
+  </dgm:styleLbl>
+  <dgm:styleLbl name="node3">
+    <dgm:scene3d>
+      <a:camera prst="orthographicFront"/>
+      <a:lightRig rig="threePt" dir="t"/>
+    </dgm:scene3d>
+    <dgm:sp3d/>
+    <dgm:txPr/>
+    <dgm:style>
+      <a:lnRef idx="0">
+        <a:scrgbClr r="0" g="0" b="0"/>
+      </a:lnRef>
+      <a:fillRef idx="3">
+        <a:scrgbClr r="0" g="0" b="0"/>
+      </a:fillRef>
+      <a:effectRef idx="2">
+        <a:scrgbClr r="0" g="0" b="0"/>
+      </a:effectRef>
+      <a:fontRef idx="minor">
+        <a:schemeClr val="lt1"/>
+      </a:fontRef>
+    </dgm:style>
+  </dgm:styleLbl>
+  <dgm:styleLbl name="node4">
+    <dgm:scene3d>
+      <a:camera prst="orthographicFront"/>
+      <a:lightRig rig="threePt" dir="t"/>
+    </dgm:scene3d>
+    <dgm:sp3d/>
+    <dgm:txPr/>
+    <dgm:style>
+      <a:lnRef idx="0">
+        <a:scrgbClr r="0" g="0" b="0"/>
+      </a:lnRef>
+      <a:fillRef idx="3">
+        <a:scrgbClr r="0" g="0" b="0"/>
+      </a:fillRef>
+      <a:effectRef idx="2">
+        <a:scrgbClr r="0" g="0" b="0"/>
+      </a:effectRef>
+      <a:fontRef idx="minor">
+        <a:schemeClr val="lt1"/>
+      </a:fontRef>
+    </dgm:style>
+  </dgm:styleLbl>
+  <dgm:styleLbl name="fgImgPlace1">
+    <dgm:scene3d>
+      <a:camera prst="orthographicFront"/>
+      <a:lightRig rig="threePt" dir="t"/>
+    </dgm:scene3d>
+    <dgm:sp3d/>
+    <dgm:txPr/>
+    <dgm:style>
+      <a:lnRef idx="0">
+        <a:scrgbClr r="0" g="0" b="0"/>
+      </a:lnRef>
+      <a:fillRef idx="1">
+        <a:scrgbClr r="0" g="0" b="0"/>
+      </a:fillRef>
+      <a:effectRef idx="2">
+        <a:scrgbClr r="0" g="0" b="0"/>
+      </a:effectRef>
+      <a:fontRef idx="minor"/>
+    </dgm:style>
+  </dgm:styleLbl>
+  <dgm:styleLbl name="alignImgPlace1">
+    <dgm:scene3d>
+      <a:camera prst="orthographicFront"/>
+      <a:lightRig rig="threePt" dir="t"/>
+    </dgm:scene3d>
+    <dgm:sp3d/>
+    <dgm:txPr/>
+    <dgm:style>
+      <a:lnRef idx="0">
+        <a:scrgbClr r="0" g="0" b="0"/>
+      </a:lnRef>
+      <a:fillRef idx="1">
+        <a:scrgbClr r="0" g="0" b="0"/>
+      </a:fillRef>
+      <a:effectRef idx="2">
+        <a:scrgbClr r="0" g="0" b="0"/>
+      </a:effectRef>
+      <a:fontRef idx="minor"/>
+    </dgm:style>
+  </dgm:styleLbl>
+  <dgm:styleLbl name="bgImgPlace1">
+    <dgm:scene3d>
+      <a:camera prst="orthographicFront"/>
+      <a:lightRig rig="threePt" dir="t"/>
+    </dgm:scene3d>
+    <dgm:sp3d/>
+    <dgm:txPr/>
+    <dgm:style>
+      <a:lnRef idx="0">
+        <a:scrgbClr r="0" g="0" b="0"/>
+      </a:lnRef>
+      <a:fillRef idx="1">
+        <a:scrgbClr r="0" g="0" b="0"/>
+      </a:fillRef>
+      <a:effectRef idx="2">
+        <a:scrgbClr r="0" g="0" b="0"/>
+      </a:effectRef>
+      <a:fontRef idx="minor"/>
+    </dgm:style>
+  </dgm:styleLbl>
+  <dgm:styleLbl name="sibTrans2D1">
+    <dgm:scene3d>
+      <a:camera prst="orthographicFront"/>
+      <a:lightRig rig="threePt" dir="t"/>
+    </dgm:scene3d>
+    <dgm:sp3d/>
+    <dgm:txPr/>
+    <dgm:style>
+      <a:lnRef idx="0">
+        <a:scrgbClr r="0" g="0" b="0"/>
+      </a:lnRef>
+      <a:fillRef idx="3">
+        <a:scrgbClr r="0" g="0" b="0"/>
+      </a:fillRef>
+      <a:effectRef idx="2">
+        <a:scrgbClr r="0" g="0" b="0"/>
+      </a:effectRef>
+      <a:fontRef idx="minor">
+        <a:schemeClr val="lt1"/>
+      </a:fontRef>
+    </dgm:style>
+  </dgm:styleLbl>
+  <dgm:styleLbl name="fgSibTrans2D1">
+    <dgm:scene3d>
+      <a:camera prst="orthographicFront"/>
+      <a:lightRig rig="threePt" dir="t"/>
+    </dgm:scene3d>
+    <dgm:sp3d/>
+    <dgm:txPr/>
+    <dgm:style>
+      <a:lnRef idx="0">
+        <a:scrgbClr r="0" g="0" b="0"/>
+      </a:lnRef>
+      <a:fillRef idx="3">
+        <a:scrgbClr r="0" g="0" b="0"/>
+      </a:fillRef>
+      <a:effectRef idx="2">
+        <a:scrgbClr r="0" g="0" b="0"/>
+      </a:effectRef>
+      <a:fontRef idx="minor">
+        <a:schemeClr val="lt1"/>
+      </a:fontRef>
+    </dgm:style>
+  </dgm:styleLbl>
+  <dgm:styleLbl name="bgSibTrans2D1">
+    <dgm:scene3d>
+      <a:camera prst="orthographicFront"/>
+      <a:lightRig rig="threePt" dir="t"/>
+    </dgm:scene3d>
+    <dgm:sp3d/>
+    <dgm:txPr/>
+    <dgm:style>
+      <a:lnRef idx="0">
+        <a:scrgbClr r="0" g="0" b="0"/>
+      </a:lnRef>
+      <a:fillRef idx="3">
+        <a:scrgbClr r="0" g="0" b="0"/>
+      </a:fillRef>
+      <a:effectRef idx="2">
+        <a:scrgbClr r="0" g="0" b="0"/>
+      </a:effectRef>
+      <a:fontRef idx="minor">
+        <a:schemeClr val="lt1"/>
+      </a:fontRef>
+    </dgm:style>
+  </dgm:styleLbl>
+  <dgm:styleLbl name="sibTrans1D1">
+    <dgm:scene3d>
+      <a:camera prst="orthographicFront"/>
+      <a:lightRig rig="threePt" dir="t"/>
+    </dgm:scene3d>
+    <dgm:sp3d/>
+    <dgm:txPr/>
+    <dgm:style>
+      <a:lnRef idx="1">
+        <a:scrgbClr r="0" g="0" b="0"/>
+      </a:lnRef>
+      <a:fillRef idx="0">
+        <a:scrgbClr r="0" g="0" b="0"/>
+      </a:fillRef>
+      <a:effectRef idx="0">
+        <a:scrgbClr r="0" g="0" b="0"/>
+      </a:effectRef>
+      <a:fontRef idx="minor"/>
+    </dgm:style>
+  </dgm:styleLbl>
+  <dgm:styleLbl name="callout">
+    <dgm:scene3d>
+      <a:camera prst="orthographicFront"/>
+      <a:lightRig rig="threePt" dir="t"/>
+    </dgm:scene3d>
+    <dgm:sp3d/>
+    <dgm:txPr/>
+    <dgm:style>
+      <a:lnRef idx="2">
+        <a:scrgbClr r="0" g="0" b="0"/>
+      </a:lnRef>
+      <a:fillRef idx="1">
+        <a:scrgbClr r="0" g="0" b="0"/>
+      </a:fillRef>
+      <a:effectRef idx="1">
+        <a:scrgbClr r="0" g="0" b="0"/>
+      </a:effectRef>
+      <a:fontRef idx="minor"/>
+    </dgm:style>
+  </dgm:styleLbl>
+  <dgm:styleLbl name="asst0">
+    <dgm:scene3d>
+      <a:camera prst="orthographicFront"/>
+      <a:lightRig rig="threePt" dir="t"/>
+    </dgm:scene3d>
+    <dgm:sp3d/>
+    <dgm:txPr/>
+    <dgm:style>
+      <a:lnRef idx="0">
+        <a:scrgbClr r="0" g="0" b="0"/>
+      </a:lnRef>
+      <a:fillRef idx="3">
+        <a:scrgbClr r="0" g="0" b="0"/>
+      </a:fillRef>
+      <a:effectRef idx="2">
+        <a:scrgbClr r="0" g="0" b="0"/>
+      </a:effectRef>
+      <a:fontRef idx="minor">
+        <a:schemeClr val="lt1"/>
+      </a:fontRef>
+    </dgm:style>
+  </dgm:styleLbl>
+  <dgm:styleLbl name="asst1">
+    <dgm:scene3d>
+      <a:camera prst="orthographicFront"/>
+      <a:lightRig rig="threePt" dir="t"/>
+    </dgm:scene3d>
+    <dgm:sp3d/>
+    <dgm:txPr/>
+    <dgm:style>
+      <a:lnRef idx="0">
+        <a:scrgbClr r="0" g="0" b="0"/>
+      </a:lnRef>
+      <a:fillRef idx="3">
+        <a:scrgbClr r="0" g="0" b="0"/>
+      </a:fillRef>
+      <a:effectRef idx="2">
+        <a:scrgbClr r="0" g="0" b="0"/>
+      </a:effectRef>
+      <a:fontRef idx="minor">
+        <a:schemeClr val="lt1"/>
+      </a:fontRef>
+    </dgm:style>
+  </dgm:styleLbl>
+  <dgm:styleLbl name="asst2">
+    <dgm:scene3d>
+      <a:camera prst="orthographicFront"/>
+      <a:lightRig rig="threePt" dir="t"/>
+    </dgm:scene3d>
+    <dgm:sp3d/>
+    <dgm:txPr/>
+    <dgm:style>
+      <a:lnRef idx="0">
+        <a:scrgbClr r="0" g="0" b="0"/>
+      </a:lnRef>
+      <a:fillRef idx="3">
+        <a:scrgbClr r="0" g="0" b="0"/>
+      </a:fillRef>
+      <a:effectRef idx="2">
+        <a:scrgbClr r="0" g="0" b="0"/>
+      </a:effectRef>
+      <a:fontRef idx="minor">
+        <a:schemeClr val="lt1"/>
+      </a:fontRef>
+    </dgm:style>
+  </dgm:styleLbl>
+  <dgm:styleLbl name="asst3">
+    <dgm:scene3d>
+      <a:camera prst="orthographicFront"/>
+      <a:lightRig rig="threePt" dir="t"/>
+    </dgm:scene3d>
+    <dgm:sp3d/>
+    <dgm:txPr/>
+    <dgm:style>
+      <a:lnRef idx="0">
+        <a:scrgbClr r="0" g="0" b="0"/>
+      </a:lnRef>
+      <a:fillRef idx="3">
+        <a:scrgbClr r="0" g="0" b="0"/>
+      </a:fillRef>
+      <a:effectRef idx="2">
+        <a:scrgbClr r="0" g="0" b="0"/>
+      </a:effectRef>
+      <a:fontRef idx="minor">
+        <a:schemeClr val="lt1"/>
+      </a:fontRef>
+    </dgm:style>
+  </dgm:styleLbl>
+  <dgm:styleLbl name="asst4">
+    <dgm:scene3d>
+      <a:camera prst="orthographicFront"/>
+      <a:lightRig rig="threePt" dir="t"/>
+    </dgm:scene3d>
+    <dgm:sp3d/>
+    <dgm:txPr/>
+    <dgm:style>
+      <a:lnRef idx="0">
+        <a:scrgbClr r="0" g="0" b="0"/>
+      </a:lnRef>
+      <a:fillRef idx="3">
+        <a:scrgbClr r="0" g="0" b="0"/>
+      </a:fillRef>
+      <a:effectRef idx="2">
+        <a:scrgbClr r="0" g="0" b="0"/>
+      </a:effectRef>
+      <a:fontRef idx="minor">
+        <a:schemeClr val="lt1"/>
+      </a:fontRef>
+    </dgm:style>
+  </dgm:styleLbl>
+  <dgm:styleLbl name="parChTrans2D1">
+    <dgm:scene3d>
+      <a:camera prst="orthographicFront"/>
+      <a:lightRig rig="threePt" dir="t"/>
+    </dgm:scene3d>
+    <dgm:sp3d/>
+    <dgm:txPr/>
+    <dgm:style>
+      <a:lnRef idx="0">
+        <a:scrgbClr r="0" g="0" b="0"/>
+      </a:lnRef>
+      <a:fillRef idx="3">
+        <a:scrgbClr r="0" g="0" b="0"/>
+      </a:fillRef>
+      <a:effectRef idx="2">
+        <a:scrgbClr r="0" g="0" b="0"/>
+      </a:effectRef>
+      <a:fontRef idx="minor">
+        <a:schemeClr val="lt1"/>
+      </a:fontRef>
+    </dgm:style>
+  </dgm:styleLbl>
+  <dgm:styleLbl name="parChTrans2D2">
+    <dgm:scene3d>
+      <a:camera prst="orthographicFront"/>
+      <a:lightRig rig="threePt" dir="t"/>
+    </dgm:scene3d>
+    <dgm:sp3d/>
+    <dgm:txPr/>
+    <dgm:style>
+      <a:lnRef idx="0">
+        <a:scrgbClr r="0" g="0" b="0"/>
+      </a:lnRef>
+      <a:fillRef idx="3">
+        <a:scrgbClr r="0" g="0" b="0"/>
+      </a:fillRef>
+      <a:effectRef idx="2">
+        <a:scrgbClr r="0" g="0" b="0"/>
+      </a:effectRef>
+      <a:fontRef idx="minor">
+        <a:schemeClr val="lt1"/>
+      </a:fontRef>
+    </dgm:style>
+  </dgm:styleLbl>
+  <dgm:styleLbl name="parChTrans2D3">
+    <dgm:scene3d>
+      <a:camera prst="orthographicFront"/>
+      <a:lightRig rig="threePt" dir="t"/>
+    </dgm:scene3d>
+    <dgm:sp3d/>
+    <dgm:txPr/>
+    <dgm:style>
+      <a:lnRef idx="1">
+        <a:scrgbClr r="0" g="0" b="0"/>
+      </a:lnRef>
+      <a:fillRef idx="3">
+        <a:scrgbClr r="0" g="0" b="0"/>
+      </a:fillRef>
+      <a:effectRef idx="2">
+        <a:scrgbClr r="0" g="0" b="0"/>
+      </a:effectRef>
+      <a:fontRef idx="minor">
+        <a:schemeClr val="lt1"/>
+      </a:fontRef>
+    </dgm:style>
+  </dgm:styleLbl>
+  <dgm:styleLbl name="parChTrans2D4">
+    <dgm:scene3d>
+      <a:camera prst="orthographicFront"/>
+      <a:lightRig rig="threePt" dir="t"/>
+    </dgm:scene3d>
+    <dgm:sp3d/>
+    <dgm:txPr/>
+    <dgm:style>
+      <a:lnRef idx="1">
+        <a:scrgbClr r="0" g="0" b="0"/>
+      </a:lnRef>
+      <a:fillRef idx="3">
+        <a:scrgbClr r="0" g="0" b="0"/>
+      </a:fillRef>
+      <a:effectRef idx="2">
+        <a:scrgbClr r="0" g="0" b="0"/>
+      </a:effectRef>
+      <a:fontRef idx="minor">
+        <a:schemeClr val="lt1"/>
+      </a:fontRef>
+    </dgm:style>
+  </dgm:styleLbl>
+  <dgm:styleLbl name="parChTrans1D1">
+    <dgm:scene3d>
+      <a:camera prst="orthographicFront"/>
+      <a:lightRig rig="threePt" dir="t"/>
+    </dgm:scene3d>
+    <dgm:sp3d/>
+    <dgm:txPr/>
+    <dgm:style>
+      <a:lnRef idx="1">
+        <a:scrgbClr r="0" g="0" b="0"/>
+      </a:lnRef>
+      <a:fillRef idx="0">
+        <a:scrgbClr r="0" g="0" b="0"/>
+      </a:fillRef>
+      <a:effectRef idx="0">
+        <a:scrgbClr r="0" g="0" b="0"/>
+      </a:effectRef>
+      <a:fontRef idx="minor"/>
+    </dgm:style>
+  </dgm:styleLbl>
+  <dgm:styleLbl name="parChTrans1D2">
+    <dgm:scene3d>
+      <a:camera prst="orthographicFront"/>
+      <a:lightRig rig="threePt" dir="t"/>
+    </dgm:scene3d>
+    <dgm:sp3d/>
+    <dgm:txPr/>
+    <dgm:style>
+      <a:lnRef idx="1">
+        <a:scrgbClr r="0" g="0" b="0"/>
+      </a:lnRef>
+      <a:fillRef idx="0">
+        <a:scrgbClr r="0" g="0" b="0"/>
+      </a:fillRef>
+      <a:effectRef idx="0">
+        <a:scrgbClr r="0" g="0" b="0"/>
+      </a:effectRef>
+      <a:fontRef idx="minor"/>
+    </dgm:style>
+  </dgm:styleLbl>
+  <dgm:styleLbl name="parChTrans1D3">
+    <dgm:scene3d>
+      <a:camera prst="orthographicFront"/>
+      <a:lightRig rig="threePt" dir="t"/>
+    </dgm:scene3d>
+    <dgm:sp3d/>
+    <dgm:txPr/>
+    <dgm:style>
+      <a:lnRef idx="1">
+        <a:scrgbClr r="0" g="0" b="0"/>
+      </a:lnRef>
+      <a:fillRef idx="0">
+        <a:scrgbClr r="0" g="0" b="0"/>
+      </a:fillRef>
+      <a:effectRef idx="0">
+        <a:scrgbClr r="0" g="0" b="0"/>
+      </a:effectRef>
+      <a:fontRef idx="minor"/>
+    </dgm:style>
+  </dgm:styleLbl>
+  <dgm:styleLbl name="parChTrans1D4">
+    <dgm:scene3d>
+      <a:camera prst="orthographicFront"/>
+      <a:lightRig rig="threePt" dir="t"/>
+    </dgm:scene3d>
+    <dgm:sp3d/>
+    <dgm:txPr/>
+    <dgm:style>
+      <a:lnRef idx="1">
+        <a:scrgbClr r="0" g="0" b="0"/>
+      </a:lnRef>
+      <a:fillRef idx="0">
+        <a:scrgbClr r="0" g="0" b="0"/>
+      </a:fillRef>
+      <a:effectRef idx="0">
+        <a:scrgbClr r="0" g="0" b="0"/>
+      </a:effectRef>
+      <a:fontRef idx="minor"/>
+    </dgm:style>
+  </dgm:styleLbl>
+  <dgm:styleLbl name="fgAcc1">
+    <dgm:scene3d>
+      <a:camera prst="orthographicFront"/>
+      <a:lightRig rig="threePt" dir="t"/>
+    </dgm:scene3d>
+    <dgm:sp3d/>
+    <dgm:txPr/>
+    <dgm:style>
+      <a:lnRef idx="1">
+        <a:scrgbClr r="0" g="0" b="0"/>
+      </a:lnRef>
+      <a:fillRef idx="1">
+        <a:scrgbClr r="0" g="0" b="0"/>
+      </a:fillRef>
+      <a:effectRef idx="0">
+        <a:scrgbClr r="0" g="0" b="0"/>
+      </a:effectRef>
+      <a:fontRef idx="minor"/>
+    </dgm:style>
+  </dgm:styleLbl>
+  <dgm:styleLbl name="conFgAcc1">
+    <dgm:scene3d>
+      <a:camera prst="orthographicFront"/>
+      <a:lightRig rig="threePt" dir="t"/>
+    </dgm:scene3d>
+    <dgm:sp3d/>
+    <dgm:txPr/>
+    <dgm:style>
+      <a:lnRef idx="1">
+        <a:scrgbClr r="0" g="0" b="0"/>
+      </a:lnRef>
+      <a:fillRef idx="1">
+        <a:scrgbClr r="0" g="0" b="0"/>
+      </a:fillRef>
+      <a:effectRef idx="0">
+        <a:scrgbClr r="0" g="0" b="0"/>
+      </a:effectRef>
+      <a:fontRef idx="minor"/>
+    </dgm:style>
+  </dgm:styleLbl>
+  <dgm:styleLbl name="alignAcc1">
+    <dgm:scene3d>
+      <a:camera prst="orthographicFront"/>
+      <a:lightRig rig="threePt" dir="t"/>
+    </dgm:scene3d>
+    <dgm:sp3d/>
+    <dgm:txPr/>
+    <dgm:style>
+      <a:lnRef idx="1">
+        <a:scrgbClr r="0" g="0" b="0"/>
+      </a:lnRef>
+      <a:fillRef idx="1">
+        <a:scrgbClr r="0" g="0" b="0"/>
+      </a:fillRef>
+      <a:effectRef idx="0">
+        <a:scrgbClr r="0" g="0" b="0"/>
+      </a:effectRef>
+      <a:fontRef idx="minor"/>
+    </dgm:style>
+  </dgm:styleLbl>
+  <dgm:styleLbl name="trAlignAcc1">
+    <dgm:scene3d>
+      <a:camera prst="orthographicFront"/>
+      <a:lightRig rig="threePt" dir="t"/>
+    </dgm:scene3d>
+    <dgm:sp3d/>
+    <dgm:txPr/>
+    <dgm:style>
+      <a:lnRef idx="1">
+        <a:scrgbClr r="0" g="0" b="0"/>
+      </a:lnRef>
+      <a:fillRef idx="1">
+        <a:scrgbClr r="0" g="0" b="0"/>
+      </a:fillRef>
+      <a:effectRef idx="0">
+        <a:scrgbClr r="0" g="0" b="0"/>
+      </a:effectRef>
+      <a:fontRef idx="minor"/>
+    </dgm:style>
+  </dgm:styleLbl>
+  <dgm:styleLbl name="bgAcc1">
+    <dgm:scene3d>
+      <a:camera prst="orthographicFront"/>
+      <a:lightRig rig="threePt" dir="t"/>
+    </dgm:scene3d>
+    <dgm:sp3d/>
+    <dgm:txPr/>
+    <dgm:style>
+      <a:lnRef idx="1">
+        <a:scrgbClr r="0" g="0" b="0"/>
+      </a:lnRef>
+      <a:fillRef idx="1">
+        <a:scrgbClr r="0" g="0" b="0"/>
+      </a:fillRef>
+      <a:effectRef idx="0">
+        <a:scrgbClr r="0" g="0" b="0"/>
+      </a:effectRef>
+      <a:fontRef idx="minor"/>
+    </dgm:style>
+  </dgm:styleLbl>
+  <dgm:styleLbl name="solidFgAcc1">
+    <dgm:scene3d>
+      <a:camera prst="orthographicFront"/>
+      <a:lightRig rig="threePt" dir="t"/>
+    </dgm:scene3d>
+    <dgm:sp3d/>
+    <dgm:txPr/>
+    <dgm:style>
+      <a:lnRef idx="1">
+        <a:scrgbClr r="0" g="0" b="0"/>
+      </a:lnRef>
+      <a:fillRef idx="1">
+        <a:scrgbClr r="0" g="0" b="0"/>
+      </a:fillRef>
+      <a:effectRef idx="0">
+        <a:scrgbClr r="0" g="0" b="0"/>
+      </a:effectRef>
+      <a:fontRef idx="minor"/>
+    </dgm:style>
+  </dgm:styleLbl>
+  <dgm:styleLbl name="solidAlignAcc1">
+    <dgm:scene3d>
+      <a:camera prst="orthographicFront"/>
+      <a:lightRig rig="threePt" dir="t"/>
+    </dgm:scene3d>
+    <dgm:sp3d/>
+    <dgm:txPr/>
+    <dgm:style>
+      <a:lnRef idx="1">
+        <a:scrgbClr r="0" g="0" b="0"/>
+      </a:lnRef>
+      <a:fillRef idx="1">
+        <a:scrgbClr r="0" g="0" b="0"/>
+      </a:fillRef>
+      <a:effectRef idx="0">
+        <a:scrgbClr r="0" g="0" b="0"/>
+      </a:effectRef>
+      <a:fontRef idx="minor"/>
+    </dgm:style>
+  </dgm:styleLbl>
+  <dgm:styleLbl name="solidBgAcc1">
+    <dgm:scene3d>
+      <a:camera prst="orthographicFront"/>
+      <a:lightRig rig="threePt" dir="t"/>
+    </dgm:scene3d>
+    <dgm:sp3d/>
+    <dgm:txPr/>
+    <dgm:style>
+      <a:lnRef idx="1">
+        <a:scrgbClr r="0" g="0" b="0"/>
+      </a:lnRef>
+      <a:fillRef idx="1">
+        <a:scrgbClr r="0" g="0" b="0"/>
+      </a:fillRef>
+      <a:effectRef idx="0">
+        <a:scrgbClr r="0" g="0" b="0"/>
+      </a:effectRef>
+      <a:fontRef idx="minor"/>
+    </dgm:style>
+  </dgm:styleLbl>
+  <dgm:styleLbl name="fgAccFollowNode1">
+    <dgm:scene3d>
+      <a:camera prst="orthographicFront"/>
+      <a:lightRig rig="threePt" dir="t"/>
+    </dgm:scene3d>
+    <dgm:sp3d/>
+    <dgm:txPr/>
+    <dgm:style>
+      <a:lnRef idx="1">
+        <a:scrgbClr r="0" g="0" b="0"/>
+      </a:lnRef>
+      <a:fillRef idx="1">
+        <a:scrgbClr r="0" g="0" b="0"/>
+      </a:fillRef>
+      <a:effectRef idx="0">
+        <a:scrgbClr r="0" g="0" b="0"/>
+      </a:effectRef>
+      <a:fontRef idx="minor"/>
+    </dgm:style>
+  </dgm:styleLbl>
+  <dgm:styleLbl name="alignAccFollowNode1">
+    <dgm:scene3d>
+      <a:camera prst="orthographicFront"/>
+      <a:lightRig rig="threePt" dir="t"/>
+    </dgm:scene3d>
+    <dgm:sp3d/>
+    <dgm:txPr/>
+    <dgm:style>
+      <a:lnRef idx="1">
+        <a:scrgbClr r="0" g="0" b="0"/>
+      </a:lnRef>
+      <a:fillRef idx="1">
+        <a:scrgbClr r="0" g="0" b="0"/>
+      </a:fillRef>
+      <a:effectRef idx="0">
+        <a:scrgbClr r="0" g="0" b="0"/>
+      </a:effectRef>
+      <a:fontRef idx="minor"/>
+    </dgm:style>
+  </dgm:styleLbl>
+  <dgm:styleLbl name="bgAccFollowNode1">
+    <dgm:scene3d>
+      <a:camera prst="orthographicFront"/>
+      <a:lightRig rig="threePt" dir="t"/>
+    </dgm:scene3d>
+    <dgm:sp3d/>
+    <dgm:txPr/>
+    <dgm:style>
+      <a:lnRef idx="1">
+        <a:scrgbClr r="0" g="0" b="0"/>
+      </a:lnRef>
+      <a:fillRef idx="1">
+        <a:scrgbClr r="0" g="0" b="0"/>
+      </a:fillRef>
+      <a:effectRef idx="0">
+        <a:scrgbClr r="0" g="0" b="0"/>
+      </a:effectRef>
+      <a:fontRef idx="minor"/>
+    </dgm:style>
+  </dgm:styleLbl>
+  <dgm:styleLbl name="fgAcc0">
+    <dgm:scene3d>
+      <a:camera prst="orthographicFront"/>
+      <a:lightRig rig="threePt" dir="t"/>
+    </dgm:scene3d>
+    <dgm:sp3d/>
+    <dgm:txPr/>
+    <dgm:style>
+      <a:lnRef idx="1">
+        <a:scrgbClr r="0" g="0" b="0"/>
+      </a:lnRef>
+      <a:fillRef idx="1">
+        <a:scrgbClr r="0" g="0" b="0"/>
+      </a:fillRef>
+      <a:effectRef idx="0">
+        <a:scrgbClr r="0" g="0" b="0"/>
+      </a:effectRef>
+      <a:fontRef idx="minor"/>
+    </dgm:style>
+  </dgm:styleLbl>
+  <dgm:styleLbl name="fgAcc2">
+    <dgm:scene3d>
+      <a:camera prst="orthographicFront"/>
+      <a:lightRig rig="threePt" dir="t"/>
+    </dgm:scene3d>
+    <dgm:sp3d/>
+    <dgm:txPr/>
+    <dgm:style>
+      <a:lnRef idx="1">
+        <a:scrgbClr r="0" g="0" b="0"/>
+      </a:lnRef>
+      <a:fillRef idx="1">
+        <a:scrgbClr r="0" g="0" b="0"/>
+      </a:fillRef>
+      <a:effectRef idx="0">
+        <a:scrgbClr r="0" g="0" b="0"/>
+      </a:effectRef>
+      <a:fontRef idx="minor"/>
+    </dgm:style>
+  </dgm:styleLbl>
+  <dgm:styleLbl name="fgAcc3">
+    <dgm:scene3d>
+      <a:camera prst="orthographicFront"/>
+      <a:lightRig rig="threePt" dir="t"/>
+    </dgm:scene3d>
+    <dgm:sp3d/>
+    <dgm:txPr/>
+    <dgm:style>
+      <a:lnRef idx="1">
+        <a:scrgbClr r="0" g="0" b="0"/>
+      </a:lnRef>
+      <a:fillRef idx="1">
+        <a:scrgbClr r="0" g="0" b="0"/>
+      </a:fillRef>
+      <a:effectRef idx="0">
+        <a:scrgbClr r="0" g="0" b="0"/>
+      </a:effectRef>
+      <a:fontRef idx="minor"/>
+    </dgm:style>
+  </dgm:styleLbl>
+  <dgm:styleLbl name="fgAcc4">
+    <dgm:scene3d>
+      <a:camera prst="orthographicFront"/>
+      <a:lightRig rig="threePt" dir="t"/>
+    </dgm:scene3d>
+    <dgm:sp3d/>
+    <dgm:txPr/>
+    <dgm:style>
+      <a:lnRef idx="1">
+        <a:scrgbClr r="0" g="0" b="0"/>
+      </a:lnRef>
+      <a:fillRef idx="1">
+        <a:scrgbClr r="0" g="0" b="0"/>
+      </a:fillRef>
+      <a:effectRef idx="0">
+        <a:scrgbClr r="0" g="0" b="0"/>
+      </a:effectRef>
+      <a:fontRef idx="minor"/>
+    </dgm:style>
+  </dgm:styleLbl>
+  <dgm:styleLbl name="bgShp">
+    <dgm:scene3d>
+      <a:camera prst="orthographicFront"/>
+      <a:lightRig rig="threePt" dir="t"/>
+    </dgm:scene3d>
+    <dgm:sp3d/>
+    <dgm:txPr/>
+    <dgm:style>
+      <a:lnRef idx="0">
+        <a:scrgbClr r="0" g="0" b="0"/>
+      </a:lnRef>
+      <a:fillRef idx="1">
+        <a:scrgbClr r="0" g="0" b="0"/>
+      </a:fillRef>
+      <a:effectRef idx="2">
+        <a:scrgbClr r="0" g="0" b="0"/>
+      </a:effectRef>
+      <a:fontRef idx="minor"/>
+    </dgm:style>
+  </dgm:styleLbl>
+  <dgm:styleLbl name="dkBgShp">
+    <dgm:scene3d>
+      <a:camera prst="orthographicFront"/>
+      <a:lightRig rig="threePt" dir="t"/>
+    </dgm:scene3d>
+    <dgm:sp3d/>
+    <dgm:txPr/>
+    <dgm:style>
+      <a:lnRef idx="0">
+        <a:scrgbClr r="0" g="0" b="0"/>
+      </a:lnRef>
+      <a:fillRef idx="1">
+        <a:scrgbClr r="0" g="0" b="0"/>
+      </a:fillRef>
+      <a:effectRef idx="2">
+        <a:scrgbClr r="0" g="0" b="0"/>
+      </a:effectRef>
+      <a:fontRef idx="minor"/>
+    </dgm:style>
+  </dgm:styleLbl>
+  <dgm:styleLbl name="trBgShp">
+    <dgm:scene3d>
+      <a:camera prst="orthographicFront"/>
+      <a:lightRig rig="threePt" dir="t"/>
+    </dgm:scene3d>
+    <dgm:sp3d/>
+    <dgm:txPr/>
+    <dgm:style>
+      <a:lnRef idx="0">
+        <a:scrgbClr r="0" g="0" b="0"/>
+      </a:lnRef>
+      <a:fillRef idx="1">
+        <a:scrgbClr r="0" g="0" b="0"/>
+      </a:fillRef>
+      <a:effectRef idx="0">
+        <a:scrgbClr r="0" g="0" b="0"/>
+      </a:effectRef>
+      <a:fontRef idx="minor"/>
+    </dgm:style>
+  </dgm:styleLbl>
+  <dgm:styleLbl name="fgShp">
+    <dgm:scene3d>
+      <a:camera prst="orthographicFront"/>
+      <a:lightRig rig="threePt" dir="t"/>
+    </dgm:scene3d>
+    <dgm:sp3d/>
+    <dgm:txPr/>
+    <dgm:style>
+      <a:lnRef idx="0">
+        <a:scrgbClr r="0" g="0" b="0"/>
+      </a:lnRef>
+      <a:fillRef idx="3">
+        <a:scrgbClr r="0" g="0" b="0"/>
+      </a:fillRef>
+      <a:effectRef idx="2">
+        <a:scrgbClr r="0" g="0" b="0"/>
+      </a:effectRef>
+      <a:fontRef idx="minor"/>
+    </dgm:style>
+  </dgm:styleLbl>
+  <dgm:styleLbl name="revTx">
+    <dgm:scene3d>
+      <a:camera prst="orthographicFront"/>
+      <a:lightRig rig="threePt" dir="t"/>
+    </dgm:scene3d>
+    <dgm:sp3d/>
+    <dgm:txPr/>
+    <dgm:style>
+      <a:lnRef idx="0">
+        <a:scrgbClr r="0" g="0" b="0"/>
+      </a:lnRef>
+      <a:fillRef idx="0">
+        <a:scrgbClr r="0" g="0" b="0"/>
+      </a:fillRef>
+      <a:effectRef idx="0">
+        <a:scrgbClr r="0" g="0" b="0"/>
+      </a:effectRef>
+      <a:fontRef idx="minor"/>
+    </dgm:style>
+  </dgm:styleLbl>
+</dgm:styleDef>
 </file>
 
 <file path=ppt/slideLayouts/slideLayout1.xml><?xml version="1.0" encoding="utf-8"?>
@@ -250,7 +6331,7 @@
           <a:p>
             <a:fld id="{B8C9A6F6-8C87-4A61-8651-904FF46E075C}" type="datetimeFigureOut">
               <a:rPr lang="en-US" smtClean="0"/>
-              <a:t>11/17/2015</a:t>
+              <a:t>11/18/2015</a:t>
             </a:fld>
             <a:endParaRPr lang="en-US"/>
           </a:p>
@@ -420,7 +6501,7 @@
           <a:p>
             <a:fld id="{B8C9A6F6-8C87-4A61-8651-904FF46E075C}" type="datetimeFigureOut">
               <a:rPr lang="en-US" smtClean="0"/>
-              <a:t>11/17/2015</a:t>
+              <a:t>11/18/2015</a:t>
             </a:fld>
             <a:endParaRPr lang="en-US"/>
           </a:p>
@@ -600,7 +6681,7 @@
           <a:p>
             <a:fld id="{B8C9A6F6-8C87-4A61-8651-904FF46E075C}" type="datetimeFigureOut">
               <a:rPr lang="en-US" smtClean="0"/>
-              <a:t>11/17/2015</a:t>
+              <a:t>11/18/2015</a:t>
             </a:fld>
             <a:endParaRPr lang="en-US"/>
           </a:p>
@@ -770,7 +6851,7 @@
           <a:p>
             <a:fld id="{B8C9A6F6-8C87-4A61-8651-904FF46E075C}" type="datetimeFigureOut">
               <a:rPr lang="en-US" smtClean="0"/>
-              <a:t>11/17/2015</a:t>
+              <a:t>11/18/2015</a:t>
             </a:fld>
             <a:endParaRPr lang="en-US"/>
           </a:p>
@@ -1016,7 +7097,7 @@
           <a:p>
             <a:fld id="{B8C9A6F6-8C87-4A61-8651-904FF46E075C}" type="datetimeFigureOut">
               <a:rPr lang="en-US" smtClean="0"/>
-              <a:t>11/17/2015</a:t>
+              <a:t>11/18/2015</a:t>
             </a:fld>
             <a:endParaRPr lang="en-US"/>
           </a:p>
@@ -1248,7 +7329,7 @@
           <a:p>
             <a:fld id="{B8C9A6F6-8C87-4A61-8651-904FF46E075C}" type="datetimeFigureOut">
               <a:rPr lang="en-US" smtClean="0"/>
-              <a:t>11/17/2015</a:t>
+              <a:t>11/18/2015</a:t>
             </a:fld>
             <a:endParaRPr lang="en-US"/>
           </a:p>
@@ -1615,7 +7696,7 @@
           <a:p>
             <a:fld id="{B8C9A6F6-8C87-4A61-8651-904FF46E075C}" type="datetimeFigureOut">
               <a:rPr lang="en-US" smtClean="0"/>
-              <a:t>11/17/2015</a:t>
+              <a:t>11/18/2015</a:t>
             </a:fld>
             <a:endParaRPr lang="en-US"/>
           </a:p>
@@ -1733,7 +7814,7 @@
           <a:p>
             <a:fld id="{B8C9A6F6-8C87-4A61-8651-904FF46E075C}" type="datetimeFigureOut">
               <a:rPr lang="en-US" smtClean="0"/>
-              <a:t>11/17/2015</a:t>
+              <a:t>11/18/2015</a:t>
             </a:fld>
             <a:endParaRPr lang="en-US"/>
           </a:p>
@@ -1828,7 +7909,7 @@
           <a:p>
             <a:fld id="{B8C9A6F6-8C87-4A61-8651-904FF46E075C}" type="datetimeFigureOut">
               <a:rPr lang="en-US" smtClean="0"/>
-              <a:t>11/17/2015</a:t>
+              <a:t>11/18/2015</a:t>
             </a:fld>
             <a:endParaRPr lang="en-US"/>
           </a:p>
@@ -2105,7 +8186,7 @@
           <a:p>
             <a:fld id="{B8C9A6F6-8C87-4A61-8651-904FF46E075C}" type="datetimeFigureOut">
               <a:rPr lang="en-US" smtClean="0"/>
-              <a:t>11/17/2015</a:t>
+              <a:t>11/18/2015</a:t>
             </a:fld>
             <a:endParaRPr lang="en-US"/>
           </a:p>
@@ -2358,7 +8439,7 @@
           <a:p>
             <a:fld id="{B8C9A6F6-8C87-4A61-8651-904FF46E075C}" type="datetimeFigureOut">
               <a:rPr lang="en-US" smtClean="0"/>
-              <a:t>11/17/2015</a:t>
+              <a:t>11/18/2015</a:t>
             </a:fld>
             <a:endParaRPr lang="en-US"/>
           </a:p>
@@ -2571,7 +8652,7 @@
           <a:p>
             <a:fld id="{B8C9A6F6-8C87-4A61-8651-904FF46E075C}" type="datetimeFigureOut">
               <a:rPr lang="en-US" smtClean="0"/>
-              <a:t>11/17/2015</a:t>
+              <a:t>11/18/2015</a:t>
             </a:fld>
             <a:endParaRPr lang="en-US"/>
           </a:p>
@@ -3309,6 +9390,314 @@
           <a:chExt cx="0" cy="0"/>
         </a:xfrm>
       </p:grpSpPr>
+      <p:sp>
+        <p:nvSpPr>
+          <p:cNvPr id="2" name="Title 1"/>
+          <p:cNvSpPr>
+            <a:spLocks noGrp="1"/>
+          </p:cNvSpPr>
+          <p:nvPr>
+            <p:ph type="title"/>
+          </p:nvPr>
+        </p:nvSpPr>
+        <p:spPr/>
+        <p:txBody>
+          <a:bodyPr/>
+          <a:lstStyle/>
+          <a:p>
+            <a:r>
+              <a:rPr lang="en-US" dirty="0" smtClean="0"/>
+              <a:t>Churn Model Structure</a:t>
+            </a:r>
+            <a:endParaRPr lang="en-US" dirty="0"/>
+          </a:p>
+        </p:txBody>
+      </p:sp>
+      <p:graphicFrame>
+        <p:nvGraphicFramePr>
+          <p:cNvPr id="6" name="Content Placeholder 5"/>
+          <p:cNvGraphicFramePr>
+            <a:graphicFrameLocks noGrp="1"/>
+          </p:cNvGraphicFramePr>
+          <p:nvPr>
+            <p:ph sz="half" idx="1"/>
+            <p:extLst>
+              <p:ext uri="{D42A27DB-BD31-4B8C-83A1-F6EECF244321}">
+                <p14:modId xmlns:p14="http://schemas.microsoft.com/office/powerpoint/2010/main" val="3876448345"/>
+              </p:ext>
+            </p:extLst>
+          </p:nvPr>
+        </p:nvGraphicFramePr>
+        <p:xfrm>
+          <a:off x="838200" y="1825625"/>
+          <a:ext cx="5181600" cy="4351338"/>
+        </p:xfrm>
+        <a:graphic>
+          <a:graphicData uri="http://schemas.openxmlformats.org/drawingml/2006/diagram">
+            <dgm:relIds xmlns:dgm="http://schemas.openxmlformats.org/drawingml/2006/diagram" xmlns:r="http://schemas.openxmlformats.org/officeDocument/2006/relationships" r:dm="rId2" r:lo="rId3" r:qs="rId4" r:cs="rId5"/>
+          </a:graphicData>
+        </a:graphic>
+      </p:graphicFrame>
+      <p:graphicFrame>
+        <p:nvGraphicFramePr>
+          <p:cNvPr id="9" name="Content Placeholder 8"/>
+          <p:cNvGraphicFramePr>
+            <a:graphicFrameLocks noGrp="1"/>
+          </p:cNvGraphicFramePr>
+          <p:nvPr>
+            <p:ph sz="half" idx="2"/>
+            <p:extLst>
+              <p:ext uri="{D42A27DB-BD31-4B8C-83A1-F6EECF244321}">
+                <p14:modId xmlns:p14="http://schemas.microsoft.com/office/powerpoint/2010/main" val="3052359346"/>
+              </p:ext>
+            </p:extLst>
+          </p:nvPr>
+        </p:nvGraphicFramePr>
+        <p:xfrm>
+          <a:off x="6172200" y="1825625"/>
+          <a:ext cx="5181600" cy="4351338"/>
+        </p:xfrm>
+        <a:graphic>
+          <a:graphicData uri="http://schemas.openxmlformats.org/drawingml/2006/diagram">
+            <dgm:relIds xmlns:dgm="http://schemas.openxmlformats.org/drawingml/2006/diagram" xmlns:r="http://schemas.openxmlformats.org/officeDocument/2006/relationships" r:dm="rId7" r:lo="rId8" r:qs="rId9" r:cs="rId10"/>
+          </a:graphicData>
+        </a:graphic>
+      </p:graphicFrame>
+      <p:sp>
+        <p:nvSpPr>
+          <p:cNvPr id="10" name="TextBox 9"/>
+          <p:cNvSpPr txBox="1"/>
+          <p:nvPr/>
+        </p:nvSpPr>
+        <p:spPr>
+          <a:xfrm>
+            <a:off x="1919111" y="1975555"/>
+            <a:ext cx="2554111" cy="830997"/>
+          </a:xfrm>
+          <a:prstGeom prst="rect">
+            <a:avLst/>
+          </a:prstGeom>
+          <a:noFill/>
+        </p:spPr>
+        <p:txBody>
+          <a:bodyPr wrap="square" rtlCol="0">
+            <a:spAutoFit/>
+          </a:bodyPr>
+          <a:lstStyle/>
+          <a:p>
+            <a:pPr algn="ctr"/>
+            <a:r>
+              <a:rPr lang="en-US" sz="2400" dirty="0" smtClean="0"/>
+              <a:t>Model Building	</a:t>
+            </a:r>
+            <a:endParaRPr lang="en-US" sz="2400" dirty="0"/>
+          </a:p>
+        </p:txBody>
+      </p:sp>
+      <p:sp>
+        <p:nvSpPr>
+          <p:cNvPr id="11" name="TextBox 10"/>
+          <p:cNvSpPr txBox="1"/>
+          <p:nvPr/>
+        </p:nvSpPr>
+        <p:spPr>
+          <a:xfrm>
+            <a:off x="7154334" y="1930400"/>
+            <a:ext cx="2819400" cy="461665"/>
+          </a:xfrm>
+          <a:prstGeom prst="rect">
+            <a:avLst/>
+          </a:prstGeom>
+          <a:noFill/>
+        </p:spPr>
+        <p:txBody>
+          <a:bodyPr wrap="square" rtlCol="0">
+            <a:spAutoFit/>
+          </a:bodyPr>
+          <a:lstStyle/>
+          <a:p>
+            <a:pPr algn="ctr"/>
+            <a:r>
+              <a:rPr lang="en-US" sz="2400" dirty="0" smtClean="0"/>
+              <a:t>Model Deployment</a:t>
+            </a:r>
+            <a:endParaRPr lang="en-US" sz="2400" dirty="0"/>
+          </a:p>
+        </p:txBody>
+      </p:sp>
+      <p:cxnSp>
+        <p:nvCxnSpPr>
+          <p:cNvPr id="13" name="Straight Arrow Connector 12"/>
+          <p:cNvCxnSpPr/>
+          <p:nvPr/>
+        </p:nvCxnSpPr>
+        <p:spPr>
+          <a:xfrm flipH="1" flipV="1">
+            <a:off x="4296502" y="4025972"/>
+            <a:ext cx="13511" cy="1670170"/>
+          </a:xfrm>
+          <a:prstGeom prst="straightConnector1">
+            <a:avLst/>
+          </a:prstGeom>
+          <a:ln>
+            <a:tailEnd type="arrow"/>
+          </a:ln>
+        </p:spPr>
+        <p:style>
+          <a:lnRef idx="2">
+            <a:schemeClr val="accent1"/>
+          </a:lnRef>
+          <a:fillRef idx="0">
+            <a:schemeClr val="accent1"/>
+          </a:fillRef>
+          <a:effectRef idx="1">
+            <a:schemeClr val="accent1"/>
+          </a:effectRef>
+          <a:fontRef idx="minor">
+            <a:schemeClr val="tx1"/>
+          </a:fontRef>
+        </p:style>
+      </p:cxnSp>
+      <p:sp>
+        <p:nvSpPr>
+          <p:cNvPr id="15" name="TextBox 14"/>
+          <p:cNvSpPr txBox="1"/>
+          <p:nvPr/>
+        </p:nvSpPr>
+        <p:spPr>
+          <a:xfrm>
+            <a:off x="3715528" y="5741738"/>
+            <a:ext cx="1648344" cy="369332"/>
+          </a:xfrm>
+          <a:prstGeom prst="rect">
+            <a:avLst/>
+          </a:prstGeom>
+          <a:noFill/>
+          <a:ln>
+            <a:solidFill>
+              <a:schemeClr val="tx1"/>
+            </a:solidFill>
+          </a:ln>
+        </p:spPr>
+        <p:txBody>
+          <a:bodyPr wrap="square" rtlCol="0">
+            <a:spAutoFit/>
+          </a:bodyPr>
+          <a:lstStyle/>
+          <a:p>
+            <a:r>
+              <a:rPr lang="en-US" dirty="0" smtClean="0"/>
+              <a:t>Calculate Churn</a:t>
+            </a:r>
+            <a:endParaRPr lang="en-US" dirty="0"/>
+          </a:p>
+        </p:txBody>
+      </p:sp>
+      <p:cxnSp>
+        <p:nvCxnSpPr>
+          <p:cNvPr id="17" name="Straight Arrow Connector 16"/>
+          <p:cNvCxnSpPr/>
+          <p:nvPr/>
+        </p:nvCxnSpPr>
+        <p:spPr>
+          <a:xfrm flipH="1">
+            <a:off x="9704685" y="2958684"/>
+            <a:ext cx="604217" cy="1057569"/>
+          </a:xfrm>
+          <a:prstGeom prst="straightConnector1">
+            <a:avLst/>
+          </a:prstGeom>
+          <a:ln>
+            <a:tailEnd type="arrow"/>
+          </a:ln>
+        </p:spPr>
+        <p:style>
+          <a:lnRef idx="2">
+            <a:schemeClr val="accent1"/>
+          </a:lnRef>
+          <a:fillRef idx="0">
+            <a:schemeClr val="accent1"/>
+          </a:fillRef>
+          <a:effectRef idx="1">
+            <a:schemeClr val="accent1"/>
+          </a:effectRef>
+          <a:fontRef idx="minor">
+            <a:schemeClr val="tx1"/>
+          </a:fontRef>
+        </p:style>
+      </p:cxnSp>
+      <p:sp>
+        <p:nvSpPr>
+          <p:cNvPr id="20" name="TextBox 19"/>
+          <p:cNvSpPr txBox="1"/>
+          <p:nvPr/>
+        </p:nvSpPr>
+        <p:spPr>
+          <a:xfrm>
+            <a:off x="10254858" y="2462605"/>
+            <a:ext cx="1472701" cy="369332"/>
+          </a:xfrm>
+          <a:prstGeom prst="rect">
+            <a:avLst/>
+          </a:prstGeom>
+          <a:noFill/>
+          <a:ln>
+            <a:solidFill>
+              <a:schemeClr val="tx1"/>
+            </a:solidFill>
+          </a:ln>
+        </p:spPr>
+        <p:txBody>
+          <a:bodyPr wrap="square" rtlCol="0">
+            <a:spAutoFit/>
+          </a:bodyPr>
+          <a:lstStyle/>
+          <a:p>
+            <a:r>
+              <a:rPr lang="en-US" dirty="0" smtClean="0"/>
+              <a:t>Predict Churn</a:t>
+            </a:r>
+            <a:endParaRPr lang="en-US" dirty="0"/>
+          </a:p>
+        </p:txBody>
+      </p:sp>
+    </p:spTree>
+    <p:extLst>
+      <p:ext uri="{BB962C8B-B14F-4D97-AF65-F5344CB8AC3E}">
+        <p14:creationId xmlns:p14="http://schemas.microsoft.com/office/powerpoint/2010/main" val="3812399291"/>
+      </p:ext>
+    </p:extLst>
+  </p:cSld>
+  <p:clrMapOvr>
+    <a:masterClrMapping/>
+  </p:clrMapOvr>
+  <p:timing>
+    <p:tnLst>
+      <p:par>
+        <p:cTn id="1" dur="indefinite" restart="never" nodeType="tmRoot"/>
+      </p:par>
+    </p:tnLst>
+  </p:timing>
+</p:sld>
+</file>
+
+<file path=ppt/slides/slide5.xml><?xml version="1.0" encoding="utf-8"?>
+<p:sld xmlns:a="http://schemas.openxmlformats.org/drawingml/2006/main" xmlns:r="http://schemas.openxmlformats.org/officeDocument/2006/relationships" xmlns:p="http://schemas.openxmlformats.org/presentationml/2006/main">
+  <p:cSld>
+    <p:spTree>
+      <p:nvGrpSpPr>
+        <p:cNvPr id="1" name=""/>
+        <p:cNvGrpSpPr/>
+        <p:nvPr/>
+      </p:nvGrpSpPr>
+      <p:grpSpPr>
+        <a:xfrm>
+          <a:off x="0" y="0"/>
+          <a:ext cx="0" cy="0"/>
+          <a:chOff x="0" y="0"/>
+          <a:chExt cx="0" cy="0"/>
+        </a:xfrm>
+      </p:grpSpPr>
       <p:pic>
         <p:nvPicPr>
           <p:cNvPr id="5" name="Picture 4"/>
@@ -3693,7 +10082,7 @@
 </p:sld>
 </file>
 
-<file path=ppt/slides/slide5.xml><?xml version="1.0" encoding="utf-8"?>
+<file path=ppt/slides/slide6.xml><?xml version="1.0" encoding="utf-8"?>
 <p:sld xmlns:a="http://schemas.openxmlformats.org/drawingml/2006/main" xmlns:r="http://schemas.openxmlformats.org/officeDocument/2006/relationships" xmlns:p="http://schemas.openxmlformats.org/presentationml/2006/main">
   <p:cSld>
     <p:spTree>
@@ -3828,7 +10217,7 @@
 </p:sld>
 </file>
 
-<file path=ppt/slides/slide6.xml><?xml version="1.0" encoding="utf-8"?>
+<file path=ppt/slides/slide7.xml><?xml version="1.0" encoding="utf-8"?>
 <p:sld xmlns:a="http://schemas.openxmlformats.org/drawingml/2006/main" xmlns:r="http://schemas.openxmlformats.org/officeDocument/2006/relationships" xmlns:p="http://schemas.openxmlformats.org/presentationml/2006/main">
   <p:cSld>
     <p:spTree>
@@ -4005,7 +10394,7 @@
 </p:sld>
 </file>
 
-<file path=ppt/slides/slide7.xml><?xml version="1.0" encoding="utf-8"?>
+<file path=ppt/slides/slide8.xml><?xml version="1.0" encoding="utf-8"?>
 <p:sld xmlns:a="http://schemas.openxmlformats.org/drawingml/2006/main" xmlns:r="http://schemas.openxmlformats.org/officeDocument/2006/relationships" xmlns:p="http://schemas.openxmlformats.org/presentationml/2006/main">
   <p:cSld>
     <p:spTree>
@@ -4122,7 +10511,7 @@
 </p:sld>
 </file>
 
-<file path=ppt/slides/slide8.xml><?xml version="1.0" encoding="utf-8"?>
+<file path=ppt/slides/slide9.xml><?xml version="1.0" encoding="utf-8"?>
 <p:sld xmlns:a="http://schemas.openxmlformats.org/drawingml/2006/main" xmlns:r="http://schemas.openxmlformats.org/officeDocument/2006/relationships" xmlns:p="http://schemas.openxmlformats.org/presentationml/2006/main">
   <p:cSld>
     <p:spTree>
@@ -4424,7 +10813,7 @@
     </a:clrScheme>
     <a:fontScheme name="Office">
       <a:majorFont>
-        <a:latin typeface="Calibri Light" panose="020F0302020204030204"/>
+        <a:latin typeface="Calibri Light"/>
         <a:ea typeface=""/>
         <a:cs typeface=""/>
         <a:font script="Jpan" typeface="ＭＳ Ｐゴシック"/>
@@ -4459,7 +10848,7 @@
         <a:font script="Geor" typeface="Sylfaen"/>
       </a:majorFont>
       <a:minorFont>
-        <a:latin typeface="Calibri" panose="020F0502020204030204"/>
+        <a:latin typeface="Calibri"/>
         <a:ea typeface=""/>
         <a:cs typeface=""/>
         <a:font script="Jpan" typeface="ＭＳ Ｐゴシック"/>
